--- a/documentation/защита курсача.pptx
+++ b/documentation/защита курсача.pptx
@@ -9,10 +9,10 @@
     <p:sldId id="265" r:id="rId3"/>
     <p:sldId id="263" r:id="rId4"/>
     <p:sldId id="261" r:id="rId5"/>
-    <p:sldId id="266" r:id="rId6"/>
-    <p:sldId id="257" r:id="rId7"/>
-    <p:sldId id="264" r:id="rId8"/>
-    <p:sldId id="267" r:id="rId9"/>
+    <p:sldId id="270" r:id="rId6"/>
+    <p:sldId id="268" r:id="rId7"/>
+    <p:sldId id="269" r:id="rId8"/>
+    <p:sldId id="271" r:id="rId9"/>
     <p:sldId id="258" r:id="rId10"/>
   </p:sldIdLst>
   <p:sldSz cx="12192000" cy="6858000"/>
@@ -156,7 +156,7 @@
           <p:cNvPr id="2" name="Заголовок 1">
             <a:extLst>
               <a:ext uri="{FF2B5EF4-FFF2-40B4-BE49-F238E27FC236}">
-                <a16:creationId xmlns:a16="http://schemas.microsoft.com/office/drawing/2014/main" xmlns="" id="{670A1A5D-5A81-47DB-BE2C-03E0990F0D73}"/>
+                <a16:creationId xmlns="" xmlns:a16="http://schemas.microsoft.com/office/drawing/2014/main" id="{670A1A5D-5A81-47DB-BE2C-03E0990F0D73}"/>
               </a:ext>
             </a:extLst>
           </p:cNvPr>
@@ -197,7 +197,7 @@
           <p:cNvPr id="3" name="Подзаголовок 2">
             <a:extLst>
               <a:ext uri="{FF2B5EF4-FFF2-40B4-BE49-F238E27FC236}">
-                <a16:creationId xmlns:a16="http://schemas.microsoft.com/office/drawing/2014/main" xmlns="" id="{6D18D89D-FEB0-4064-AD3B-357BF020BCDA}"/>
+                <a16:creationId xmlns="" xmlns:a16="http://schemas.microsoft.com/office/drawing/2014/main" id="{6D18D89D-FEB0-4064-AD3B-357BF020BCDA}"/>
               </a:ext>
             </a:extLst>
           </p:cNvPr>
@@ -271,7 +271,7 @@
           <p:cNvPr id="4" name="Дата 3">
             <a:extLst>
               <a:ext uri="{FF2B5EF4-FFF2-40B4-BE49-F238E27FC236}">
-                <a16:creationId xmlns:a16="http://schemas.microsoft.com/office/drawing/2014/main" xmlns="" id="{0C08CCA0-7AC9-4458-99BC-25257703BE5B}"/>
+                <a16:creationId xmlns="" xmlns:a16="http://schemas.microsoft.com/office/drawing/2014/main" id="{0C08CCA0-7AC9-4458-99BC-25257703BE5B}"/>
               </a:ext>
             </a:extLst>
           </p:cNvPr>
@@ -309,7 +309,7 @@
           <p:cNvPr id="5" name="Нижний колонтитул 4">
             <a:extLst>
               <a:ext uri="{FF2B5EF4-FFF2-40B4-BE49-F238E27FC236}">
-                <a16:creationId xmlns:a16="http://schemas.microsoft.com/office/drawing/2014/main" xmlns="" id="{DF7410E7-85CD-46DA-BC17-90383213823C}"/>
+                <a16:creationId xmlns="" xmlns:a16="http://schemas.microsoft.com/office/drawing/2014/main" id="{DF7410E7-85CD-46DA-BC17-90383213823C}"/>
               </a:ext>
             </a:extLst>
           </p:cNvPr>
@@ -342,7 +342,7 @@
           <p:cNvPr id="6" name="Номер слайда 5">
             <a:extLst>
               <a:ext uri="{FF2B5EF4-FFF2-40B4-BE49-F238E27FC236}">
-                <a16:creationId xmlns:a16="http://schemas.microsoft.com/office/drawing/2014/main" xmlns="" id="{3CC549DF-D60D-41D0-9ADE-DA8EA16AD11F}"/>
+                <a16:creationId xmlns="" xmlns:a16="http://schemas.microsoft.com/office/drawing/2014/main" id="{3CC549DF-D60D-41D0-9ADE-DA8EA16AD11F}"/>
               </a:ext>
             </a:extLst>
           </p:cNvPr>
@@ -422,7 +422,7 @@
           <p:cNvPr id="2" name="Заголовок 1">
             <a:extLst>
               <a:ext uri="{FF2B5EF4-FFF2-40B4-BE49-F238E27FC236}">
-                <a16:creationId xmlns:a16="http://schemas.microsoft.com/office/drawing/2014/main" xmlns="" id="{B6A3F95C-774F-4E30-AE17-04AC0612DF47}"/>
+                <a16:creationId xmlns="" xmlns:a16="http://schemas.microsoft.com/office/drawing/2014/main" id="{B6A3F95C-774F-4E30-AE17-04AC0612DF47}"/>
               </a:ext>
             </a:extLst>
           </p:cNvPr>
@@ -450,7 +450,7 @@
           <p:cNvPr id="3" name="Дата 2">
             <a:extLst>
               <a:ext uri="{FF2B5EF4-FFF2-40B4-BE49-F238E27FC236}">
-                <a16:creationId xmlns:a16="http://schemas.microsoft.com/office/drawing/2014/main" xmlns="" id="{7A740606-3AD8-42ED-B129-A3DEC06BC505}"/>
+                <a16:creationId xmlns="" xmlns:a16="http://schemas.microsoft.com/office/drawing/2014/main" id="{7A740606-3AD8-42ED-B129-A3DEC06BC505}"/>
               </a:ext>
             </a:extLst>
           </p:cNvPr>
@@ -479,7 +479,7 @@
           <p:cNvPr id="4" name="Нижний колонтитул 3">
             <a:extLst>
               <a:ext uri="{FF2B5EF4-FFF2-40B4-BE49-F238E27FC236}">
-                <a16:creationId xmlns:a16="http://schemas.microsoft.com/office/drawing/2014/main" xmlns="" id="{F47C616E-EC5D-4161-B871-4DBFA23F1B01}"/>
+                <a16:creationId xmlns="" xmlns:a16="http://schemas.microsoft.com/office/drawing/2014/main" id="{F47C616E-EC5D-4161-B871-4DBFA23F1B01}"/>
               </a:ext>
             </a:extLst>
           </p:cNvPr>
@@ -504,7 +504,7 @@
           <p:cNvPr id="5" name="Номер слайда 4">
             <a:extLst>
               <a:ext uri="{FF2B5EF4-FFF2-40B4-BE49-F238E27FC236}">
-                <a16:creationId xmlns:a16="http://schemas.microsoft.com/office/drawing/2014/main" xmlns="" id="{017A186C-6BE5-484A-94F6-B5CFB1FB3258}"/>
+                <a16:creationId xmlns="" xmlns:a16="http://schemas.microsoft.com/office/drawing/2014/main" id="{017A186C-6BE5-484A-94F6-B5CFB1FB3258}"/>
               </a:ext>
             </a:extLst>
           </p:cNvPr>
@@ -575,7 +575,7 @@
           <p:cNvPr id="2" name="Дата 1">
             <a:extLst>
               <a:ext uri="{FF2B5EF4-FFF2-40B4-BE49-F238E27FC236}">
-                <a16:creationId xmlns:a16="http://schemas.microsoft.com/office/drawing/2014/main" xmlns="" id="{84059D37-F92B-4726-A34B-164AC46F6B03}"/>
+                <a16:creationId xmlns="" xmlns:a16="http://schemas.microsoft.com/office/drawing/2014/main" id="{84059D37-F92B-4726-A34B-164AC46F6B03}"/>
               </a:ext>
             </a:extLst>
           </p:cNvPr>
@@ -604,7 +604,7 @@
           <p:cNvPr id="3" name="Нижний колонтитул 2">
             <a:extLst>
               <a:ext uri="{FF2B5EF4-FFF2-40B4-BE49-F238E27FC236}">
-                <a16:creationId xmlns:a16="http://schemas.microsoft.com/office/drawing/2014/main" xmlns="" id="{5EB8A300-DCC2-4DBC-89F3-19460679B6D8}"/>
+                <a16:creationId xmlns="" xmlns:a16="http://schemas.microsoft.com/office/drawing/2014/main" id="{5EB8A300-DCC2-4DBC-89F3-19460679B6D8}"/>
               </a:ext>
             </a:extLst>
           </p:cNvPr>
@@ -629,7 +629,7 @@
           <p:cNvPr id="4" name="Номер слайда 3">
             <a:extLst>
               <a:ext uri="{FF2B5EF4-FFF2-40B4-BE49-F238E27FC236}">
-                <a16:creationId xmlns:a16="http://schemas.microsoft.com/office/drawing/2014/main" xmlns="" id="{6AE01FBC-E1B1-44CF-B5F4-B0621F58BA87}"/>
+                <a16:creationId xmlns="" xmlns:a16="http://schemas.microsoft.com/office/drawing/2014/main" id="{6AE01FBC-E1B1-44CF-B5F4-B0621F58BA87}"/>
               </a:ext>
             </a:extLst>
           </p:cNvPr>
@@ -700,7 +700,7 @@
           <p:cNvPr id="2" name="Заголовок 1">
             <a:extLst>
               <a:ext uri="{FF2B5EF4-FFF2-40B4-BE49-F238E27FC236}">
-                <a16:creationId xmlns:a16="http://schemas.microsoft.com/office/drawing/2014/main" xmlns="" id="{E0CDE81A-B789-490D-9823-1DCB79555CA7}"/>
+                <a16:creationId xmlns="" xmlns:a16="http://schemas.microsoft.com/office/drawing/2014/main" id="{E0CDE81A-B789-490D-9823-1DCB79555CA7}"/>
               </a:ext>
             </a:extLst>
           </p:cNvPr>
@@ -737,7 +737,7 @@
           <p:cNvPr id="3" name="Объект 2">
             <a:extLst>
               <a:ext uri="{FF2B5EF4-FFF2-40B4-BE49-F238E27FC236}">
-                <a16:creationId xmlns:a16="http://schemas.microsoft.com/office/drawing/2014/main" xmlns="" id="{34E3DE41-335B-4255-BD1B-1BD5FD769150}"/>
+                <a16:creationId xmlns="" xmlns:a16="http://schemas.microsoft.com/office/drawing/2014/main" id="{34E3DE41-335B-4255-BD1B-1BD5FD769150}"/>
               </a:ext>
             </a:extLst>
           </p:cNvPr>
@@ -827,7 +827,7 @@
           <p:cNvPr id="4" name="Текст 3">
             <a:extLst>
               <a:ext uri="{FF2B5EF4-FFF2-40B4-BE49-F238E27FC236}">
-                <a16:creationId xmlns:a16="http://schemas.microsoft.com/office/drawing/2014/main" xmlns="" id="{11CDC965-EE27-49DE-926C-3E4E5F353E3D}"/>
+                <a16:creationId xmlns="" xmlns:a16="http://schemas.microsoft.com/office/drawing/2014/main" id="{11CDC965-EE27-49DE-926C-3E4E5F353E3D}"/>
               </a:ext>
             </a:extLst>
           </p:cNvPr>
@@ -898,7 +898,7 @@
           <p:cNvPr id="5" name="Дата 4">
             <a:extLst>
               <a:ext uri="{FF2B5EF4-FFF2-40B4-BE49-F238E27FC236}">
-                <a16:creationId xmlns:a16="http://schemas.microsoft.com/office/drawing/2014/main" xmlns="" id="{A187F107-3B06-47AE-890B-4028A5F72270}"/>
+                <a16:creationId xmlns="" xmlns:a16="http://schemas.microsoft.com/office/drawing/2014/main" id="{A187F107-3B06-47AE-890B-4028A5F72270}"/>
               </a:ext>
             </a:extLst>
           </p:cNvPr>
@@ -927,7 +927,7 @@
           <p:cNvPr id="6" name="Нижний колонтитул 5">
             <a:extLst>
               <a:ext uri="{FF2B5EF4-FFF2-40B4-BE49-F238E27FC236}">
-                <a16:creationId xmlns:a16="http://schemas.microsoft.com/office/drawing/2014/main" xmlns="" id="{24E7A224-216B-43E1-A95E-10F95BB0FD69}"/>
+                <a16:creationId xmlns="" xmlns:a16="http://schemas.microsoft.com/office/drawing/2014/main" id="{24E7A224-216B-43E1-A95E-10F95BB0FD69}"/>
               </a:ext>
             </a:extLst>
           </p:cNvPr>
@@ -952,7 +952,7 @@
           <p:cNvPr id="7" name="Номер слайда 6">
             <a:extLst>
               <a:ext uri="{FF2B5EF4-FFF2-40B4-BE49-F238E27FC236}">
-                <a16:creationId xmlns:a16="http://schemas.microsoft.com/office/drawing/2014/main" xmlns="" id="{45BF9C8F-012F-410C-9624-42ADB56B0912}"/>
+                <a16:creationId xmlns="" xmlns:a16="http://schemas.microsoft.com/office/drawing/2014/main" id="{45BF9C8F-012F-410C-9624-42ADB56B0912}"/>
               </a:ext>
             </a:extLst>
           </p:cNvPr>
@@ -1023,7 +1023,7 @@
           <p:cNvPr id="2" name="Заголовок 1">
             <a:extLst>
               <a:ext uri="{FF2B5EF4-FFF2-40B4-BE49-F238E27FC236}">
-                <a16:creationId xmlns:a16="http://schemas.microsoft.com/office/drawing/2014/main" xmlns="" id="{EB7FA0CA-376B-46DC-813B-5E5FBFAAC05E}"/>
+                <a16:creationId xmlns="" xmlns:a16="http://schemas.microsoft.com/office/drawing/2014/main" id="{EB7FA0CA-376B-46DC-813B-5E5FBFAAC05E}"/>
               </a:ext>
             </a:extLst>
           </p:cNvPr>
@@ -1060,7 +1060,7 @@
           <p:cNvPr id="3" name="Рисунок 2">
             <a:extLst>
               <a:ext uri="{FF2B5EF4-FFF2-40B4-BE49-F238E27FC236}">
-                <a16:creationId xmlns:a16="http://schemas.microsoft.com/office/drawing/2014/main" xmlns="" id="{F1EBA494-E82E-4757-A3C0-955EA65D11F7}"/>
+                <a16:creationId xmlns="" xmlns:a16="http://schemas.microsoft.com/office/drawing/2014/main" id="{F1EBA494-E82E-4757-A3C0-955EA65D11F7}"/>
               </a:ext>
             </a:extLst>
           </p:cNvPr>
@@ -1127,7 +1127,7 @@
           <p:cNvPr id="4" name="Текст 3">
             <a:extLst>
               <a:ext uri="{FF2B5EF4-FFF2-40B4-BE49-F238E27FC236}">
-                <a16:creationId xmlns:a16="http://schemas.microsoft.com/office/drawing/2014/main" xmlns="" id="{33117C38-1525-4DAA-A6A8-79732457CC95}"/>
+                <a16:creationId xmlns="" xmlns:a16="http://schemas.microsoft.com/office/drawing/2014/main" id="{33117C38-1525-4DAA-A6A8-79732457CC95}"/>
               </a:ext>
             </a:extLst>
           </p:cNvPr>
@@ -1198,7 +1198,7 @@
           <p:cNvPr id="5" name="Дата 4">
             <a:extLst>
               <a:ext uri="{FF2B5EF4-FFF2-40B4-BE49-F238E27FC236}">
-                <a16:creationId xmlns:a16="http://schemas.microsoft.com/office/drawing/2014/main" xmlns="" id="{0CF361C5-F126-4C0B-AE3A-2CBA980EFC2C}"/>
+                <a16:creationId xmlns="" xmlns:a16="http://schemas.microsoft.com/office/drawing/2014/main" id="{0CF361C5-F126-4C0B-AE3A-2CBA980EFC2C}"/>
               </a:ext>
             </a:extLst>
           </p:cNvPr>
@@ -1227,7 +1227,7 @@
           <p:cNvPr id="6" name="Нижний колонтитул 5">
             <a:extLst>
               <a:ext uri="{FF2B5EF4-FFF2-40B4-BE49-F238E27FC236}">
-                <a16:creationId xmlns:a16="http://schemas.microsoft.com/office/drawing/2014/main" xmlns="" id="{6F4F4485-29FD-4F98-96FC-E5D8DCB98AC3}"/>
+                <a16:creationId xmlns="" xmlns:a16="http://schemas.microsoft.com/office/drawing/2014/main" id="{6F4F4485-29FD-4F98-96FC-E5D8DCB98AC3}"/>
               </a:ext>
             </a:extLst>
           </p:cNvPr>
@@ -1252,7 +1252,7 @@
           <p:cNvPr id="7" name="Номер слайда 6">
             <a:extLst>
               <a:ext uri="{FF2B5EF4-FFF2-40B4-BE49-F238E27FC236}">
-                <a16:creationId xmlns:a16="http://schemas.microsoft.com/office/drawing/2014/main" xmlns="" id="{5942FB67-03FB-449E-89B5-DF67F63DAA5F}"/>
+                <a16:creationId xmlns="" xmlns:a16="http://schemas.microsoft.com/office/drawing/2014/main" id="{5942FB67-03FB-449E-89B5-DF67F63DAA5F}"/>
               </a:ext>
             </a:extLst>
           </p:cNvPr>
@@ -1323,7 +1323,7 @@
           <p:cNvPr id="2" name="Заголовок 1">
             <a:extLst>
               <a:ext uri="{FF2B5EF4-FFF2-40B4-BE49-F238E27FC236}">
-                <a16:creationId xmlns:a16="http://schemas.microsoft.com/office/drawing/2014/main" xmlns="" id="{4575B5E7-60F9-464C-B174-D06589C576AD}"/>
+                <a16:creationId xmlns="" xmlns:a16="http://schemas.microsoft.com/office/drawing/2014/main" id="{4575B5E7-60F9-464C-B174-D06589C576AD}"/>
               </a:ext>
             </a:extLst>
           </p:cNvPr>
@@ -1351,7 +1351,7 @@
           <p:cNvPr id="3" name="Вертикальный текст 2">
             <a:extLst>
               <a:ext uri="{FF2B5EF4-FFF2-40B4-BE49-F238E27FC236}">
-                <a16:creationId xmlns:a16="http://schemas.microsoft.com/office/drawing/2014/main" xmlns="" id="{D28484D1-D333-4AE1-BBFC-CD1DEC20F3D6}"/>
+                <a16:creationId xmlns="" xmlns:a16="http://schemas.microsoft.com/office/drawing/2014/main" id="{D28484D1-D333-4AE1-BBFC-CD1DEC20F3D6}"/>
               </a:ext>
             </a:extLst>
           </p:cNvPr>
@@ -1408,7 +1408,7 @@
           <p:cNvPr id="4" name="Дата 3">
             <a:extLst>
               <a:ext uri="{FF2B5EF4-FFF2-40B4-BE49-F238E27FC236}">
-                <a16:creationId xmlns:a16="http://schemas.microsoft.com/office/drawing/2014/main" xmlns="" id="{64A59D6A-B58D-4E95-A396-200C9B9BC3C0}"/>
+                <a16:creationId xmlns="" xmlns:a16="http://schemas.microsoft.com/office/drawing/2014/main" id="{64A59D6A-B58D-4E95-A396-200C9B9BC3C0}"/>
               </a:ext>
             </a:extLst>
           </p:cNvPr>
@@ -1437,7 +1437,7 @@
           <p:cNvPr id="5" name="Нижний колонтитул 4">
             <a:extLst>
               <a:ext uri="{FF2B5EF4-FFF2-40B4-BE49-F238E27FC236}">
-                <a16:creationId xmlns:a16="http://schemas.microsoft.com/office/drawing/2014/main" xmlns="" id="{7EB437D5-797B-49CA-AD3B-BE3CAF57E723}"/>
+                <a16:creationId xmlns="" xmlns:a16="http://schemas.microsoft.com/office/drawing/2014/main" id="{7EB437D5-797B-49CA-AD3B-BE3CAF57E723}"/>
               </a:ext>
             </a:extLst>
           </p:cNvPr>
@@ -1462,7 +1462,7 @@
           <p:cNvPr id="6" name="Номер слайда 5">
             <a:extLst>
               <a:ext uri="{FF2B5EF4-FFF2-40B4-BE49-F238E27FC236}">
-                <a16:creationId xmlns:a16="http://schemas.microsoft.com/office/drawing/2014/main" xmlns="" id="{2A1F4BFD-DCAB-4FA8-B42C-658D6832F7F0}"/>
+                <a16:creationId xmlns="" xmlns:a16="http://schemas.microsoft.com/office/drawing/2014/main" id="{2A1F4BFD-DCAB-4FA8-B42C-658D6832F7F0}"/>
               </a:ext>
             </a:extLst>
           </p:cNvPr>
@@ -1533,7 +1533,7 @@
           <p:cNvPr id="2" name="Вертикальный заголовок 1">
             <a:extLst>
               <a:ext uri="{FF2B5EF4-FFF2-40B4-BE49-F238E27FC236}">
-                <a16:creationId xmlns:a16="http://schemas.microsoft.com/office/drawing/2014/main" xmlns="" id="{0DD7D349-5ABD-40CA-91CD-9AC19B7C01AA}"/>
+                <a16:creationId xmlns="" xmlns:a16="http://schemas.microsoft.com/office/drawing/2014/main" id="{0DD7D349-5ABD-40CA-91CD-9AC19B7C01AA}"/>
               </a:ext>
             </a:extLst>
           </p:cNvPr>
@@ -1566,7 +1566,7 @@
           <p:cNvPr id="3" name="Вертикальный текст 2">
             <a:extLst>
               <a:ext uri="{FF2B5EF4-FFF2-40B4-BE49-F238E27FC236}">
-                <a16:creationId xmlns:a16="http://schemas.microsoft.com/office/drawing/2014/main" xmlns="" id="{F28E4FE5-4CB9-457C-9776-A6FC25BBA2BD}"/>
+                <a16:creationId xmlns="" xmlns:a16="http://schemas.microsoft.com/office/drawing/2014/main" id="{F28E4FE5-4CB9-457C-9776-A6FC25BBA2BD}"/>
               </a:ext>
             </a:extLst>
           </p:cNvPr>
@@ -1628,7 +1628,7 @@
           <p:cNvPr id="4" name="Дата 3">
             <a:extLst>
               <a:ext uri="{FF2B5EF4-FFF2-40B4-BE49-F238E27FC236}">
-                <a16:creationId xmlns:a16="http://schemas.microsoft.com/office/drawing/2014/main" xmlns="" id="{16DF420E-C006-48BA-ACD0-A009889F4495}"/>
+                <a16:creationId xmlns="" xmlns:a16="http://schemas.microsoft.com/office/drawing/2014/main" id="{16DF420E-C006-48BA-ACD0-A009889F4495}"/>
               </a:ext>
             </a:extLst>
           </p:cNvPr>
@@ -1657,7 +1657,7 @@
           <p:cNvPr id="5" name="Нижний колонтитул 4">
             <a:extLst>
               <a:ext uri="{FF2B5EF4-FFF2-40B4-BE49-F238E27FC236}">
-                <a16:creationId xmlns:a16="http://schemas.microsoft.com/office/drawing/2014/main" xmlns="" id="{D36841BA-4A5C-4F80-82B2-3FE13D1DF5B3}"/>
+                <a16:creationId xmlns="" xmlns:a16="http://schemas.microsoft.com/office/drawing/2014/main" id="{D36841BA-4A5C-4F80-82B2-3FE13D1DF5B3}"/>
               </a:ext>
             </a:extLst>
           </p:cNvPr>
@@ -1682,7 +1682,7 @@
           <p:cNvPr id="6" name="Номер слайда 5">
             <a:extLst>
               <a:ext uri="{FF2B5EF4-FFF2-40B4-BE49-F238E27FC236}">
-                <a16:creationId xmlns:a16="http://schemas.microsoft.com/office/drawing/2014/main" xmlns="" id="{1B5348BA-A8D9-4752-9849-D1F480476C8F}"/>
+                <a16:creationId xmlns="" xmlns:a16="http://schemas.microsoft.com/office/drawing/2014/main" id="{1B5348BA-A8D9-4752-9849-D1F480476C8F}"/>
               </a:ext>
             </a:extLst>
           </p:cNvPr>
@@ -1753,7 +1753,7 @@
           <p:cNvPr id="2" name="Заголовок 1">
             <a:extLst>
               <a:ext uri="{FF2B5EF4-FFF2-40B4-BE49-F238E27FC236}">
-                <a16:creationId xmlns:a16="http://schemas.microsoft.com/office/drawing/2014/main" xmlns="" id="{9EC2F858-143C-49BF-AC24-DDE5A569426D}"/>
+                <a16:creationId xmlns="" xmlns:a16="http://schemas.microsoft.com/office/drawing/2014/main" id="{9EC2F858-143C-49BF-AC24-DDE5A569426D}"/>
               </a:ext>
             </a:extLst>
           </p:cNvPr>
@@ -1789,7 +1789,7 @@
           <p:cNvPr id="3" name="Объект 2">
             <a:extLst>
               <a:ext uri="{FF2B5EF4-FFF2-40B4-BE49-F238E27FC236}">
-                <a16:creationId xmlns:a16="http://schemas.microsoft.com/office/drawing/2014/main" xmlns="" id="{0CA1AEBE-8905-4864-B3FD-4CD04946E549}"/>
+                <a16:creationId xmlns="" xmlns:a16="http://schemas.microsoft.com/office/drawing/2014/main" id="{0CA1AEBE-8905-4864-B3FD-4CD04946E549}"/>
               </a:ext>
             </a:extLst>
           </p:cNvPr>
@@ -1846,7 +1846,7 @@
           <p:cNvPr id="7" name="Прямоугольник 6">
             <a:extLst>
               <a:ext uri="{FF2B5EF4-FFF2-40B4-BE49-F238E27FC236}">
-                <a16:creationId xmlns:a16="http://schemas.microsoft.com/office/drawing/2014/main" xmlns="" id="{AA079D8C-B135-4B29-9B74-4C89FD7E531F}"/>
+                <a16:creationId xmlns="" xmlns:a16="http://schemas.microsoft.com/office/drawing/2014/main" id="{AA079D8C-B135-4B29-9B74-4C89FD7E531F}"/>
               </a:ext>
             </a:extLst>
           </p:cNvPr>
@@ -1895,7 +1895,7 @@
           <p:cNvPr id="8" name="Прямоугольник 7">
             <a:extLst>
               <a:ext uri="{FF2B5EF4-FFF2-40B4-BE49-F238E27FC236}">
-                <a16:creationId xmlns:a16="http://schemas.microsoft.com/office/drawing/2014/main" xmlns="" id="{FF0D1648-B806-40EE-B6E3-7634106F579D}"/>
+                <a16:creationId xmlns="" xmlns:a16="http://schemas.microsoft.com/office/drawing/2014/main" id="{FF0D1648-B806-40EE-B6E3-7634106F579D}"/>
               </a:ext>
             </a:extLst>
           </p:cNvPr>
@@ -1944,7 +1944,7 @@
           <p:cNvPr id="10" name="Прямоугольник 9">
             <a:extLst>
               <a:ext uri="{FF2B5EF4-FFF2-40B4-BE49-F238E27FC236}">
-                <a16:creationId xmlns:a16="http://schemas.microsoft.com/office/drawing/2014/main" xmlns="" id="{9D45F2DE-3202-46E3-A4DF-1E1F8D2367F3}"/>
+                <a16:creationId xmlns="" xmlns:a16="http://schemas.microsoft.com/office/drawing/2014/main" id="{9D45F2DE-3202-46E3-A4DF-1E1F8D2367F3}"/>
               </a:ext>
             </a:extLst>
           </p:cNvPr>
@@ -1993,7 +1993,7 @@
           <p:cNvPr id="12" name="Прямоугольник 11">
             <a:extLst>
               <a:ext uri="{FF2B5EF4-FFF2-40B4-BE49-F238E27FC236}">
-                <a16:creationId xmlns:a16="http://schemas.microsoft.com/office/drawing/2014/main" xmlns="" id="{D4E4023C-83D7-4B9B-83E0-97AB0F4AC43B}"/>
+                <a16:creationId xmlns="" xmlns:a16="http://schemas.microsoft.com/office/drawing/2014/main" id="{D4E4023C-83D7-4B9B-83E0-97AB0F4AC43B}"/>
               </a:ext>
             </a:extLst>
           </p:cNvPr>
@@ -2084,7 +2084,7 @@
           <p:cNvPr id="2" name="Заголовок 1">
             <a:extLst>
               <a:ext uri="{FF2B5EF4-FFF2-40B4-BE49-F238E27FC236}">
-                <a16:creationId xmlns:a16="http://schemas.microsoft.com/office/drawing/2014/main" xmlns="" id="{9EC2F858-143C-49BF-AC24-DDE5A569426D}"/>
+                <a16:creationId xmlns="" xmlns:a16="http://schemas.microsoft.com/office/drawing/2014/main" id="{9EC2F858-143C-49BF-AC24-DDE5A569426D}"/>
               </a:ext>
             </a:extLst>
           </p:cNvPr>
@@ -2125,7 +2125,7 @@
           <p:cNvPr id="3" name="Объект 2">
             <a:extLst>
               <a:ext uri="{FF2B5EF4-FFF2-40B4-BE49-F238E27FC236}">
-                <a16:creationId xmlns:a16="http://schemas.microsoft.com/office/drawing/2014/main" xmlns="" id="{0CA1AEBE-8905-4864-B3FD-4CD04946E549}"/>
+                <a16:creationId xmlns="" xmlns:a16="http://schemas.microsoft.com/office/drawing/2014/main" id="{0CA1AEBE-8905-4864-B3FD-4CD04946E549}"/>
               </a:ext>
             </a:extLst>
           </p:cNvPr>
@@ -2187,7 +2187,7 @@
           <p:cNvPr id="5" name="Рисунок 4">
             <a:extLst>
               <a:ext uri="{FF2B5EF4-FFF2-40B4-BE49-F238E27FC236}">
-                <a16:creationId xmlns:a16="http://schemas.microsoft.com/office/drawing/2014/main" xmlns="" id="{8B632DE5-F5F2-4462-94DA-690026333B02}"/>
+                <a16:creationId xmlns="" xmlns:a16="http://schemas.microsoft.com/office/drawing/2014/main" id="{8B632DE5-F5F2-4462-94DA-690026333B02}"/>
               </a:ext>
             </a:extLst>
           </p:cNvPr>
@@ -2259,7 +2259,7 @@
           <p:cNvPr id="8" name="Прямоугольник 7">
             <a:extLst>
               <a:ext uri="{FF2B5EF4-FFF2-40B4-BE49-F238E27FC236}">
-                <a16:creationId xmlns:a16="http://schemas.microsoft.com/office/drawing/2014/main" xmlns="" id="{81134973-9603-4EB5-B737-91F29D4CD883}"/>
+                <a16:creationId xmlns="" xmlns:a16="http://schemas.microsoft.com/office/drawing/2014/main" id="{81134973-9603-4EB5-B737-91F29D4CD883}"/>
               </a:ext>
             </a:extLst>
           </p:cNvPr>
@@ -2311,7 +2311,7 @@
           <p:cNvPr id="2" name="Заголовок 1">
             <a:extLst>
               <a:ext uri="{FF2B5EF4-FFF2-40B4-BE49-F238E27FC236}">
-                <a16:creationId xmlns:a16="http://schemas.microsoft.com/office/drawing/2014/main" xmlns="" id="{08AAAB7C-7C1B-4105-BE24-F811EBB4014F}"/>
+                <a16:creationId xmlns="" xmlns:a16="http://schemas.microsoft.com/office/drawing/2014/main" id="{08AAAB7C-7C1B-4105-BE24-F811EBB4014F}"/>
               </a:ext>
             </a:extLst>
           </p:cNvPr>
@@ -2347,7 +2347,7 @@
           <p:cNvPr id="4" name="Дата 3">
             <a:extLst>
               <a:ext uri="{FF2B5EF4-FFF2-40B4-BE49-F238E27FC236}">
-                <a16:creationId xmlns:a16="http://schemas.microsoft.com/office/drawing/2014/main" xmlns="" id="{1AECA37A-4894-4A33-9EBE-8B2E35025896}"/>
+                <a16:creationId xmlns="" xmlns:a16="http://schemas.microsoft.com/office/drawing/2014/main" id="{1AECA37A-4894-4A33-9EBE-8B2E35025896}"/>
               </a:ext>
             </a:extLst>
           </p:cNvPr>
@@ -2376,7 +2376,7 @@
           <p:cNvPr id="5" name="Нижний колонтитул 4">
             <a:extLst>
               <a:ext uri="{FF2B5EF4-FFF2-40B4-BE49-F238E27FC236}">
-                <a16:creationId xmlns:a16="http://schemas.microsoft.com/office/drawing/2014/main" xmlns="" id="{0230E9E2-71FB-4D16-B449-EA5254AC7A43}"/>
+                <a16:creationId xmlns="" xmlns:a16="http://schemas.microsoft.com/office/drawing/2014/main" id="{0230E9E2-71FB-4D16-B449-EA5254AC7A43}"/>
               </a:ext>
             </a:extLst>
           </p:cNvPr>
@@ -2401,7 +2401,7 @@
           <p:cNvPr id="6" name="Номер слайда 5">
             <a:extLst>
               <a:ext uri="{FF2B5EF4-FFF2-40B4-BE49-F238E27FC236}">
-                <a16:creationId xmlns:a16="http://schemas.microsoft.com/office/drawing/2014/main" xmlns="" id="{6FF10A82-3FA8-48BC-A562-4BDCC940C256}"/>
+                <a16:creationId xmlns="" xmlns:a16="http://schemas.microsoft.com/office/drawing/2014/main" id="{6FF10A82-3FA8-48BC-A562-4BDCC940C256}"/>
               </a:ext>
             </a:extLst>
           </p:cNvPr>
@@ -2430,7 +2430,7 @@
           <p:cNvPr id="10" name="Рисунок 9">
             <a:extLst>
               <a:ext uri="{FF2B5EF4-FFF2-40B4-BE49-F238E27FC236}">
-                <a16:creationId xmlns:a16="http://schemas.microsoft.com/office/drawing/2014/main" xmlns="" id="{F0D9FAC9-46ED-4B2F-8516-B63FF2354312}"/>
+                <a16:creationId xmlns="" xmlns:a16="http://schemas.microsoft.com/office/drawing/2014/main" id="{F0D9FAC9-46ED-4B2F-8516-B63FF2354312}"/>
               </a:ext>
             </a:extLst>
           </p:cNvPr>
@@ -2460,7 +2460,7 @@
           <p:cNvPr id="21" name="Текст 14">
             <a:extLst>
               <a:ext uri="{FF2B5EF4-FFF2-40B4-BE49-F238E27FC236}">
-                <a16:creationId xmlns:a16="http://schemas.microsoft.com/office/drawing/2014/main" xmlns="" id="{4413139B-1729-455B-B830-4DAB12D9B25E}"/>
+                <a16:creationId xmlns="" xmlns:a16="http://schemas.microsoft.com/office/drawing/2014/main" id="{4413139B-1729-455B-B830-4DAB12D9B25E}"/>
               </a:ext>
             </a:extLst>
           </p:cNvPr>
@@ -2522,7 +2522,7 @@
           <p:cNvPr id="22" name="Текст 14">
             <a:extLst>
               <a:ext uri="{FF2B5EF4-FFF2-40B4-BE49-F238E27FC236}">
-                <a16:creationId xmlns:a16="http://schemas.microsoft.com/office/drawing/2014/main" xmlns="" id="{222B09F7-7246-4274-A513-9BEACBF61E15}"/>
+                <a16:creationId xmlns="" xmlns:a16="http://schemas.microsoft.com/office/drawing/2014/main" id="{222B09F7-7246-4274-A513-9BEACBF61E15}"/>
               </a:ext>
             </a:extLst>
           </p:cNvPr>
@@ -2584,7 +2584,7 @@
           <p:cNvPr id="12" name="Рисунок 9">
             <a:extLst>
               <a:ext uri="{FF2B5EF4-FFF2-40B4-BE49-F238E27FC236}">
-                <a16:creationId xmlns:a16="http://schemas.microsoft.com/office/drawing/2014/main" xmlns="" id="{4B61BE1B-0619-47D5-8D00-1DBE9B7F40BF}"/>
+                <a16:creationId xmlns="" xmlns:a16="http://schemas.microsoft.com/office/drawing/2014/main" id="{4B61BE1B-0619-47D5-8D00-1DBE9B7F40BF}"/>
               </a:ext>
             </a:extLst>
           </p:cNvPr>
@@ -2656,7 +2656,7 @@
           <p:cNvPr id="2" name="Заголовок 1">
             <a:extLst>
               <a:ext uri="{FF2B5EF4-FFF2-40B4-BE49-F238E27FC236}">
-                <a16:creationId xmlns:a16="http://schemas.microsoft.com/office/drawing/2014/main" xmlns="" id="{2914E300-70A9-4046-B13A-C580CDF0889A}"/>
+                <a16:creationId xmlns="" xmlns:a16="http://schemas.microsoft.com/office/drawing/2014/main" id="{2914E300-70A9-4046-B13A-C580CDF0889A}"/>
               </a:ext>
             </a:extLst>
           </p:cNvPr>
@@ -2692,7 +2692,7 @@
           <p:cNvPr id="3" name="Дата 2">
             <a:extLst>
               <a:ext uri="{FF2B5EF4-FFF2-40B4-BE49-F238E27FC236}">
-                <a16:creationId xmlns:a16="http://schemas.microsoft.com/office/drawing/2014/main" xmlns="" id="{E2941CF8-4508-43CA-BA33-C0B9ED75329D}"/>
+                <a16:creationId xmlns="" xmlns:a16="http://schemas.microsoft.com/office/drawing/2014/main" id="{E2941CF8-4508-43CA-BA33-C0B9ED75329D}"/>
               </a:ext>
             </a:extLst>
           </p:cNvPr>
@@ -2721,7 +2721,7 @@
           <p:cNvPr id="4" name="Нижний колонтитул 3">
             <a:extLst>
               <a:ext uri="{FF2B5EF4-FFF2-40B4-BE49-F238E27FC236}">
-                <a16:creationId xmlns:a16="http://schemas.microsoft.com/office/drawing/2014/main" xmlns="" id="{2F7B9934-7384-4A83-8B0E-FFF486DDFC47}"/>
+                <a16:creationId xmlns="" xmlns:a16="http://schemas.microsoft.com/office/drawing/2014/main" id="{2F7B9934-7384-4A83-8B0E-FFF486DDFC47}"/>
               </a:ext>
             </a:extLst>
           </p:cNvPr>
@@ -2746,7 +2746,7 @@
           <p:cNvPr id="5" name="Номер слайда 4">
             <a:extLst>
               <a:ext uri="{FF2B5EF4-FFF2-40B4-BE49-F238E27FC236}">
-                <a16:creationId xmlns:a16="http://schemas.microsoft.com/office/drawing/2014/main" xmlns="" id="{A4F36D14-7448-4ACB-B1EC-DDDAAA955198}"/>
+                <a16:creationId xmlns="" xmlns:a16="http://schemas.microsoft.com/office/drawing/2014/main" id="{A4F36D14-7448-4ACB-B1EC-DDDAAA955198}"/>
               </a:ext>
             </a:extLst>
           </p:cNvPr>
@@ -2817,7 +2817,7 @@
           <p:cNvPr id="2" name="Заголовок 1">
             <a:extLst>
               <a:ext uri="{FF2B5EF4-FFF2-40B4-BE49-F238E27FC236}">
-                <a16:creationId xmlns:a16="http://schemas.microsoft.com/office/drawing/2014/main" xmlns="" id="{9EC2F858-143C-49BF-AC24-DDE5A569426D}"/>
+                <a16:creationId xmlns="" xmlns:a16="http://schemas.microsoft.com/office/drawing/2014/main" id="{9EC2F858-143C-49BF-AC24-DDE5A569426D}"/>
               </a:ext>
             </a:extLst>
           </p:cNvPr>
@@ -2845,7 +2845,7 @@
           <p:cNvPr id="3" name="Объект 2">
             <a:extLst>
               <a:ext uri="{FF2B5EF4-FFF2-40B4-BE49-F238E27FC236}">
-                <a16:creationId xmlns:a16="http://schemas.microsoft.com/office/drawing/2014/main" xmlns="" id="{0CA1AEBE-8905-4864-B3FD-4CD04946E549}"/>
+                <a16:creationId xmlns="" xmlns:a16="http://schemas.microsoft.com/office/drawing/2014/main" id="{0CA1AEBE-8905-4864-B3FD-4CD04946E549}"/>
               </a:ext>
             </a:extLst>
           </p:cNvPr>
@@ -2944,7 +2944,7 @@
           <p:cNvPr id="2" name="Заголовок 1">
             <a:extLst>
               <a:ext uri="{FF2B5EF4-FFF2-40B4-BE49-F238E27FC236}">
-                <a16:creationId xmlns:a16="http://schemas.microsoft.com/office/drawing/2014/main" xmlns="" id="{1D6F616B-C814-43CB-9D66-2ACCE175F2AB}"/>
+                <a16:creationId xmlns="" xmlns:a16="http://schemas.microsoft.com/office/drawing/2014/main" id="{1D6F616B-C814-43CB-9D66-2ACCE175F2AB}"/>
               </a:ext>
             </a:extLst>
           </p:cNvPr>
@@ -2981,7 +2981,7 @@
           <p:cNvPr id="3" name="Текст 2">
             <a:extLst>
               <a:ext uri="{FF2B5EF4-FFF2-40B4-BE49-F238E27FC236}">
-                <a16:creationId xmlns:a16="http://schemas.microsoft.com/office/drawing/2014/main" xmlns="" id="{48AE93A1-6738-46E4-8F22-EE921A983948}"/>
+                <a16:creationId xmlns="" xmlns:a16="http://schemas.microsoft.com/office/drawing/2014/main" id="{48AE93A1-6738-46E4-8F22-EE921A983948}"/>
               </a:ext>
             </a:extLst>
           </p:cNvPr>
@@ -3106,7 +3106,7 @@
           <p:cNvPr id="4" name="Дата 3">
             <a:extLst>
               <a:ext uri="{FF2B5EF4-FFF2-40B4-BE49-F238E27FC236}">
-                <a16:creationId xmlns:a16="http://schemas.microsoft.com/office/drawing/2014/main" xmlns="" id="{6C78392C-C9F7-4DEF-AA81-542C2AAC75D8}"/>
+                <a16:creationId xmlns="" xmlns:a16="http://schemas.microsoft.com/office/drawing/2014/main" id="{6C78392C-C9F7-4DEF-AA81-542C2AAC75D8}"/>
               </a:ext>
             </a:extLst>
           </p:cNvPr>
@@ -3135,7 +3135,7 @@
           <p:cNvPr id="5" name="Нижний колонтитул 4">
             <a:extLst>
               <a:ext uri="{FF2B5EF4-FFF2-40B4-BE49-F238E27FC236}">
-                <a16:creationId xmlns:a16="http://schemas.microsoft.com/office/drawing/2014/main" xmlns="" id="{A00A34EB-7EF1-4575-A605-E6075A6358F8}"/>
+                <a16:creationId xmlns="" xmlns:a16="http://schemas.microsoft.com/office/drawing/2014/main" id="{A00A34EB-7EF1-4575-A605-E6075A6358F8}"/>
               </a:ext>
             </a:extLst>
           </p:cNvPr>
@@ -3160,7 +3160,7 @@
           <p:cNvPr id="6" name="Номер слайда 5">
             <a:extLst>
               <a:ext uri="{FF2B5EF4-FFF2-40B4-BE49-F238E27FC236}">
-                <a16:creationId xmlns:a16="http://schemas.microsoft.com/office/drawing/2014/main" xmlns="" id="{B1F6B72C-E973-4717-9B32-EB861DCB2EF5}"/>
+                <a16:creationId xmlns="" xmlns:a16="http://schemas.microsoft.com/office/drawing/2014/main" id="{B1F6B72C-E973-4717-9B32-EB861DCB2EF5}"/>
               </a:ext>
             </a:extLst>
           </p:cNvPr>
@@ -3231,7 +3231,7 @@
           <p:cNvPr id="2" name="Заголовок 1">
             <a:extLst>
               <a:ext uri="{FF2B5EF4-FFF2-40B4-BE49-F238E27FC236}">
-                <a16:creationId xmlns:a16="http://schemas.microsoft.com/office/drawing/2014/main" xmlns="" id="{C09AC03E-CC96-46B4-8F06-809941B60B78}"/>
+                <a16:creationId xmlns="" xmlns:a16="http://schemas.microsoft.com/office/drawing/2014/main" id="{C09AC03E-CC96-46B4-8F06-809941B60B78}"/>
               </a:ext>
             </a:extLst>
           </p:cNvPr>
@@ -3259,7 +3259,7 @@
           <p:cNvPr id="3" name="Объект 2">
             <a:extLst>
               <a:ext uri="{FF2B5EF4-FFF2-40B4-BE49-F238E27FC236}">
-                <a16:creationId xmlns:a16="http://schemas.microsoft.com/office/drawing/2014/main" xmlns="" id="{AED83CB0-A9EB-4FCC-AFF1-9C0719455B37}"/>
+                <a16:creationId xmlns="" xmlns:a16="http://schemas.microsoft.com/office/drawing/2014/main" id="{AED83CB0-A9EB-4FCC-AFF1-9C0719455B37}"/>
               </a:ext>
             </a:extLst>
           </p:cNvPr>
@@ -3321,7 +3321,7 @@
           <p:cNvPr id="4" name="Объект 3">
             <a:extLst>
               <a:ext uri="{FF2B5EF4-FFF2-40B4-BE49-F238E27FC236}">
-                <a16:creationId xmlns:a16="http://schemas.microsoft.com/office/drawing/2014/main" xmlns="" id="{F2A519CA-8C32-464E-AB8C-C7DAE493BF57}"/>
+                <a16:creationId xmlns="" xmlns:a16="http://schemas.microsoft.com/office/drawing/2014/main" id="{F2A519CA-8C32-464E-AB8C-C7DAE493BF57}"/>
               </a:ext>
             </a:extLst>
           </p:cNvPr>
@@ -3383,7 +3383,7 @@
           <p:cNvPr id="5" name="Дата 4">
             <a:extLst>
               <a:ext uri="{FF2B5EF4-FFF2-40B4-BE49-F238E27FC236}">
-                <a16:creationId xmlns:a16="http://schemas.microsoft.com/office/drawing/2014/main" xmlns="" id="{59389CDC-954B-4F3C-8708-20D835E735D8}"/>
+                <a16:creationId xmlns="" xmlns:a16="http://schemas.microsoft.com/office/drawing/2014/main" id="{59389CDC-954B-4F3C-8708-20D835E735D8}"/>
               </a:ext>
             </a:extLst>
           </p:cNvPr>
@@ -3412,7 +3412,7 @@
           <p:cNvPr id="6" name="Нижний колонтитул 5">
             <a:extLst>
               <a:ext uri="{FF2B5EF4-FFF2-40B4-BE49-F238E27FC236}">
-                <a16:creationId xmlns:a16="http://schemas.microsoft.com/office/drawing/2014/main" xmlns="" id="{9021DA71-9B62-4B5B-9FC5-8A2FE4CE5A21}"/>
+                <a16:creationId xmlns="" xmlns:a16="http://schemas.microsoft.com/office/drawing/2014/main" id="{9021DA71-9B62-4B5B-9FC5-8A2FE4CE5A21}"/>
               </a:ext>
             </a:extLst>
           </p:cNvPr>
@@ -3437,7 +3437,7 @@
           <p:cNvPr id="7" name="Номер слайда 6">
             <a:extLst>
               <a:ext uri="{FF2B5EF4-FFF2-40B4-BE49-F238E27FC236}">
-                <a16:creationId xmlns:a16="http://schemas.microsoft.com/office/drawing/2014/main" xmlns="" id="{9BC5407C-33E1-4753-B9AC-F00DBA80868C}"/>
+                <a16:creationId xmlns="" xmlns:a16="http://schemas.microsoft.com/office/drawing/2014/main" id="{9BC5407C-33E1-4753-B9AC-F00DBA80868C}"/>
               </a:ext>
             </a:extLst>
           </p:cNvPr>
@@ -3508,7 +3508,7 @@
           <p:cNvPr id="2" name="Заголовок 1">
             <a:extLst>
               <a:ext uri="{FF2B5EF4-FFF2-40B4-BE49-F238E27FC236}">
-                <a16:creationId xmlns:a16="http://schemas.microsoft.com/office/drawing/2014/main" xmlns="" id="{CD663584-63A5-4369-B563-05FB35552DB9}"/>
+                <a16:creationId xmlns="" xmlns:a16="http://schemas.microsoft.com/office/drawing/2014/main" id="{CD663584-63A5-4369-B563-05FB35552DB9}"/>
               </a:ext>
             </a:extLst>
           </p:cNvPr>
@@ -3541,7 +3541,7 @@
           <p:cNvPr id="3" name="Текст 2">
             <a:extLst>
               <a:ext uri="{FF2B5EF4-FFF2-40B4-BE49-F238E27FC236}">
-                <a16:creationId xmlns:a16="http://schemas.microsoft.com/office/drawing/2014/main" xmlns="" id="{438BDB9A-93BD-4EBA-9434-1716F89768E0}"/>
+                <a16:creationId xmlns="" xmlns:a16="http://schemas.microsoft.com/office/drawing/2014/main" id="{438BDB9A-93BD-4EBA-9434-1716F89768E0}"/>
               </a:ext>
             </a:extLst>
           </p:cNvPr>
@@ -3612,7 +3612,7 @@
           <p:cNvPr id="4" name="Объект 3">
             <a:extLst>
               <a:ext uri="{FF2B5EF4-FFF2-40B4-BE49-F238E27FC236}">
-                <a16:creationId xmlns:a16="http://schemas.microsoft.com/office/drawing/2014/main" xmlns="" id="{9C6B4D10-58E3-4843-B773-ACE304291F32}"/>
+                <a16:creationId xmlns="" xmlns:a16="http://schemas.microsoft.com/office/drawing/2014/main" id="{9C6B4D10-58E3-4843-B773-ACE304291F32}"/>
               </a:ext>
             </a:extLst>
           </p:cNvPr>
@@ -3674,7 +3674,7 @@
           <p:cNvPr id="5" name="Текст 4">
             <a:extLst>
               <a:ext uri="{FF2B5EF4-FFF2-40B4-BE49-F238E27FC236}">
-                <a16:creationId xmlns:a16="http://schemas.microsoft.com/office/drawing/2014/main" xmlns="" id="{DF791276-15DC-4AAA-A29A-7294AAED5151}"/>
+                <a16:creationId xmlns="" xmlns:a16="http://schemas.microsoft.com/office/drawing/2014/main" id="{DF791276-15DC-4AAA-A29A-7294AAED5151}"/>
               </a:ext>
             </a:extLst>
           </p:cNvPr>
@@ -3745,7 +3745,7 @@
           <p:cNvPr id="6" name="Объект 5">
             <a:extLst>
               <a:ext uri="{FF2B5EF4-FFF2-40B4-BE49-F238E27FC236}">
-                <a16:creationId xmlns:a16="http://schemas.microsoft.com/office/drawing/2014/main" xmlns="" id="{D984DE98-0C02-460E-AEB8-1FFCF6EE593F}"/>
+                <a16:creationId xmlns="" xmlns:a16="http://schemas.microsoft.com/office/drawing/2014/main" id="{D984DE98-0C02-460E-AEB8-1FFCF6EE593F}"/>
               </a:ext>
             </a:extLst>
           </p:cNvPr>
@@ -3807,7 +3807,7 @@
           <p:cNvPr id="7" name="Дата 6">
             <a:extLst>
               <a:ext uri="{FF2B5EF4-FFF2-40B4-BE49-F238E27FC236}">
-                <a16:creationId xmlns:a16="http://schemas.microsoft.com/office/drawing/2014/main" xmlns="" id="{4AE545B8-BE5D-416A-A9C4-DD942138351A}"/>
+                <a16:creationId xmlns="" xmlns:a16="http://schemas.microsoft.com/office/drawing/2014/main" id="{4AE545B8-BE5D-416A-A9C4-DD942138351A}"/>
               </a:ext>
             </a:extLst>
           </p:cNvPr>
@@ -3836,7 +3836,7 @@
           <p:cNvPr id="8" name="Нижний колонтитул 7">
             <a:extLst>
               <a:ext uri="{FF2B5EF4-FFF2-40B4-BE49-F238E27FC236}">
-                <a16:creationId xmlns:a16="http://schemas.microsoft.com/office/drawing/2014/main" xmlns="" id="{203D84F0-63EB-4F1F-A304-21FC5773031A}"/>
+                <a16:creationId xmlns="" xmlns:a16="http://schemas.microsoft.com/office/drawing/2014/main" id="{203D84F0-63EB-4F1F-A304-21FC5773031A}"/>
               </a:ext>
             </a:extLst>
           </p:cNvPr>
@@ -3861,7 +3861,7 @@
           <p:cNvPr id="9" name="Номер слайда 8">
             <a:extLst>
               <a:ext uri="{FF2B5EF4-FFF2-40B4-BE49-F238E27FC236}">
-                <a16:creationId xmlns:a16="http://schemas.microsoft.com/office/drawing/2014/main" xmlns="" id="{56BA2A66-252D-4BBD-AD7E-3C84EC9585AC}"/>
+                <a16:creationId xmlns="" xmlns:a16="http://schemas.microsoft.com/office/drawing/2014/main" id="{56BA2A66-252D-4BBD-AD7E-3C84EC9585AC}"/>
               </a:ext>
             </a:extLst>
           </p:cNvPr>
@@ -3937,7 +3937,7 @@
           <p:cNvPr id="2" name="Заголовок 1">
             <a:extLst>
               <a:ext uri="{FF2B5EF4-FFF2-40B4-BE49-F238E27FC236}">
-                <a16:creationId xmlns:a16="http://schemas.microsoft.com/office/drawing/2014/main" xmlns="" id="{D5569195-B136-450A-9EBB-E4D32554B9F7}"/>
+                <a16:creationId xmlns="" xmlns:a16="http://schemas.microsoft.com/office/drawing/2014/main" id="{D5569195-B136-450A-9EBB-E4D32554B9F7}"/>
               </a:ext>
             </a:extLst>
           </p:cNvPr>
@@ -3975,7 +3975,7 @@
           <p:cNvPr id="3" name="Текст 2">
             <a:extLst>
               <a:ext uri="{FF2B5EF4-FFF2-40B4-BE49-F238E27FC236}">
-                <a16:creationId xmlns:a16="http://schemas.microsoft.com/office/drawing/2014/main" xmlns="" id="{6C56AFD3-762E-431D-8169-48E9431F222C}"/>
+                <a16:creationId xmlns="" xmlns:a16="http://schemas.microsoft.com/office/drawing/2014/main" id="{6C56AFD3-762E-431D-8169-48E9431F222C}"/>
               </a:ext>
             </a:extLst>
           </p:cNvPr>
@@ -4042,7 +4042,7 @@
           <p:cNvPr id="4" name="Дата 3">
             <a:extLst>
               <a:ext uri="{FF2B5EF4-FFF2-40B4-BE49-F238E27FC236}">
-                <a16:creationId xmlns:a16="http://schemas.microsoft.com/office/drawing/2014/main" xmlns="" id="{B0B0A7F1-90CF-4B8D-9FE0-9796384F4054}"/>
+                <a16:creationId xmlns="" xmlns:a16="http://schemas.microsoft.com/office/drawing/2014/main" id="{B0B0A7F1-90CF-4B8D-9FE0-9796384F4054}"/>
               </a:ext>
             </a:extLst>
           </p:cNvPr>
@@ -4089,7 +4089,7 @@
           <p:cNvPr id="5" name="Нижний колонтитул 4">
             <a:extLst>
               <a:ext uri="{FF2B5EF4-FFF2-40B4-BE49-F238E27FC236}">
-                <a16:creationId xmlns:a16="http://schemas.microsoft.com/office/drawing/2014/main" xmlns="" id="{722E4D6C-F1D3-4A14-8D0D-B4CCD0AC81E3}"/>
+                <a16:creationId xmlns="" xmlns:a16="http://schemas.microsoft.com/office/drawing/2014/main" id="{722E4D6C-F1D3-4A14-8D0D-B4CCD0AC81E3}"/>
               </a:ext>
             </a:extLst>
           </p:cNvPr>
@@ -4132,7 +4132,7 @@
           <p:cNvPr id="6" name="Номер слайда 5">
             <a:extLst>
               <a:ext uri="{FF2B5EF4-FFF2-40B4-BE49-F238E27FC236}">
-                <a16:creationId xmlns:a16="http://schemas.microsoft.com/office/drawing/2014/main" xmlns="" id="{EDACE525-741D-45DF-830F-DE1754B0747D}"/>
+                <a16:creationId xmlns="" xmlns:a16="http://schemas.microsoft.com/office/drawing/2014/main" id="{EDACE525-741D-45DF-830F-DE1754B0747D}"/>
               </a:ext>
             </a:extLst>
           </p:cNvPr>
@@ -4180,7 +4180,7 @@
             <a:hlinkClick r:id="rId17"/>
             <a:extLst>
               <a:ext uri="{FF2B5EF4-FFF2-40B4-BE49-F238E27FC236}">
-                <a16:creationId xmlns:a16="http://schemas.microsoft.com/office/drawing/2014/main" xmlns="" id="{5B02C175-E080-45D1-9C7B-D1AA06E5A429}"/>
+                <a16:creationId xmlns="" xmlns:a16="http://schemas.microsoft.com/office/drawing/2014/main" id="{5B02C175-E080-45D1-9C7B-D1AA06E5A429}"/>
               </a:ext>
             </a:extLst>
           </p:cNvPr>
@@ -4553,7 +4553,7 @@
           <p:cNvPr id="4" name="Прямоугольник 3">
             <a:extLst>
               <a:ext uri="{FF2B5EF4-FFF2-40B4-BE49-F238E27FC236}">
-                <a16:creationId xmlns:a16="http://schemas.microsoft.com/office/drawing/2014/main" xmlns="" id="{3A24C834-B741-4195-B095-CF0589AF7461}"/>
+                <a16:creationId xmlns="" xmlns:a16="http://schemas.microsoft.com/office/drawing/2014/main" id="{3A24C834-B741-4195-B095-CF0589AF7461}"/>
               </a:ext>
             </a:extLst>
           </p:cNvPr>
@@ -4604,12 +4604,13 @@
             </a:r>
             <a:r>
               <a:rPr lang="ru-RU" sz="2000" dirty="0" smtClean="0"/>
-              <a:t>«Вычислительные средства АСОИУ</a:t>
-            </a:r>
-            <a:r>
-              <a:rPr lang="ru-RU" sz="2000" dirty="0"/>
-              <a:t>»</a:t>
-            </a:r>
+              <a:t>«Вычислительные средства </a:t>
+            </a:r>
+            <a:r>
+              <a:rPr lang="ru-RU" sz="2000" dirty="0" smtClean="0"/>
+              <a:t>АСОИ»</a:t>
+            </a:r>
+            <a:endParaRPr lang="ru-RU" sz="2000" dirty="0"/>
           </a:p>
           <a:p>
             <a:pPr algn="ctr"/>
@@ -4649,7 +4650,7 @@
           <p:cNvPr id="2" name="Заголовок 1">
             <a:extLst>
               <a:ext uri="{FF2B5EF4-FFF2-40B4-BE49-F238E27FC236}">
-                <a16:creationId xmlns:a16="http://schemas.microsoft.com/office/drawing/2014/main" xmlns="" id="{863F741A-A27B-4CE2-B7D3-79591874A84A}"/>
+                <a16:creationId xmlns="" xmlns:a16="http://schemas.microsoft.com/office/drawing/2014/main" id="{863F741A-A27B-4CE2-B7D3-79591874A84A}"/>
               </a:ext>
             </a:extLst>
           </p:cNvPr>
@@ -4662,7 +4663,7 @@
         </p:nvSpPr>
         <p:spPr>
           <a:xfrm>
-            <a:off x="1524000" y="1340848"/>
+            <a:off x="1524000" y="1442448"/>
             <a:ext cx="9144000" cy="730198"/>
           </a:xfrm>
         </p:spPr>
@@ -4682,11 +4683,7 @@
             </a:r>
             <a:r>
               <a:rPr lang="ru-RU" dirty="0" smtClean="0"/>
-              <a:t> </a:t>
-            </a:r>
-            <a:r>
-              <a:rPr lang="ru-RU" dirty="0" smtClean="0"/>
-              <a:t>работа</a:t>
+              <a:t> работа</a:t>
             </a:r>
             <a:endParaRPr lang="ru-RU" dirty="0"/>
           </a:p>
@@ -4697,7 +4694,7 @@
           <p:cNvPr id="3" name="Подзаголовок 2">
             <a:extLst>
               <a:ext uri="{FF2B5EF4-FFF2-40B4-BE49-F238E27FC236}">
-                <a16:creationId xmlns:a16="http://schemas.microsoft.com/office/drawing/2014/main" xmlns="" id="{5C2BA5F0-712E-441B-8DC7-1A2DEE33DD3D}"/>
+                <a16:creationId xmlns="" xmlns:a16="http://schemas.microsoft.com/office/drawing/2014/main" id="{5C2BA5F0-712E-441B-8DC7-1A2DEE33DD3D}"/>
               </a:ext>
             </a:extLst>
           </p:cNvPr>
@@ -4710,7 +4707,7 @@
         </p:nvSpPr>
         <p:spPr>
           <a:xfrm>
-            <a:off x="1524000" y="2071046"/>
+            <a:off x="1524000" y="2083746"/>
             <a:ext cx="9144000" cy="720263"/>
           </a:xfrm>
         </p:spPr>
@@ -4741,7 +4738,7 @@
           <p:cNvPr id="6" name="Прямая соединительная линия 5">
             <a:extLst>
               <a:ext uri="{FF2B5EF4-FFF2-40B4-BE49-F238E27FC236}">
-                <a16:creationId xmlns:a16="http://schemas.microsoft.com/office/drawing/2014/main" xmlns="" id="{38D3D184-4321-4E38-BE07-42489AB6216D}"/>
+                <a16:creationId xmlns="" xmlns:a16="http://schemas.microsoft.com/office/drawing/2014/main" id="{38D3D184-4321-4E38-BE07-42489AB6216D}"/>
               </a:ext>
             </a:extLst>
           </p:cNvPr>
@@ -4784,7 +4781,7 @@
           <p:cNvPr id="8" name="Прямая соединительная линия 7">
             <a:extLst>
               <a:ext uri="{FF2B5EF4-FFF2-40B4-BE49-F238E27FC236}">
-                <a16:creationId xmlns:a16="http://schemas.microsoft.com/office/drawing/2014/main" xmlns="" id="{D6A11B4B-69CF-4A51-9644-617C8A15784E}"/>
+                <a16:creationId xmlns="" xmlns:a16="http://schemas.microsoft.com/office/drawing/2014/main" id="{D6A11B4B-69CF-4A51-9644-617C8A15784E}"/>
               </a:ext>
             </a:extLst>
           </p:cNvPr>
@@ -4844,6 +4841,13 @@
       </p:transition>
     </mc:Fallback>
   </mc:AlternateContent>
+  <p:timing>
+    <p:tnLst>
+      <p:par>
+        <p:cTn id="1" dur="indefinite" restart="never" nodeType="tmRoot"/>
+      </p:par>
+    </p:tnLst>
+  </p:timing>
 </p:sld>
 </file>
 
@@ -4869,7 +4873,7 @@
           <p:cNvPr id="27" name="Прямоугольник 26">
             <a:extLst>
               <a:ext uri="{FF2B5EF4-FFF2-40B4-BE49-F238E27FC236}">
-                <a16:creationId xmlns:a16="http://schemas.microsoft.com/office/drawing/2014/main" xmlns="" id="{6AB6FD9A-1AFC-4807-9449-71974F4B8494}"/>
+                <a16:creationId xmlns="" xmlns:a16="http://schemas.microsoft.com/office/drawing/2014/main" id="{6AB6FD9A-1AFC-4807-9449-71974F4B8494}"/>
               </a:ext>
             </a:extLst>
           </p:cNvPr>
@@ -4878,8 +4882,8 @@
         </p:nvSpPr>
         <p:spPr>
           <a:xfrm rot="16200000">
-            <a:off x="8097898" y="2249840"/>
-            <a:ext cx="1791733" cy="5070180"/>
+            <a:off x="7076406" y="1010280"/>
+            <a:ext cx="3990112" cy="5350919"/>
           </a:xfrm>
           <a:prstGeom prst="rect">
             <a:avLst/>
@@ -4918,7 +4922,7 @@
           <p:cNvPr id="26" name="Прямоугольник 25">
             <a:extLst>
               <a:ext uri="{FF2B5EF4-FFF2-40B4-BE49-F238E27FC236}">
-                <a16:creationId xmlns:a16="http://schemas.microsoft.com/office/drawing/2014/main" xmlns="" id="{450AF9F7-281C-4F9E-BABF-05CBB22A9EA9}"/>
+                <a16:creationId xmlns="" xmlns:a16="http://schemas.microsoft.com/office/drawing/2014/main" id="{450AF9F7-281C-4F9E-BABF-05CBB22A9EA9}"/>
               </a:ext>
             </a:extLst>
           </p:cNvPr>
@@ -4927,7 +4931,7 @@
         </p:nvSpPr>
         <p:spPr>
           <a:xfrm rot="16200000">
-            <a:off x="2519749" y="2207519"/>
+            <a:off x="2380454" y="9138"/>
             <a:ext cx="1791730" cy="5154826"/>
           </a:xfrm>
           <a:prstGeom prst="rect">
@@ -4964,39 +4968,10 @@
       </p:sp>
       <p:sp>
         <p:nvSpPr>
-          <p:cNvPr id="5" name="Заголовок 4">
-            <a:extLst>
-              <a:ext uri="{FF2B5EF4-FFF2-40B4-BE49-F238E27FC236}">
-                <a16:creationId xmlns:a16="http://schemas.microsoft.com/office/drawing/2014/main" xmlns="" id="{2A59A394-BE77-4359-93AF-CF1DEA74E922}"/>
-              </a:ext>
-            </a:extLst>
-          </p:cNvPr>
-          <p:cNvSpPr>
-            <a:spLocks noGrp="1"/>
-          </p:cNvSpPr>
-          <p:nvPr>
-            <p:ph type="title"/>
-          </p:nvPr>
-        </p:nvSpPr>
-        <p:spPr/>
-        <p:txBody>
-          <a:bodyPr/>
-          <a:lstStyle/>
-          <a:p>
-            <a:r>
-              <a:rPr lang="ru-RU" b="1" dirty="0" smtClean="0"/>
-              <a:t>Введение</a:t>
-            </a:r>
-            <a:endParaRPr lang="ru-RU" dirty="0"/>
-          </a:p>
-        </p:txBody>
-      </p:sp>
-      <p:sp>
-        <p:nvSpPr>
           <p:cNvPr id="10" name="Прямоугольник 9">
             <a:extLst>
               <a:ext uri="{FF2B5EF4-FFF2-40B4-BE49-F238E27FC236}">
-                <a16:creationId xmlns:a16="http://schemas.microsoft.com/office/drawing/2014/main" xmlns="" id="{D9DBC35E-48E7-462C-9C9D-0CBCE2EA9228}"/>
+                <a16:creationId xmlns="" xmlns:a16="http://schemas.microsoft.com/office/drawing/2014/main" id="{D9DBC35E-48E7-462C-9C9D-0CBCE2EA9228}"/>
               </a:ext>
             </a:extLst>
           </p:cNvPr>
@@ -5045,7 +5020,7 @@
           <p:cNvPr id="11" name="Прямоугольник 10">
             <a:extLst>
               <a:ext uri="{FF2B5EF4-FFF2-40B4-BE49-F238E27FC236}">
-                <a16:creationId xmlns:a16="http://schemas.microsoft.com/office/drawing/2014/main" xmlns="" id="{77244B79-61B0-4DBC-816D-C65406D31146}"/>
+                <a16:creationId xmlns="" xmlns:a16="http://schemas.microsoft.com/office/drawing/2014/main" id="{77244B79-61B0-4DBC-816D-C65406D31146}"/>
               </a:ext>
             </a:extLst>
           </p:cNvPr>
@@ -5091,44 +5066,6 @@
       </p:sp>
       <p:sp>
         <p:nvSpPr>
-          <p:cNvPr id="2" name="Текст 1"/>
-          <p:cNvSpPr>
-            <a:spLocks noGrp="1"/>
-          </p:cNvSpPr>
-          <p:nvPr>
-            <p:ph type="body" sz="quarter" idx="20"/>
-          </p:nvPr>
-        </p:nvSpPr>
-        <p:spPr/>
-        <p:txBody>
-          <a:bodyPr/>
-          <a:lstStyle/>
-          <a:p>
-            <a:endParaRPr lang="ru-RU"/>
-          </a:p>
-        </p:txBody>
-      </p:sp>
-      <p:sp>
-        <p:nvSpPr>
-          <p:cNvPr id="3" name="Текст 2"/>
-          <p:cNvSpPr>
-            <a:spLocks noGrp="1"/>
-          </p:cNvSpPr>
-          <p:nvPr>
-            <p:ph type="body" sz="quarter" idx="19"/>
-          </p:nvPr>
-        </p:nvSpPr>
-        <p:spPr/>
-        <p:txBody>
-          <a:bodyPr/>
-          <a:lstStyle/>
-          <a:p>
-            <a:endParaRPr lang="ru-RU"/>
-          </a:p>
-        </p:txBody>
-      </p:sp>
-      <p:sp>
-        <p:nvSpPr>
           <p:cNvPr id="13" name="Заголовок 1"/>
           <p:cNvSpPr txBox="1">
             <a:spLocks/>
@@ -5137,7 +5074,7 @@
         </p:nvSpPr>
         <p:spPr>
           <a:xfrm>
-            <a:off x="7036258" y="366091"/>
+            <a:off x="6948989" y="974357"/>
             <a:ext cx="4287078" cy="599661"/>
           </a:xfrm>
           <a:prstGeom prst="rect">
@@ -5170,7 +5107,7 @@
           <a:p>
             <a:pPr algn="ctr"/>
             <a:r>
-              <a:rPr lang="ru-RU" smtClean="0"/>
+              <a:rPr lang="ru-RU" dirty="0" smtClean="0"/>
               <a:t>Задачи</a:t>
             </a:r>
             <a:endParaRPr lang="ru-RU" dirty="0"/>
@@ -5187,7 +5124,7 @@
         </p:nvSpPr>
         <p:spPr>
           <a:xfrm>
-            <a:off x="899464" y="1661884"/>
+            <a:off x="1003942" y="1627567"/>
             <a:ext cx="5392058" cy="3911601"/>
           </a:xfrm>
           <a:prstGeom prst="rect">
@@ -5371,12 +5308,42 @@
               <a:buNone/>
             </a:pPr>
             <a:r>
-              <a:rPr lang="ru-RU" sz="2500" smtClean="0"/>
-              <a:t>Целью курсовой работы является разработка веб-чата с возможностью обмена файлами </a:t>
-            </a:r>
-          </a:p>
-          <a:p>
-            <a:endParaRPr lang="ru-RU" dirty="0"/>
+              <a:rPr lang="ru-RU" sz="2500" dirty="0" smtClean="0">
+                <a:solidFill>
+                  <a:schemeClr val="bg1"/>
+                </a:solidFill>
+              </a:rPr>
+              <a:t>Целью курсовой работы является разработка </a:t>
+            </a:r>
+            <a:r>
+              <a:rPr lang="ru-RU" sz="2500" dirty="0" smtClean="0">
+                <a:solidFill>
+                  <a:schemeClr val="bg1"/>
+                </a:solidFill>
+              </a:rPr>
+              <a:t>веб-приложения </a:t>
+            </a:r>
+            <a:r>
+              <a:rPr lang="ru-RU" sz="2500" dirty="0" err="1" smtClean="0">
+                <a:solidFill>
+                  <a:schemeClr val="bg1"/>
+                </a:solidFill>
+              </a:rPr>
+              <a:t>агрегатора</a:t>
+            </a:r>
+            <a:r>
+              <a:rPr lang="ru-RU" sz="2500" dirty="0" smtClean="0">
+                <a:solidFill>
+                  <a:schemeClr val="bg1"/>
+                </a:solidFill>
+              </a:rPr>
+              <a:t> услуг по ремонту</a:t>
+            </a:r>
+            <a:endParaRPr lang="ru-RU" dirty="0">
+              <a:solidFill>
+                <a:schemeClr val="bg1"/>
+              </a:solidFill>
+            </a:endParaRPr>
           </a:p>
         </p:txBody>
       </p:sp>
@@ -5390,8 +5357,8 @@
         </p:nvSpPr>
         <p:spPr>
           <a:xfrm>
-            <a:off x="6525403" y="1661884"/>
-            <a:ext cx="5308788" cy="4340088"/>
+            <a:off x="6438134" y="1643228"/>
+            <a:ext cx="5308788" cy="3911601"/>
           </a:xfrm>
           <a:prstGeom prst="rect">
             <a:avLst/>
@@ -5399,7 +5366,7 @@
         </p:spPr>
         <p:txBody>
           <a:bodyPr>
-            <a:normAutofit/>
+            <a:normAutofit fontScale="92500"/>
           </a:bodyPr>
           <a:lstStyle>
             <a:lvl1pPr marL="228600" indent="-228600" algn="l" defTabSz="914400" rtl="0" eaLnBrk="1" latinLnBrk="0" hangingPunct="1">
@@ -5570,27 +5537,84 @@
               <a:lnSpc>
                 <a:spcPct val="150000"/>
               </a:lnSpc>
+              <a:buFont typeface="Courier New" panose="02070309020205020404" pitchFamily="49" charset="0"/>
+              <a:buChar char="o"/>
             </a:pPr>
             <a:r>
-              <a:rPr lang="ru-RU" sz="2500" smtClean="0"/>
-              <a:t>Исследование и изучение технологии веб-сокетов</a:t>
-            </a:r>
-            <a:r>
-              <a:rPr lang="en-US" sz="2500" smtClean="0"/>
+              <a:rPr lang="ru-RU" sz="2500" dirty="0" smtClean="0">
+                <a:solidFill>
+                  <a:schemeClr val="bg1"/>
+                </a:solidFill>
+              </a:rPr>
+              <a:t>Исследование и изучение предметной области, существующих аналогов</a:t>
+            </a:r>
+            <a:r>
+              <a:rPr lang="en-US" sz="2500" dirty="0" smtClean="0">
+                <a:solidFill>
+                  <a:schemeClr val="bg1"/>
+                </a:solidFill>
+              </a:rPr>
               <a:t>;</a:t>
             </a:r>
-            <a:endParaRPr lang="ru-RU" sz="2500" smtClean="0"/>
+            <a:endParaRPr lang="ru-RU" sz="2500" dirty="0" smtClean="0">
+              <a:solidFill>
+                <a:schemeClr val="bg1"/>
+              </a:solidFill>
+            </a:endParaRPr>
           </a:p>
           <a:p>
             <a:pPr>
               <a:lnSpc>
                 <a:spcPct val="150000"/>
               </a:lnSpc>
+              <a:buFont typeface="Courier New" panose="02070309020205020404" pitchFamily="49" charset="0"/>
+              <a:buChar char="o"/>
             </a:pPr>
             <a:r>
-              <a:rPr lang="ru-RU" sz="2500" smtClean="0"/>
-              <a:t>Формирование навыков по разработке и реализации веб-приложения с использованием клиент-серверной архитектуры</a:t>
-            </a:r>
+              <a:rPr lang="ru-RU" sz="2500" dirty="0" smtClean="0">
+                <a:solidFill>
+                  <a:schemeClr val="bg1"/>
+                </a:solidFill>
+              </a:rPr>
+              <a:t>Формирование навыков по разработке и реализации веб-приложения с использованием клиент-серверной архитектуры, паттерна </a:t>
+            </a:r>
+            <a:r>
+              <a:rPr lang="en-US" sz="2500" dirty="0" smtClean="0">
+                <a:solidFill>
+                  <a:schemeClr val="bg1"/>
+                </a:solidFill>
+              </a:rPr>
+              <a:t>MVC </a:t>
+            </a:r>
+            <a:r>
+              <a:rPr lang="ru-RU" sz="2500" dirty="0" smtClean="0">
+                <a:solidFill>
+                  <a:schemeClr val="bg1"/>
+                </a:solidFill>
+              </a:rPr>
+              <a:t>и базы данных </a:t>
+            </a:r>
+            <a:r>
+              <a:rPr lang="en-US" sz="2500" dirty="0" err="1" smtClean="0">
+                <a:solidFill>
+                  <a:schemeClr val="bg1"/>
+                </a:solidFill>
+              </a:rPr>
+              <a:t>MongoDB</a:t>
+            </a:r>
+            <a:r>
+              <a:rPr lang="en-US" sz="2500" dirty="0" smtClean="0">
+                <a:solidFill>
+                  <a:schemeClr val="bg1"/>
+                </a:solidFill>
+              </a:rPr>
+              <a:t>.</a:t>
+            </a:r>
+            <a:endParaRPr lang="ru-RU" sz="2500" dirty="0" smtClean="0">
+              <a:solidFill>
+                <a:schemeClr val="bg1"/>
+              </a:solidFill>
+            </a:endParaRPr>
           </a:p>
           <a:p>
             <a:pPr marL="0" indent="0">
@@ -5600,13 +5624,17 @@
               <a:buFont typeface="Arial" panose="020B0604020202020204" pitchFamily="34" charset="0"/>
               <a:buNone/>
             </a:pPr>
-            <a:endParaRPr lang="ru-RU" sz="1800" dirty="0" smtClean="0"/>
-          </a:p>
-        </p:txBody>
-      </p:sp>
-      <p:sp>
-        <p:nvSpPr>
-          <p:cNvPr id="16" name="Заголовок 1"/>
+            <a:endParaRPr lang="ru-RU" sz="1800" dirty="0" smtClean="0">
+              <a:solidFill>
+                <a:schemeClr val="bg1"/>
+              </a:solidFill>
+            </a:endParaRPr>
+          </a:p>
+        </p:txBody>
+      </p:sp>
+      <p:sp>
+        <p:nvSpPr>
+          <p:cNvPr id="18" name="Заголовок 1"/>
           <p:cNvSpPr txBox="1">
             <a:spLocks/>
           </p:cNvSpPr>
@@ -5614,7 +5642,7 @@
         </p:nvSpPr>
         <p:spPr>
           <a:xfrm>
-            <a:off x="1451954" y="365192"/>
+            <a:off x="1132779" y="996347"/>
             <a:ext cx="4287078" cy="599661"/>
           </a:xfrm>
           <a:prstGeom prst="rect">
@@ -5622,21 +5650,21 @@
           </a:prstGeom>
         </p:spPr>
         <p:txBody>
-          <a:bodyPr vert="horz" lIns="91440" tIns="45720" rIns="91440" bIns="45720" rtlCol="0" anchor="t">
+          <a:bodyPr vert="horz" lIns="91440" tIns="45720" rIns="91440" bIns="45720" rtlCol="0" anchor="ctr">
             <a:normAutofit fontScale="90000" lnSpcReduction="10000"/>
           </a:bodyPr>
           <a:lstStyle>
             <a:lvl1pPr algn="l" defTabSz="914400" rtl="0" eaLnBrk="1" latinLnBrk="0" hangingPunct="1">
               <a:lnSpc>
-                <a:spcPct val="89000"/>
+                <a:spcPct val="90000"/>
               </a:lnSpc>
               <a:spcBef>
                 <a:spcPct val="0"/>
               </a:spcBef>
               <a:buNone/>
-              <a:defRPr sz="4400" kern="1200" baseline="0">
-                <a:solidFill>
-                  <a:schemeClr val="tx2"/>
+              <a:defRPr sz="4400" b="1" kern="1200">
+                <a:solidFill>
+                  <a:srgbClr val="607090"/>
                 </a:solidFill>
                 <a:latin typeface="+mj-lt"/>
                 <a:ea typeface="+mj-ea"/>
@@ -5648,7 +5676,7 @@
             <a:pPr algn="ctr"/>
             <a:r>
               <a:rPr lang="ru-RU" dirty="0" smtClean="0"/>
-              <a:t>Цель </a:t>
+              <a:t>Цель</a:t>
             </a:r>
             <a:endParaRPr lang="ru-RU" dirty="0"/>
           </a:p>
@@ -5676,6 +5704,13 @@
       </p:transition>
     </mc:Fallback>
   </mc:AlternateContent>
+  <p:timing>
+    <p:tnLst>
+      <p:par>
+        <p:cTn id="1" dur="indefinite" restart="never" nodeType="tmRoot"/>
+      </p:par>
+    </p:tnLst>
+  </p:timing>
 </p:sld>
 </file>
 
@@ -5701,7 +5736,7 @@
           <p:cNvPr id="2" name="Заголовок 1">
             <a:extLst>
               <a:ext uri="{FF2B5EF4-FFF2-40B4-BE49-F238E27FC236}">
-                <a16:creationId xmlns:a16="http://schemas.microsoft.com/office/drawing/2014/main" xmlns="" id="{C90EBC50-0B1A-4FA5-A84F-9B41E5DAE68F}"/>
+                <a16:creationId xmlns="" xmlns:a16="http://schemas.microsoft.com/office/drawing/2014/main" id="{C90EBC50-0B1A-4FA5-A84F-9B41E5DAE68F}"/>
               </a:ext>
             </a:extLst>
           </p:cNvPr>
@@ -5712,22 +5747,20 @@
             <p:ph type="title"/>
           </p:nvPr>
         </p:nvSpPr>
-        <p:spPr/>
+        <p:spPr>
+          <a:xfrm>
+            <a:off x="2750917" y="152420"/>
+            <a:ext cx="6870539" cy="1325563"/>
+          </a:xfrm>
+        </p:spPr>
         <p:txBody>
           <a:bodyPr/>
           <a:lstStyle/>
           <a:p>
-            <a:r>
-              <a:rPr lang="en-US" dirty="0"/>
-              <a:t>React </a:t>
-            </a:r>
-            <a:r>
-              <a:rPr lang="ru-RU" dirty="0"/>
-              <a:t>и </a:t>
-            </a:r>
-            <a:r>
-              <a:rPr lang="en-US" dirty="0" err="1"/>
-              <a:t>Vue</a:t>
+            <a:pPr algn="ctr"/>
+            <a:r>
+              <a:rPr lang="ru-RU" dirty="0" smtClean="0"/>
+              <a:t>Предметная область</a:t>
             </a:r>
             <a:endParaRPr lang="ru-RU" dirty="0"/>
           </a:p>
@@ -5738,7 +5771,7 @@
           <p:cNvPr id="5" name="TextBox 4">
             <a:extLst>
               <a:ext uri="{FF2B5EF4-FFF2-40B4-BE49-F238E27FC236}">
-                <a16:creationId xmlns:a16="http://schemas.microsoft.com/office/drawing/2014/main" xmlns="" id="{0C36DFE7-A785-443A-8C47-5E53293E5B03}"/>
+                <a16:creationId xmlns="" xmlns:a16="http://schemas.microsoft.com/office/drawing/2014/main" id="{0C36DFE7-A785-443A-8C47-5E53293E5B03}"/>
               </a:ext>
             </a:extLst>
           </p:cNvPr>
@@ -5747,8 +5780,8 @@
         </p:nvSpPr>
         <p:spPr>
           <a:xfrm>
-            <a:off x="1873586" y="2148708"/>
-            <a:ext cx="8617299" cy="3539430"/>
+            <a:off x="1877536" y="2781019"/>
+            <a:ext cx="8617299" cy="2062103"/>
           </a:xfrm>
           <a:prstGeom prst="rect">
             <a:avLst/>
@@ -5768,15 +5801,15 @@
                   <a:schemeClr val="accent2"/>
                 </a:solidFill>
               </a:rPr>
-              <a:t>Фреймворки </a:t>
-            </a:r>
-            <a:r>
-              <a:rPr lang="ru-RU" sz="3200" dirty="0" err="1">
+              <a:t>Предметной областью </a:t>
+            </a:r>
+            <a:r>
+              <a:rPr lang="ru-RU" sz="3200" dirty="0" smtClean="0">
                 <a:solidFill>
                   <a:schemeClr val="accent2"/>
                 </a:solidFill>
               </a:rPr>
-              <a:t>JavaScript</a:t>
+              <a:t>является предоставление и получение услуг </a:t>
             </a:r>
             <a:r>
               <a:rPr lang="ru-RU" sz="3200" dirty="0">
@@ -5784,7 +5817,7 @@
                   <a:schemeClr val="accent2"/>
                 </a:solidFill>
               </a:rPr>
-              <a:t> становятся </a:t>
+              <a:t>по </a:t>
             </a:r>
             <a:r>
               <a:rPr lang="ru-RU" sz="3200" dirty="0" smtClean="0">
@@ -5792,49 +5825,9 @@
                   <a:schemeClr val="accent2"/>
                 </a:solidFill>
               </a:rPr>
-              <a:t>всё </a:t>
-            </a:r>
-            <a:r>
-              <a:rPr lang="ru-RU" sz="3200" dirty="0">
-                <a:solidFill>
-                  <a:schemeClr val="accent2"/>
-                </a:solidFill>
-              </a:rPr>
-              <a:t>более универсальными с каждым обновлением. </a:t>
-            </a:r>
-            <a:r>
-              <a:rPr lang="ru-RU" sz="3200" b="1" dirty="0" err="1">
-                <a:solidFill>
-                  <a:schemeClr val="accent2"/>
-                </a:solidFill>
-              </a:rPr>
-              <a:t>Vue</a:t>
-            </a:r>
-            <a:r>
-              <a:rPr lang="ru-RU" sz="3200" dirty="0">
-                <a:solidFill>
-                  <a:schemeClr val="accent2"/>
-                </a:solidFill>
-              </a:rPr>
-              <a:t> и </a:t>
-            </a:r>
-            <a:r>
-              <a:rPr lang="ru-RU" sz="3200" b="1" dirty="0" err="1">
-                <a:solidFill>
-                  <a:schemeClr val="accent2"/>
-                </a:solidFill>
-              </a:rPr>
-              <a:t>React</a:t>
-            </a:r>
-            <a:r>
-              <a:rPr lang="ru-RU" sz="3200" dirty="0">
-                <a:solidFill>
-                  <a:schemeClr val="accent2"/>
-                </a:solidFill>
-              </a:rPr>
-              <a:t> используют виртуальные модели DOM и состоят из компонентных и реактивных элементов. Они нацелены на достижение схожих целей, однако их структура и подходы отличаются</a:t>
-            </a:r>
-            <a:endParaRPr lang="en-US" sz="3200" dirty="0">
+              <a:t>ремонту с возможностью коммуникации между исполнителем и заказчиком по поводу услуги при помощи чата </a:t>
+            </a:r>
+            <a:endParaRPr lang="ru-RU" sz="3200" dirty="0">
               <a:solidFill>
                 <a:schemeClr val="accent2"/>
               </a:solidFill>
@@ -5847,7 +5840,7 @@
           <p:cNvPr id="7" name="Прямая соединительная линия 6">
             <a:extLst>
               <a:ext uri="{FF2B5EF4-FFF2-40B4-BE49-F238E27FC236}">
-                <a16:creationId xmlns:a16="http://schemas.microsoft.com/office/drawing/2014/main" xmlns="" id="{06E17476-810A-473C-839C-F99C2DC7380F}"/>
+                <a16:creationId xmlns="" xmlns:a16="http://schemas.microsoft.com/office/drawing/2014/main" id="{06E17476-810A-473C-839C-F99C2DC7380F}"/>
               </a:ext>
             </a:extLst>
           </p:cNvPr>
@@ -5856,7 +5849,7 @@
         </p:nvCxnSpPr>
         <p:spPr>
           <a:xfrm>
-            <a:off x="7500395" y="6146158"/>
+            <a:off x="8966977" y="6108058"/>
             <a:ext cx="1527858" cy="0"/>
           </a:xfrm>
           <a:prstGeom prst="line">
@@ -5888,7 +5881,7 @@
           <p:cNvPr id="8" name="Прямая соединительная линия 7">
             <a:extLst>
               <a:ext uri="{FF2B5EF4-FFF2-40B4-BE49-F238E27FC236}">
-                <a16:creationId xmlns:a16="http://schemas.microsoft.com/office/drawing/2014/main" xmlns="" id="{2060357F-DE11-421D-853D-70018423605E}"/>
+                <a16:creationId xmlns="" xmlns:a16="http://schemas.microsoft.com/office/drawing/2014/main" id="{2060357F-DE11-421D-853D-70018423605E}"/>
               </a:ext>
             </a:extLst>
           </p:cNvPr>
@@ -5897,7 +5890,7 @@
         </p:nvCxnSpPr>
         <p:spPr>
           <a:xfrm>
-            <a:off x="2750917" y="1911753"/>
+            <a:off x="1986988" y="1899053"/>
             <a:ext cx="1527858" cy="0"/>
           </a:xfrm>
           <a:prstGeom prst="line">
@@ -5946,6 +5939,13 @@
       </p:transition>
     </mc:Fallback>
   </mc:AlternateContent>
+  <p:timing>
+    <p:tnLst>
+      <p:par>
+        <p:cTn id="1" dur="indefinite" restart="never" nodeType="tmRoot"/>
+      </p:par>
+    </p:tnLst>
+  </p:timing>
 </p:sld>
 </file>
 
@@ -5971,7 +5971,7 @@
           <p:cNvPr id="2" name="Заголовок 1">
             <a:extLst>
               <a:ext uri="{FF2B5EF4-FFF2-40B4-BE49-F238E27FC236}">
-                <a16:creationId xmlns:a16="http://schemas.microsoft.com/office/drawing/2014/main" xmlns="" id="{C3D69FB5-73CD-4EAB-9F49-153919DA4C48}"/>
+                <a16:creationId xmlns="" xmlns:a16="http://schemas.microsoft.com/office/drawing/2014/main" id="{C3D69FB5-73CD-4EAB-9F49-153919DA4C48}"/>
               </a:ext>
             </a:extLst>
           </p:cNvPr>
@@ -5984,8 +5984,8 @@
         </p:nvSpPr>
         <p:spPr>
           <a:xfrm>
-            <a:off x="520700" y="88900"/>
-            <a:ext cx="11290300" cy="1325563"/>
+            <a:off x="520700" y="1"/>
+            <a:ext cx="11290300" cy="877620"/>
           </a:xfrm>
         </p:spPr>
         <p:txBody>
@@ -5995,751 +5995,18 @@
             <a:pPr algn="ctr"/>
             <a:r>
               <a:rPr lang="ru-RU" dirty="0"/>
-              <a:t>Сравнение </a:t>
-            </a:r>
-            <a:r>
-              <a:rPr lang="ru-RU" dirty="0" smtClean="0"/>
-              <a:t>показателей при манипуляциях с</a:t>
-            </a:r>
-            <a:r>
-              <a:rPr lang="ru-RU" dirty="0"/>
-              <a:t> </a:t>
-            </a:r>
-            <a:r>
-              <a:rPr lang="ru-RU" dirty="0" smtClean="0"/>
-              <a:t>1000 строками </a:t>
-            </a:r>
-            <a:r>
-              <a:rPr lang="ru-RU" dirty="0"/>
-              <a:t>(в миллисекундах)</a:t>
-            </a:r>
-          </a:p>
-        </p:txBody>
-      </p:sp>
-      <p:graphicFrame>
-        <p:nvGraphicFramePr>
-          <p:cNvPr id="4" name="Таблица 10">
-            <a:extLst>
-              <a:ext uri="{FF2B5EF4-FFF2-40B4-BE49-F238E27FC236}">
-                <a16:creationId xmlns:a16="http://schemas.microsoft.com/office/drawing/2014/main" xmlns="" id="{49D21E03-7A4F-455B-A43F-6400225FC436}"/>
-              </a:ext>
-            </a:extLst>
-          </p:cNvPr>
-          <p:cNvGraphicFramePr>
-            <a:graphicFrameLocks/>
-          </p:cNvGraphicFramePr>
-          <p:nvPr>
-            <p:extLst>
-              <p:ext uri="{D42A27DB-BD31-4B8C-83A1-F6EECF244321}">
-                <p14:modId xmlns:p14="http://schemas.microsoft.com/office/powerpoint/2010/main" val="2736783157"/>
-              </p:ext>
-            </p:extLst>
-          </p:nvPr>
-        </p:nvGraphicFramePr>
-        <p:xfrm>
-          <a:off x="393700" y="1325563"/>
-          <a:ext cx="7842249" cy="5499016"/>
-        </p:xfrm>
-        <a:graphic>
-          <a:graphicData uri="http://schemas.openxmlformats.org/drawingml/2006/table">
-            <a:tbl>
-              <a:tblPr firstRow="1" bandRow="1">
-                <a:tableStyleId>{1FECB4D8-DB02-4DC6-A0A2-4F2EBAE1DC90}</a:tableStyleId>
-              </a:tblPr>
-              <a:tblGrid>
-                <a:gridCol w="2614083">
-                  <a:extLst>
-                    <a:ext uri="{9D8B030D-6E8A-4147-A177-3AD203B41FA5}">
-                      <a16:colId xmlns:a16="http://schemas.microsoft.com/office/drawing/2014/main" xmlns="" val="1060721299"/>
-                    </a:ext>
-                  </a:extLst>
-                </a:gridCol>
-                <a:gridCol w="2614083">
-                  <a:extLst>
-                    <a:ext uri="{9D8B030D-6E8A-4147-A177-3AD203B41FA5}">
-                      <a16:colId xmlns:a16="http://schemas.microsoft.com/office/drawing/2014/main" xmlns="" val="3730294796"/>
-                    </a:ext>
-                  </a:extLst>
-                </a:gridCol>
-                <a:gridCol w="2614083">
-                  <a:extLst>
-                    <a:ext uri="{9D8B030D-6E8A-4147-A177-3AD203B41FA5}">
-                      <a16:colId xmlns:a16="http://schemas.microsoft.com/office/drawing/2014/main" xmlns="" val="2835790685"/>
-                    </a:ext>
-                  </a:extLst>
-                </a:gridCol>
-              </a:tblGrid>
-              <a:tr h="847016">
-                <a:tc>
-                  <a:txBody>
-                    <a:bodyPr/>
-                    <a:lstStyle/>
-                    <a:p>
-                      <a:pPr algn="ctr">
-                        <a:lnSpc>
-                          <a:spcPct val="150000"/>
-                        </a:lnSpc>
-                        <a:spcAft>
-                          <a:spcPts val="0"/>
-                        </a:spcAft>
-                      </a:pPr>
-                      <a:r>
-                        <a:rPr lang="ru-RU" sz="2000" b="1" i="0" dirty="0">
-                          <a:effectLst/>
-                          <a:latin typeface="+mn-lt"/>
-                          <a:ea typeface="Calibri" panose="020F0502020204030204" pitchFamily="34" charset="0"/>
-                          <a:cs typeface="Times New Roman" panose="02020603050405020304" pitchFamily="18" charset="0"/>
-                        </a:rPr>
-                        <a:t>Сравнительная операция</a:t>
-                      </a:r>
-                      <a:endParaRPr lang="ru-RU" sz="2000" i="0" dirty="0">
-                        <a:effectLst/>
-                        <a:latin typeface="+mn-lt"/>
-                        <a:ea typeface="Calibri" panose="020F0502020204030204" pitchFamily="34" charset="0"/>
-                        <a:cs typeface="Times New Roman" panose="02020603050405020304" pitchFamily="18" charset="0"/>
-                      </a:endParaRPr>
-                    </a:p>
-                  </a:txBody>
-                  <a:tcPr marL="68580" marR="68580" marT="0" marB="0">
-                    <a:solidFill>
-                      <a:srgbClr val="607090"/>
-                    </a:solidFill>
-                  </a:tcPr>
-                </a:tc>
-                <a:tc>
-                  <a:txBody>
-                    <a:bodyPr/>
-                    <a:lstStyle/>
-                    <a:p>
-                      <a:pPr algn="ctr">
-                        <a:lnSpc>
-                          <a:spcPct val="150000"/>
-                        </a:lnSpc>
-                        <a:spcAft>
-                          <a:spcPts val="0"/>
-                        </a:spcAft>
-                      </a:pPr>
-                      <a:r>
-                        <a:rPr lang="en-US" sz="2000" b="1" i="0" dirty="0" err="1">
-                          <a:effectLst/>
-                          <a:latin typeface="+mn-lt"/>
-                          <a:ea typeface="Calibri" panose="020F0502020204030204" pitchFamily="34" charset="0"/>
-                          <a:cs typeface="Times New Roman" panose="02020603050405020304" pitchFamily="18" charset="0"/>
-                        </a:rPr>
-                        <a:t>Vue</a:t>
-                      </a:r>
-                      <a:endParaRPr lang="ru-RU" sz="2000" i="0" dirty="0">
-                        <a:effectLst/>
-                        <a:latin typeface="+mn-lt"/>
-                        <a:ea typeface="Calibri" panose="020F0502020204030204" pitchFamily="34" charset="0"/>
-                        <a:cs typeface="Times New Roman" panose="02020603050405020304" pitchFamily="18" charset="0"/>
-                      </a:endParaRPr>
-                    </a:p>
-                  </a:txBody>
-                  <a:tcPr marL="68580" marR="68580" marT="0" marB="0">
-                    <a:solidFill>
-                      <a:srgbClr val="607090"/>
-                    </a:solidFill>
-                  </a:tcPr>
-                </a:tc>
-                <a:tc>
-                  <a:txBody>
-                    <a:bodyPr/>
-                    <a:lstStyle/>
-                    <a:p>
-                      <a:pPr algn="ctr">
-                        <a:lnSpc>
-                          <a:spcPct val="150000"/>
-                        </a:lnSpc>
-                        <a:spcAft>
-                          <a:spcPts val="0"/>
-                        </a:spcAft>
-                      </a:pPr>
-                      <a:r>
-                        <a:rPr lang="en-US" sz="2000" b="1" i="0" dirty="0">
-                          <a:effectLst/>
-                          <a:latin typeface="+mn-lt"/>
-                          <a:ea typeface="Calibri" panose="020F0502020204030204" pitchFamily="34" charset="0"/>
-                          <a:cs typeface="Times New Roman" panose="02020603050405020304" pitchFamily="18" charset="0"/>
-                        </a:rPr>
-                        <a:t>React</a:t>
-                      </a:r>
-                      <a:endParaRPr lang="ru-RU" sz="2000" b="1" i="0" dirty="0">
-                        <a:effectLst/>
-                        <a:latin typeface="+mn-lt"/>
-                        <a:ea typeface="Calibri" panose="020F0502020204030204" pitchFamily="34" charset="0"/>
-                        <a:cs typeface="Times New Roman" panose="02020603050405020304" pitchFamily="18" charset="0"/>
-                      </a:endParaRPr>
-                    </a:p>
-                  </a:txBody>
-                  <a:tcPr marL="68580" marR="68580" marT="0" marB="0">
-                    <a:solidFill>
-                      <a:srgbClr val="607090"/>
-                    </a:solidFill>
-                  </a:tcPr>
-                </a:tc>
-                <a:extLst>
-                  <a:ext uri="{0D108BD9-81ED-4DB2-BD59-A6C34878D82A}">
-                    <a16:rowId xmlns:a16="http://schemas.microsoft.com/office/drawing/2014/main" xmlns="" val="1574826020"/>
-                  </a:ext>
-                </a:extLst>
-              </a:tr>
-              <a:tr h="688954">
-                <a:tc>
-                  <a:txBody>
-                    <a:bodyPr/>
-                    <a:lstStyle/>
-                    <a:p>
-                      <a:pPr algn="ctr">
-                        <a:lnSpc>
-                          <a:spcPct val="150000"/>
-                        </a:lnSpc>
-                        <a:spcAft>
-                          <a:spcPts val="0"/>
-                        </a:spcAft>
-                      </a:pPr>
-                      <a:r>
-                        <a:rPr lang="ru-RU" sz="2000" b="1" i="0" dirty="0">
-                          <a:effectLst/>
-                          <a:latin typeface="+mn-lt"/>
-                          <a:ea typeface="Calibri" panose="020F0502020204030204" pitchFamily="34" charset="0"/>
-                          <a:cs typeface="Times New Roman" panose="02020603050405020304" pitchFamily="18" charset="0"/>
-                        </a:rPr>
-                        <a:t>Создание строк</a:t>
-                      </a:r>
-                    </a:p>
-                  </a:txBody>
-                  <a:tcPr marL="68580" marR="68580" marT="0" marB="0"/>
-                </a:tc>
-                <a:tc>
-                  <a:txBody>
-                    <a:bodyPr/>
-                    <a:lstStyle/>
-                    <a:p>
-                      <a:pPr algn="ctr">
-                        <a:lnSpc>
-                          <a:spcPct val="150000"/>
-                        </a:lnSpc>
-                        <a:spcAft>
-                          <a:spcPts val="0"/>
-                        </a:spcAft>
-                      </a:pPr>
-                      <a:r>
-                        <a:rPr lang="ru-RU" sz="2000" b="1" i="0" dirty="0">
-                          <a:effectLst/>
-                          <a:latin typeface="+mn-lt"/>
-                          <a:ea typeface="Calibri" panose="020F0502020204030204" pitchFamily="34" charset="0"/>
-                          <a:cs typeface="Times New Roman" panose="02020603050405020304" pitchFamily="18" charset="0"/>
-                        </a:rPr>
-                        <a:t>119</a:t>
-                      </a:r>
-                    </a:p>
-                  </a:txBody>
-                  <a:tcPr marL="68580" marR="68580" marT="0" marB="0"/>
-                </a:tc>
-                <a:tc>
-                  <a:txBody>
-                    <a:bodyPr/>
-                    <a:lstStyle/>
-                    <a:p>
-                      <a:pPr algn="ctr">
-                        <a:lnSpc>
-                          <a:spcPct val="150000"/>
-                        </a:lnSpc>
-                        <a:spcAft>
-                          <a:spcPts val="0"/>
-                        </a:spcAft>
-                      </a:pPr>
-                      <a:r>
-                        <a:rPr lang="ru-RU" sz="2000" b="1" i="0" dirty="0">
-                          <a:effectLst/>
-                          <a:latin typeface="+mn-lt"/>
-                          <a:ea typeface="Calibri" panose="020F0502020204030204" pitchFamily="34" charset="0"/>
-                          <a:cs typeface="Times New Roman" panose="02020603050405020304" pitchFamily="18" charset="0"/>
-                        </a:rPr>
-                        <a:t>126</a:t>
-                      </a:r>
-                    </a:p>
-                  </a:txBody>
-                  <a:tcPr marL="68580" marR="68580" marT="0" marB="0"/>
-                </a:tc>
-                <a:extLst>
-                  <a:ext uri="{0D108BD9-81ED-4DB2-BD59-A6C34878D82A}">
-                    <a16:rowId xmlns:a16="http://schemas.microsoft.com/office/drawing/2014/main" xmlns="" val="3869297412"/>
-                  </a:ext>
-                </a:extLst>
-              </a:tr>
-              <a:tr h="688954">
-                <a:tc>
-                  <a:txBody>
-                    <a:bodyPr/>
-                    <a:lstStyle/>
-                    <a:p>
-                      <a:pPr algn="ctr">
-                        <a:lnSpc>
-                          <a:spcPct val="150000"/>
-                        </a:lnSpc>
-                        <a:spcAft>
-                          <a:spcPts val="0"/>
-                        </a:spcAft>
-                      </a:pPr>
-                      <a:r>
-                        <a:rPr lang="ru-RU" sz="2000" b="1" i="0" dirty="0">
-                          <a:effectLst/>
-                          <a:latin typeface="+mn-lt"/>
-                          <a:ea typeface="Calibri" panose="020F0502020204030204" pitchFamily="34" charset="0"/>
-                          <a:cs typeface="Times New Roman" panose="02020603050405020304" pitchFamily="18" charset="0"/>
-                        </a:rPr>
-                        <a:t>Замена строк</a:t>
-                      </a:r>
-                    </a:p>
-                  </a:txBody>
-                  <a:tcPr marL="68580" marR="68580" marT="0" marB="0"/>
-                </a:tc>
-                <a:tc>
-                  <a:txBody>
-                    <a:bodyPr/>
-                    <a:lstStyle/>
-                    <a:p>
-                      <a:pPr algn="ctr">
-                        <a:lnSpc>
-                          <a:spcPct val="150000"/>
-                        </a:lnSpc>
-                        <a:spcAft>
-                          <a:spcPts val="0"/>
-                        </a:spcAft>
-                      </a:pPr>
-                      <a:r>
-                        <a:rPr lang="ru-RU" sz="2000" b="1" i="0" dirty="0">
-                          <a:effectLst/>
-                          <a:latin typeface="+mn-lt"/>
-                          <a:ea typeface="Calibri" panose="020F0502020204030204" pitchFamily="34" charset="0"/>
-                          <a:cs typeface="Times New Roman" panose="02020603050405020304" pitchFamily="18" charset="0"/>
-                        </a:rPr>
-                        <a:t>113</a:t>
-                      </a:r>
-                    </a:p>
-                  </a:txBody>
-                  <a:tcPr marL="68580" marR="68580" marT="0" marB="0"/>
-                </a:tc>
-                <a:tc>
-                  <a:txBody>
-                    <a:bodyPr/>
-                    <a:lstStyle/>
-                    <a:p>
-                      <a:pPr algn="ctr">
-                        <a:lnSpc>
-                          <a:spcPct val="150000"/>
-                        </a:lnSpc>
-                        <a:spcAft>
-                          <a:spcPts val="0"/>
-                        </a:spcAft>
-                      </a:pPr>
-                      <a:r>
-                        <a:rPr lang="ru-RU" sz="2000" b="1" i="0">
-                          <a:effectLst/>
-                          <a:latin typeface="+mn-lt"/>
-                          <a:ea typeface="Calibri" panose="020F0502020204030204" pitchFamily="34" charset="0"/>
-                          <a:cs typeface="Times New Roman" panose="02020603050405020304" pitchFamily="18" charset="0"/>
-                        </a:rPr>
-                        <a:t>127</a:t>
-                      </a:r>
-                    </a:p>
-                  </a:txBody>
-                  <a:tcPr marL="68580" marR="68580" marT="0" marB="0"/>
-                </a:tc>
-                <a:extLst>
-                  <a:ext uri="{0D108BD9-81ED-4DB2-BD59-A6C34878D82A}">
-                    <a16:rowId xmlns:a16="http://schemas.microsoft.com/office/drawing/2014/main" xmlns="" val="575992689"/>
-                  </a:ext>
-                </a:extLst>
-              </a:tr>
-              <a:tr h="818355">
-                <a:tc>
-                  <a:txBody>
-                    <a:bodyPr/>
-                    <a:lstStyle/>
-                    <a:p>
-                      <a:pPr algn="ctr">
-                        <a:lnSpc>
-                          <a:spcPct val="150000"/>
-                        </a:lnSpc>
-                        <a:spcAft>
-                          <a:spcPts val="0"/>
-                        </a:spcAft>
-                      </a:pPr>
-                      <a:r>
-                        <a:rPr lang="ru-RU" sz="2000" b="1" i="0">
-                          <a:effectLst/>
-                          <a:latin typeface="+mn-lt"/>
-                          <a:ea typeface="Calibri" panose="020F0502020204030204" pitchFamily="34" charset="0"/>
-                          <a:cs typeface="Times New Roman" panose="02020603050405020304" pitchFamily="18" charset="0"/>
-                        </a:rPr>
-                        <a:t>Замена каждой 10-ой строки</a:t>
-                      </a:r>
-                    </a:p>
-                  </a:txBody>
-                  <a:tcPr marL="68580" marR="68580" marT="0" marB="0"/>
-                </a:tc>
-                <a:tc>
-                  <a:txBody>
-                    <a:bodyPr/>
-                    <a:lstStyle/>
-                    <a:p>
-                      <a:pPr algn="ctr">
-                        <a:lnSpc>
-                          <a:spcPct val="150000"/>
-                        </a:lnSpc>
-                        <a:spcAft>
-                          <a:spcPts val="0"/>
-                        </a:spcAft>
-                      </a:pPr>
-                      <a:r>
-                        <a:rPr lang="ru-RU" sz="2000" b="1" i="0" dirty="0">
-                          <a:effectLst/>
-                          <a:latin typeface="+mn-lt"/>
-                          <a:ea typeface="Calibri" panose="020F0502020204030204" pitchFamily="34" charset="0"/>
-                          <a:cs typeface="Times New Roman" panose="02020603050405020304" pitchFamily="18" charset="0"/>
-                        </a:rPr>
-                        <a:t>359</a:t>
-                      </a:r>
-                    </a:p>
-                  </a:txBody>
-                  <a:tcPr marL="68580" marR="68580" marT="0" marB="0"/>
-                </a:tc>
-                <a:tc>
-                  <a:txBody>
-                    <a:bodyPr/>
-                    <a:lstStyle/>
-                    <a:p>
-                      <a:pPr algn="ctr">
-                        <a:lnSpc>
-                          <a:spcPct val="150000"/>
-                        </a:lnSpc>
-                        <a:spcAft>
-                          <a:spcPts val="0"/>
-                        </a:spcAft>
-                      </a:pPr>
-                      <a:r>
-                        <a:rPr lang="ru-RU" sz="2000" b="1" i="0" dirty="0">
-                          <a:effectLst/>
-                          <a:latin typeface="+mn-lt"/>
-                          <a:ea typeface="Calibri" panose="020F0502020204030204" pitchFamily="34" charset="0"/>
-                          <a:cs typeface="Times New Roman" panose="02020603050405020304" pitchFamily="18" charset="0"/>
-                        </a:rPr>
-                        <a:t>400</a:t>
-                      </a:r>
-                    </a:p>
-                  </a:txBody>
-                  <a:tcPr marL="68580" marR="68580" marT="0" marB="0"/>
-                </a:tc>
-                <a:extLst>
-                  <a:ext uri="{0D108BD9-81ED-4DB2-BD59-A6C34878D82A}">
-                    <a16:rowId xmlns:a16="http://schemas.microsoft.com/office/drawing/2014/main" xmlns="" val="3001803528"/>
-                  </a:ext>
-                </a:extLst>
-              </a:tr>
-              <a:tr h="818355">
-                <a:tc>
-                  <a:txBody>
-                    <a:bodyPr/>
-                    <a:lstStyle/>
-                    <a:p>
-                      <a:pPr algn="ctr">
-                        <a:lnSpc>
-                          <a:spcPct val="150000"/>
-                        </a:lnSpc>
-                        <a:spcAft>
-                          <a:spcPts val="0"/>
-                        </a:spcAft>
-                      </a:pPr>
-                      <a:r>
-                        <a:rPr lang="ru-RU" sz="2000" b="1" i="0" dirty="0">
-                          <a:effectLst/>
-                          <a:latin typeface="+mn-lt"/>
-                          <a:ea typeface="Calibri" panose="020F0502020204030204" pitchFamily="34" charset="0"/>
-                          <a:cs typeface="Times New Roman" panose="02020603050405020304" pitchFamily="18" charset="0"/>
-                        </a:rPr>
-                        <a:t>Выбор конкретной строки</a:t>
-                      </a:r>
-                    </a:p>
-                  </a:txBody>
-                  <a:tcPr marL="68580" marR="68580" marT="0" marB="0"/>
-                </a:tc>
-                <a:tc>
-                  <a:txBody>
-                    <a:bodyPr/>
-                    <a:lstStyle/>
-                    <a:p>
-                      <a:pPr algn="ctr">
-                        <a:lnSpc>
-                          <a:spcPct val="150000"/>
-                        </a:lnSpc>
-                        <a:spcAft>
-                          <a:spcPts val="0"/>
-                        </a:spcAft>
-                      </a:pPr>
-                      <a:r>
-                        <a:rPr lang="en-US" sz="2000" b="1" i="0">
-                          <a:effectLst/>
-                          <a:latin typeface="+mn-lt"/>
-                          <a:ea typeface="Calibri" panose="020F0502020204030204" pitchFamily="34" charset="0"/>
-                          <a:cs typeface="Times New Roman" panose="02020603050405020304" pitchFamily="18" charset="0"/>
-                        </a:rPr>
-                        <a:t>54</a:t>
-                      </a:r>
-                      <a:endParaRPr lang="ru-RU" sz="2000" b="1" i="0">
-                        <a:effectLst/>
-                        <a:latin typeface="+mn-lt"/>
-                        <a:ea typeface="Calibri" panose="020F0502020204030204" pitchFamily="34" charset="0"/>
-                        <a:cs typeface="Times New Roman" panose="02020603050405020304" pitchFamily="18" charset="0"/>
-                      </a:endParaRPr>
-                    </a:p>
-                  </a:txBody>
-                  <a:tcPr marL="68580" marR="68580" marT="0" marB="0"/>
-                </a:tc>
-                <a:tc>
-                  <a:txBody>
-                    <a:bodyPr/>
-                    <a:lstStyle/>
-                    <a:p>
-                      <a:pPr algn="ctr">
-                        <a:lnSpc>
-                          <a:spcPct val="150000"/>
-                        </a:lnSpc>
-                        <a:spcAft>
-                          <a:spcPts val="0"/>
-                        </a:spcAft>
-                      </a:pPr>
-                      <a:r>
-                        <a:rPr lang="en-US" sz="2000" b="1" i="0" dirty="0">
-                          <a:effectLst/>
-                          <a:latin typeface="+mn-lt"/>
-                          <a:ea typeface="Calibri" panose="020F0502020204030204" pitchFamily="34" charset="0"/>
-                          <a:cs typeface="Times New Roman" panose="02020603050405020304" pitchFamily="18" charset="0"/>
-                        </a:rPr>
-                        <a:t>105</a:t>
-                      </a:r>
-                      <a:endParaRPr lang="ru-RU" sz="2000" b="1" i="0" dirty="0">
-                        <a:effectLst/>
-                        <a:latin typeface="+mn-lt"/>
-                        <a:ea typeface="Calibri" panose="020F0502020204030204" pitchFamily="34" charset="0"/>
-                        <a:cs typeface="Times New Roman" panose="02020603050405020304" pitchFamily="18" charset="0"/>
-                      </a:endParaRPr>
-                    </a:p>
-                  </a:txBody>
-                  <a:tcPr marL="68580" marR="68580" marT="0" marB="0"/>
-                </a:tc>
-                <a:extLst>
-                  <a:ext uri="{0D108BD9-81ED-4DB2-BD59-A6C34878D82A}">
-                    <a16:rowId xmlns:a16="http://schemas.microsoft.com/office/drawing/2014/main" xmlns="" val="794233698"/>
-                  </a:ext>
-                </a:extLst>
-              </a:tr>
-              <a:tr h="688954">
-                <a:tc>
-                  <a:txBody>
-                    <a:bodyPr/>
-                    <a:lstStyle/>
-                    <a:p>
-                      <a:pPr algn="ctr">
-                        <a:lnSpc>
-                          <a:spcPct val="150000"/>
-                        </a:lnSpc>
-                        <a:spcAft>
-                          <a:spcPts val="0"/>
-                        </a:spcAft>
-                      </a:pPr>
-                      <a:r>
-                        <a:rPr lang="ru-RU" sz="2000" b="1" i="0" dirty="0">
-                          <a:effectLst/>
-                          <a:latin typeface="+mn-lt"/>
-                          <a:ea typeface="Calibri" panose="020F0502020204030204" pitchFamily="34" charset="0"/>
-                          <a:cs typeface="Times New Roman" panose="02020603050405020304" pitchFamily="18" charset="0"/>
-                        </a:rPr>
-                        <a:t>Перестановка строк</a:t>
-                      </a:r>
-                    </a:p>
-                  </a:txBody>
-                  <a:tcPr marL="68580" marR="68580" marT="0" marB="0"/>
-                </a:tc>
-                <a:tc>
-                  <a:txBody>
-                    <a:bodyPr/>
-                    <a:lstStyle/>
-                    <a:p>
-                      <a:pPr algn="ctr">
-                        <a:lnSpc>
-                          <a:spcPct val="150000"/>
-                        </a:lnSpc>
-                        <a:spcAft>
-                          <a:spcPts val="0"/>
-                        </a:spcAft>
-                      </a:pPr>
-                      <a:r>
-                        <a:rPr lang="en-US" sz="2000" b="1" i="0">
-                          <a:effectLst/>
-                          <a:latin typeface="+mn-lt"/>
-                          <a:ea typeface="Calibri" panose="020F0502020204030204" pitchFamily="34" charset="0"/>
-                          <a:cs typeface="Times New Roman" panose="02020603050405020304" pitchFamily="18" charset="0"/>
-                        </a:rPr>
-                        <a:t>74</a:t>
-                      </a:r>
-                      <a:endParaRPr lang="ru-RU" sz="2000" b="1" i="0">
-                        <a:effectLst/>
-                        <a:latin typeface="+mn-lt"/>
-                        <a:ea typeface="Calibri" panose="020F0502020204030204" pitchFamily="34" charset="0"/>
-                        <a:cs typeface="Times New Roman" panose="02020603050405020304" pitchFamily="18" charset="0"/>
-                      </a:endParaRPr>
-                    </a:p>
-                  </a:txBody>
-                  <a:tcPr marL="68580" marR="68580" marT="0" marB="0"/>
-                </a:tc>
-                <a:tc>
-                  <a:txBody>
-                    <a:bodyPr/>
-                    <a:lstStyle/>
-                    <a:p>
-                      <a:pPr algn="ctr">
-                        <a:lnSpc>
-                          <a:spcPct val="150000"/>
-                        </a:lnSpc>
-                        <a:spcAft>
-                          <a:spcPts val="0"/>
-                        </a:spcAft>
-                      </a:pPr>
-                      <a:r>
-                        <a:rPr lang="en-US" sz="2000" b="1" i="0">
-                          <a:effectLst/>
-                          <a:latin typeface="+mn-lt"/>
-                          <a:ea typeface="Calibri" panose="020F0502020204030204" pitchFamily="34" charset="0"/>
-                          <a:cs typeface="Times New Roman" panose="02020603050405020304" pitchFamily="18" charset="0"/>
-                        </a:rPr>
-                        <a:t>494</a:t>
-                      </a:r>
-                      <a:endParaRPr lang="ru-RU" sz="2000" b="1" i="0">
-                        <a:effectLst/>
-                        <a:latin typeface="+mn-lt"/>
-                        <a:ea typeface="Calibri" panose="020F0502020204030204" pitchFamily="34" charset="0"/>
-                        <a:cs typeface="Times New Roman" panose="02020603050405020304" pitchFamily="18" charset="0"/>
-                      </a:endParaRPr>
-                    </a:p>
-                  </a:txBody>
-                  <a:tcPr marL="68580" marR="68580" marT="0" marB="0"/>
-                </a:tc>
-                <a:extLst>
-                  <a:ext uri="{0D108BD9-81ED-4DB2-BD59-A6C34878D82A}">
-                    <a16:rowId xmlns:a16="http://schemas.microsoft.com/office/drawing/2014/main" xmlns="" val="2090167924"/>
-                  </a:ext>
-                </a:extLst>
-              </a:tr>
-              <a:tr h="688954">
-                <a:tc>
-                  <a:txBody>
-                    <a:bodyPr/>
-                    <a:lstStyle/>
-                    <a:p>
-                      <a:pPr algn="ctr">
-                        <a:lnSpc>
-                          <a:spcPct val="150000"/>
-                        </a:lnSpc>
-                        <a:spcAft>
-                          <a:spcPts val="0"/>
-                        </a:spcAft>
-                      </a:pPr>
-                      <a:r>
-                        <a:rPr lang="ru-RU" sz="2000" b="1" i="0" dirty="0">
-                          <a:effectLst/>
-                          <a:latin typeface="+mn-lt"/>
-                          <a:ea typeface="Calibri" panose="020F0502020204030204" pitchFamily="34" charset="0"/>
-                          <a:cs typeface="Times New Roman" panose="02020603050405020304" pitchFamily="18" charset="0"/>
-                        </a:rPr>
-                        <a:t>Удаление строк</a:t>
-                      </a:r>
-                    </a:p>
-                  </a:txBody>
-                  <a:tcPr marL="68580" marR="68580" marT="0" marB="0"/>
-                </a:tc>
-                <a:tc>
-                  <a:txBody>
-                    <a:bodyPr/>
-                    <a:lstStyle/>
-                    <a:p>
-                      <a:pPr algn="ctr">
-                        <a:lnSpc>
-                          <a:spcPct val="150000"/>
-                        </a:lnSpc>
-                        <a:spcAft>
-                          <a:spcPts val="0"/>
-                        </a:spcAft>
-                      </a:pPr>
-                      <a:r>
-                        <a:rPr lang="en-US" sz="2000" b="1" i="0" dirty="0">
-                          <a:effectLst/>
-                          <a:latin typeface="+mn-lt"/>
-                          <a:ea typeface="Calibri" panose="020F0502020204030204" pitchFamily="34" charset="0"/>
-                          <a:cs typeface="Times New Roman" panose="02020603050405020304" pitchFamily="18" charset="0"/>
-                        </a:rPr>
-                        <a:t>28</a:t>
-                      </a:r>
-                      <a:endParaRPr lang="ru-RU" sz="2000" b="1" i="0" dirty="0">
-                        <a:effectLst/>
-                        <a:latin typeface="+mn-lt"/>
-                        <a:ea typeface="Calibri" panose="020F0502020204030204" pitchFamily="34" charset="0"/>
-                        <a:cs typeface="Times New Roman" panose="02020603050405020304" pitchFamily="18" charset="0"/>
-                      </a:endParaRPr>
-                    </a:p>
-                  </a:txBody>
-                  <a:tcPr marL="68580" marR="68580" marT="0" marB="0"/>
-                </a:tc>
-                <a:tc>
-                  <a:txBody>
-                    <a:bodyPr/>
-                    <a:lstStyle/>
-                    <a:p>
-                      <a:pPr algn="ctr">
-                        <a:lnSpc>
-                          <a:spcPct val="150000"/>
-                        </a:lnSpc>
-                        <a:spcAft>
-                          <a:spcPts val="0"/>
-                        </a:spcAft>
-                      </a:pPr>
-                      <a:r>
-                        <a:rPr lang="en-US" sz="2000" b="1" i="0" dirty="0">
-                          <a:effectLst/>
-                          <a:latin typeface="+mn-lt"/>
-                          <a:ea typeface="Calibri" panose="020F0502020204030204" pitchFamily="34" charset="0"/>
-                          <a:cs typeface="Times New Roman" panose="02020603050405020304" pitchFamily="18" charset="0"/>
-                        </a:rPr>
-                        <a:t>28</a:t>
-                      </a:r>
-                      <a:endParaRPr lang="ru-RU" sz="2000" b="1" i="0" dirty="0">
-                        <a:effectLst/>
-                        <a:latin typeface="+mn-lt"/>
-                        <a:ea typeface="Calibri" panose="020F0502020204030204" pitchFamily="34" charset="0"/>
-                        <a:cs typeface="Times New Roman" panose="02020603050405020304" pitchFamily="18" charset="0"/>
-                      </a:endParaRPr>
-                    </a:p>
-                  </a:txBody>
-                  <a:tcPr marL="68580" marR="68580" marT="0" marB="0"/>
-                </a:tc>
-                <a:extLst>
-                  <a:ext uri="{0D108BD9-81ED-4DB2-BD59-A6C34878D82A}">
-                    <a16:rowId xmlns:a16="http://schemas.microsoft.com/office/drawing/2014/main" xmlns="" val="1716962612"/>
-                  </a:ext>
-                </a:extLst>
-              </a:tr>
-            </a:tbl>
-          </a:graphicData>
-        </a:graphic>
-      </p:graphicFrame>
-      <p:sp>
-        <p:nvSpPr>
-          <p:cNvPr id="7" name="TextBox 6">
-            <a:extLst>
-              <a:ext uri="{FF2B5EF4-FFF2-40B4-BE49-F238E27FC236}">
-                <a16:creationId xmlns:a16="http://schemas.microsoft.com/office/drawing/2014/main" xmlns="" id="{0C36DFE7-A785-443A-8C47-5E53293E5B03}"/>
+              <a:t>Архитектура системы</a:t>
+            </a:r>
+            <a:endParaRPr lang="ru-RU" dirty="0"/>
+          </a:p>
+        </p:txBody>
+      </p:sp>
+      <p:sp>
+        <p:nvSpPr>
+          <p:cNvPr id="8" name="TextBox 7">
+            <a:extLst>
+              <a:ext uri="{FF2B5EF4-FFF2-40B4-BE49-F238E27FC236}">
+                <a16:creationId xmlns="" xmlns:a16="http://schemas.microsoft.com/office/drawing/2014/main" id="{0C36DFE7-A785-443A-8C47-5E53293E5B03}"/>
               </a:ext>
             </a:extLst>
           </p:cNvPr>
@@ -6748,8 +6015,8 @@
         </p:nvSpPr>
         <p:spPr>
           <a:xfrm>
-            <a:off x="8432800" y="1325563"/>
-            <a:ext cx="3568700" cy="5170646"/>
+            <a:off x="1188950" y="6210019"/>
+            <a:ext cx="9953800" cy="477054"/>
           </a:xfrm>
           <a:prstGeom prst="rect">
             <a:avLst/>
@@ -6762,54 +6029,56 @@
           </a:bodyPr>
           <a:lstStyle/>
           <a:p>
-            <a:r>
-              <a:rPr lang="ru-RU" sz="3000" dirty="0">
+            <a:pPr algn="ctr"/>
+            <a:r>
+              <a:rPr lang="ru-RU" sz="2500" dirty="0" smtClean="0">
                 <a:solidFill>
                   <a:schemeClr val="accent2"/>
                 </a:solidFill>
               </a:rPr>
-              <a:t>Из экспериментальных данных следует, что отношение средней арифметической производительности </a:t>
-            </a:r>
-            <a:r>
-              <a:rPr lang="ru-RU" sz="3000" dirty="0" err="1">
+              <a:t>Клиент-серверная архитектура </a:t>
+            </a:r>
+            <a:r>
+              <a:rPr lang="ru-RU" sz="2500" dirty="0">
                 <a:solidFill>
                   <a:schemeClr val="accent2"/>
                 </a:solidFill>
               </a:rPr>
-              <a:t>Vue</a:t>
-            </a:r>
-            <a:r>
-              <a:rPr lang="ru-RU" sz="3000" dirty="0">
-                <a:solidFill>
-                  <a:schemeClr val="accent2"/>
-                </a:solidFill>
-              </a:rPr>
-              <a:t> к </a:t>
-            </a:r>
-            <a:r>
-              <a:rPr lang="ru-RU" sz="3000" dirty="0" err="1">
-                <a:solidFill>
-                  <a:schemeClr val="accent2"/>
-                </a:solidFill>
-              </a:rPr>
-              <a:t>React</a:t>
-            </a:r>
-            <a:r>
-              <a:rPr lang="ru-RU" sz="3000" dirty="0">
-                <a:solidFill>
-                  <a:schemeClr val="accent2"/>
-                </a:solidFill>
-              </a:rPr>
-              <a:t> равно 1,46, когда дело доходит до манипулирования DOM. </a:t>
-            </a:r>
-            <a:endParaRPr lang="en-US" sz="3000" dirty="0">
-              <a:solidFill>
-                <a:schemeClr val="accent2"/>
-              </a:solidFill>
-            </a:endParaRPr>
-          </a:p>
-        </p:txBody>
-      </p:sp>
+              <a:t>с использованием паттерна MVC</a:t>
+            </a:r>
+          </a:p>
+        </p:txBody>
+      </p:sp>
+      <p:pic>
+        <p:nvPicPr>
+          <p:cNvPr id="12" name="Рисунок 11"/>
+          <p:cNvPicPr>
+            <a:picLocks noChangeAspect="1"/>
+          </p:cNvPicPr>
+          <p:nvPr/>
+        </p:nvPicPr>
+        <p:blipFill>
+          <a:blip r:embed="rId2">
+            <a:extLst>
+              <a:ext uri="{28A0092B-C50C-407E-A947-70E740481C1C}">
+                <a14:useLocalDpi xmlns:a14="http://schemas.microsoft.com/office/drawing/2010/main" val="0"/>
+              </a:ext>
+            </a:extLst>
+          </a:blip>
+          <a:stretch>
+            <a:fillRect/>
+          </a:stretch>
+        </p:blipFill>
+        <p:spPr>
+          <a:xfrm>
+            <a:off x="1828800" y="747557"/>
+            <a:ext cx="8140700" cy="5592526"/>
+          </a:xfrm>
+          <a:prstGeom prst="rect">
+            <a:avLst/>
+          </a:prstGeom>
+        </p:spPr>
+      </p:pic>
     </p:spTree>
     <p:extLst>
       <p:ext uri="{BB962C8B-B14F-4D97-AF65-F5344CB8AC3E}">
@@ -6832,6 +6101,13 @@
       </p:transition>
     </mc:Fallback>
   </mc:AlternateContent>
+  <p:timing>
+    <p:tnLst>
+      <p:par>
+        <p:cTn id="1" dur="indefinite" restart="never" nodeType="tmRoot"/>
+      </p:par>
+    </p:tnLst>
+  </p:timing>
 </p:sld>
 </file>
 
@@ -6857,7 +6133,7 @@
           <p:cNvPr id="2" name="Заголовок 1">
             <a:extLst>
               <a:ext uri="{FF2B5EF4-FFF2-40B4-BE49-F238E27FC236}">
-                <a16:creationId xmlns:a16="http://schemas.microsoft.com/office/drawing/2014/main" xmlns="" id="{C3D69FB5-73CD-4EAB-9F49-153919DA4C48}"/>
+                <a16:creationId xmlns="" xmlns:a16="http://schemas.microsoft.com/office/drawing/2014/main" id="{C3D69FB5-73CD-4EAB-9F49-153919DA4C48}"/>
               </a:ext>
             </a:extLst>
           </p:cNvPr>
@@ -6870,8 +6146,8 @@
         </p:nvSpPr>
         <p:spPr>
           <a:xfrm>
-            <a:off x="723900" y="139700"/>
-            <a:ext cx="10515600" cy="1325563"/>
+            <a:off x="520700" y="114301"/>
+            <a:ext cx="11290300" cy="877620"/>
           </a:xfrm>
         </p:spPr>
         <p:txBody>
@@ -6880,749 +6156,72 @@
           <a:p>
             <a:pPr algn="ctr"/>
             <a:r>
-              <a:rPr lang="ru-RU" dirty="0"/>
-              <a:t>Сравнение показателей выделения памяти (в Мбайт)</a:t>
-            </a:r>
-          </a:p>
-        </p:txBody>
-      </p:sp>
-      <p:graphicFrame>
-        <p:nvGraphicFramePr>
-          <p:cNvPr id="4" name="Таблица 10">
-            <a:extLst>
-              <a:ext uri="{FF2B5EF4-FFF2-40B4-BE49-F238E27FC236}">
-                <a16:creationId xmlns:a16="http://schemas.microsoft.com/office/drawing/2014/main" xmlns="" id="{49D21E03-7A4F-455B-A43F-6400225FC436}"/>
-              </a:ext>
-            </a:extLst>
-          </p:cNvPr>
-          <p:cNvGraphicFramePr>
-            <a:graphicFrameLocks/>
-          </p:cNvGraphicFramePr>
-          <p:nvPr>
-            <p:extLst>
-              <p:ext uri="{D42A27DB-BD31-4B8C-83A1-F6EECF244321}">
-                <p14:modId xmlns:p14="http://schemas.microsoft.com/office/powerpoint/2010/main" val="502298768"/>
-              </p:ext>
-            </p:extLst>
-          </p:nvPr>
-        </p:nvGraphicFramePr>
-        <p:xfrm>
-          <a:off x="393700" y="1427163"/>
-          <a:ext cx="7842249" cy="5486400"/>
-        </p:xfrm>
-        <a:graphic>
-          <a:graphicData uri="http://schemas.openxmlformats.org/drawingml/2006/table">
-            <a:tbl>
-              <a:tblPr firstRow="1" bandRow="1">
-                <a:tableStyleId>{1FECB4D8-DB02-4DC6-A0A2-4F2EBAE1DC90}</a:tableStyleId>
-              </a:tblPr>
-              <a:tblGrid>
-                <a:gridCol w="2614083">
-                  <a:extLst>
-                    <a:ext uri="{9D8B030D-6E8A-4147-A177-3AD203B41FA5}">
-                      <a16:colId xmlns:a16="http://schemas.microsoft.com/office/drawing/2014/main" xmlns="" val="1060721299"/>
-                    </a:ext>
-                  </a:extLst>
-                </a:gridCol>
-                <a:gridCol w="2614083">
-                  <a:extLst>
-                    <a:ext uri="{9D8B030D-6E8A-4147-A177-3AD203B41FA5}">
-                      <a16:colId xmlns:a16="http://schemas.microsoft.com/office/drawing/2014/main" xmlns="" val="3730294796"/>
-                    </a:ext>
-                  </a:extLst>
-                </a:gridCol>
-                <a:gridCol w="2614083">
-                  <a:extLst>
-                    <a:ext uri="{9D8B030D-6E8A-4147-A177-3AD203B41FA5}">
-                      <a16:colId xmlns:a16="http://schemas.microsoft.com/office/drawing/2014/main" xmlns="" val="2835790685"/>
-                    </a:ext>
-                  </a:extLst>
-                </a:gridCol>
-              </a:tblGrid>
-              <a:tr h="847016">
-                <a:tc>
-                  <a:txBody>
-                    <a:bodyPr/>
-                    <a:lstStyle/>
-                    <a:p>
-                      <a:pPr algn="ctr">
-                        <a:lnSpc>
-                          <a:spcPct val="150000"/>
-                        </a:lnSpc>
-                        <a:spcAft>
-                          <a:spcPts val="0"/>
-                        </a:spcAft>
-                      </a:pPr>
-                      <a:r>
-                        <a:rPr lang="ru-RU" sz="2000" b="1" dirty="0">
-                          <a:effectLst/>
-                          <a:latin typeface="+mn-lt"/>
-                          <a:ea typeface="Calibri" panose="020F0502020204030204" pitchFamily="34" charset="0"/>
-                          <a:cs typeface="Times New Roman" panose="02020603050405020304" pitchFamily="18" charset="0"/>
-                        </a:rPr>
-                        <a:t>Использование памяти</a:t>
-                      </a:r>
-                    </a:p>
-                  </a:txBody>
-                  <a:tcPr marL="68580" marR="68580" marT="0" marB="0">
-                    <a:solidFill>
-                      <a:srgbClr val="607090"/>
-                    </a:solidFill>
-                  </a:tcPr>
-                </a:tc>
-                <a:tc>
-                  <a:txBody>
-                    <a:bodyPr/>
-                    <a:lstStyle/>
-                    <a:p>
-                      <a:pPr algn="ctr">
-                        <a:lnSpc>
-                          <a:spcPct val="150000"/>
-                        </a:lnSpc>
-                        <a:spcAft>
-                          <a:spcPts val="0"/>
-                        </a:spcAft>
-                      </a:pPr>
-                      <a:r>
-                        <a:rPr lang="en-US" sz="2000" b="1">
-                          <a:effectLst/>
-                          <a:latin typeface="+mn-lt"/>
-                          <a:ea typeface="Calibri" panose="020F0502020204030204" pitchFamily="34" charset="0"/>
-                          <a:cs typeface="Times New Roman" panose="02020603050405020304" pitchFamily="18" charset="0"/>
-                        </a:rPr>
-                        <a:t>Vue</a:t>
-                      </a:r>
-                      <a:endParaRPr lang="ru-RU" sz="2000" b="1">
-                        <a:effectLst/>
-                        <a:latin typeface="+mn-lt"/>
-                        <a:ea typeface="Calibri" panose="020F0502020204030204" pitchFamily="34" charset="0"/>
-                        <a:cs typeface="Times New Roman" panose="02020603050405020304" pitchFamily="18" charset="0"/>
-                      </a:endParaRPr>
-                    </a:p>
-                  </a:txBody>
-                  <a:tcPr marL="68580" marR="68580" marT="0" marB="0">
-                    <a:solidFill>
-                      <a:srgbClr val="607090"/>
-                    </a:solidFill>
-                  </a:tcPr>
-                </a:tc>
-                <a:tc>
-                  <a:txBody>
-                    <a:bodyPr/>
-                    <a:lstStyle/>
-                    <a:p>
-                      <a:pPr algn="ctr">
-                        <a:lnSpc>
-                          <a:spcPct val="150000"/>
-                        </a:lnSpc>
-                        <a:spcAft>
-                          <a:spcPts val="0"/>
-                        </a:spcAft>
-                      </a:pPr>
-                      <a:r>
-                        <a:rPr lang="en-US" sz="2000" b="1" dirty="0">
-                          <a:effectLst/>
-                          <a:latin typeface="+mn-lt"/>
-                          <a:ea typeface="Calibri" panose="020F0502020204030204" pitchFamily="34" charset="0"/>
-                          <a:cs typeface="Times New Roman" panose="02020603050405020304" pitchFamily="18" charset="0"/>
-                        </a:rPr>
-                        <a:t>React</a:t>
-                      </a:r>
-                      <a:endParaRPr lang="ru-RU" sz="2000" b="1" dirty="0">
-                        <a:effectLst/>
-                        <a:latin typeface="+mn-lt"/>
-                        <a:ea typeface="Calibri" panose="020F0502020204030204" pitchFamily="34" charset="0"/>
-                        <a:cs typeface="Times New Roman" panose="02020603050405020304" pitchFamily="18" charset="0"/>
-                      </a:endParaRPr>
-                    </a:p>
-                  </a:txBody>
-                  <a:tcPr marL="68580" marR="68580" marT="0" marB="0">
-                    <a:solidFill>
-                      <a:srgbClr val="607090"/>
-                    </a:solidFill>
-                  </a:tcPr>
-                </a:tc>
-                <a:extLst>
-                  <a:ext uri="{0D108BD9-81ED-4DB2-BD59-A6C34878D82A}">
-                    <a16:rowId xmlns:a16="http://schemas.microsoft.com/office/drawing/2014/main" xmlns="" val="1574826020"/>
-                  </a:ext>
-                </a:extLst>
-              </a:tr>
-              <a:tr h="688954">
-                <a:tc>
-                  <a:txBody>
-                    <a:bodyPr/>
-                    <a:lstStyle/>
-                    <a:p>
-                      <a:pPr algn="ctr">
-                        <a:lnSpc>
-                          <a:spcPct val="150000"/>
-                        </a:lnSpc>
-                        <a:spcAft>
-                          <a:spcPts val="0"/>
-                        </a:spcAft>
-                      </a:pPr>
-                      <a:r>
-                        <a:rPr lang="ru-RU" sz="2000" b="1">
-                          <a:effectLst/>
-                          <a:latin typeface="+mn-lt"/>
-                          <a:ea typeface="Calibri" panose="020F0502020204030204" pitchFamily="34" charset="0"/>
-                          <a:cs typeface="Times New Roman" panose="02020603050405020304" pitchFamily="18" charset="0"/>
-                        </a:rPr>
-                        <a:t>После загрузки страницы</a:t>
-                      </a:r>
-                    </a:p>
-                  </a:txBody>
-                  <a:tcPr marL="68580" marR="68580" marT="0" marB="0"/>
-                </a:tc>
-                <a:tc>
-                  <a:txBody>
-                    <a:bodyPr/>
-                    <a:lstStyle/>
-                    <a:p>
-                      <a:pPr algn="ctr">
-                        <a:lnSpc>
-                          <a:spcPct val="150000"/>
-                        </a:lnSpc>
-                        <a:spcAft>
-                          <a:spcPts val="0"/>
-                        </a:spcAft>
-                      </a:pPr>
-                      <a:r>
-                        <a:rPr lang="en-US" sz="2000" b="1">
-                          <a:effectLst/>
-                          <a:latin typeface="+mn-lt"/>
-                          <a:ea typeface="Calibri" panose="020F0502020204030204" pitchFamily="34" charset="0"/>
-                          <a:cs typeface="Times New Roman" panose="02020603050405020304" pitchFamily="18" charset="0"/>
-                        </a:rPr>
-                        <a:t>1.3</a:t>
-                      </a:r>
-                      <a:endParaRPr lang="ru-RU" sz="2000" b="1">
-                        <a:effectLst/>
-                        <a:latin typeface="+mn-lt"/>
-                        <a:ea typeface="Calibri" panose="020F0502020204030204" pitchFamily="34" charset="0"/>
-                        <a:cs typeface="Times New Roman" panose="02020603050405020304" pitchFamily="18" charset="0"/>
-                      </a:endParaRPr>
-                    </a:p>
-                  </a:txBody>
-                  <a:tcPr marL="68580" marR="68580" marT="0" marB="0"/>
-                </a:tc>
-                <a:tc>
-                  <a:txBody>
-                    <a:bodyPr/>
-                    <a:lstStyle/>
-                    <a:p>
-                      <a:pPr algn="ctr">
-                        <a:lnSpc>
-                          <a:spcPct val="150000"/>
-                        </a:lnSpc>
-                        <a:spcAft>
-                          <a:spcPts val="0"/>
-                        </a:spcAft>
-                      </a:pPr>
-                      <a:r>
-                        <a:rPr lang="ru-RU" sz="2000" b="1">
-                          <a:effectLst/>
-                          <a:latin typeface="+mn-lt"/>
-                          <a:ea typeface="Calibri" panose="020F0502020204030204" pitchFamily="34" charset="0"/>
-                          <a:cs typeface="Times New Roman" panose="02020603050405020304" pitchFamily="18" charset="0"/>
-                        </a:rPr>
-                        <a:t>1.4</a:t>
-                      </a:r>
-                    </a:p>
-                  </a:txBody>
-                  <a:tcPr marL="68580" marR="68580" marT="0" marB="0"/>
-                </a:tc>
-                <a:extLst>
-                  <a:ext uri="{0D108BD9-81ED-4DB2-BD59-A6C34878D82A}">
-                    <a16:rowId xmlns:a16="http://schemas.microsoft.com/office/drawing/2014/main" xmlns="" val="3869297412"/>
-                  </a:ext>
-                </a:extLst>
-              </a:tr>
-              <a:tr h="688954">
-                <a:tc>
-                  <a:txBody>
-                    <a:bodyPr/>
-                    <a:lstStyle/>
-                    <a:p>
-                      <a:pPr algn="ctr">
-                        <a:lnSpc>
-                          <a:spcPct val="150000"/>
-                        </a:lnSpc>
-                        <a:spcAft>
-                          <a:spcPts val="0"/>
-                        </a:spcAft>
-                      </a:pPr>
-                      <a:r>
-                        <a:rPr lang="ru-RU" sz="2000" b="1">
-                          <a:effectLst/>
-                          <a:latin typeface="+mn-lt"/>
-                          <a:ea typeface="Calibri" panose="020F0502020204030204" pitchFamily="34" charset="0"/>
-                          <a:cs typeface="Times New Roman" panose="02020603050405020304" pitchFamily="18" charset="0"/>
-                        </a:rPr>
-                        <a:t>После добавления 1000 строк</a:t>
-                      </a:r>
-                    </a:p>
-                  </a:txBody>
-                  <a:tcPr marL="68580" marR="68580" marT="0" marB="0"/>
-                </a:tc>
-                <a:tc>
-                  <a:txBody>
-                    <a:bodyPr/>
-                    <a:lstStyle/>
-                    <a:p>
-                      <a:pPr algn="ctr">
-                        <a:lnSpc>
-                          <a:spcPct val="150000"/>
-                        </a:lnSpc>
-                        <a:spcAft>
-                          <a:spcPts val="0"/>
-                        </a:spcAft>
-                      </a:pPr>
-                      <a:r>
-                        <a:rPr lang="en-US" sz="2000" b="1">
-                          <a:effectLst/>
-                          <a:latin typeface="+mn-lt"/>
-                          <a:ea typeface="Calibri" panose="020F0502020204030204" pitchFamily="34" charset="0"/>
-                          <a:cs typeface="Times New Roman" panose="02020603050405020304" pitchFamily="18" charset="0"/>
-                        </a:rPr>
-                        <a:t>4.4</a:t>
-                      </a:r>
-                      <a:endParaRPr lang="ru-RU" sz="2000" b="1">
-                        <a:effectLst/>
-                        <a:latin typeface="+mn-lt"/>
-                        <a:ea typeface="Calibri" panose="020F0502020204030204" pitchFamily="34" charset="0"/>
-                        <a:cs typeface="Times New Roman" panose="02020603050405020304" pitchFamily="18" charset="0"/>
-                      </a:endParaRPr>
-                    </a:p>
-                  </a:txBody>
-                  <a:tcPr marL="68580" marR="68580" marT="0" marB="0"/>
-                </a:tc>
-                <a:tc>
-                  <a:txBody>
-                    <a:bodyPr/>
-                    <a:lstStyle/>
-                    <a:p>
-                      <a:pPr algn="ctr">
-                        <a:lnSpc>
-                          <a:spcPct val="150000"/>
-                        </a:lnSpc>
-                        <a:spcAft>
-                          <a:spcPts val="0"/>
-                        </a:spcAft>
-                      </a:pPr>
-                      <a:r>
-                        <a:rPr lang="en-US" sz="2000" b="1">
-                          <a:effectLst/>
-                          <a:latin typeface="+mn-lt"/>
-                          <a:ea typeface="Calibri" panose="020F0502020204030204" pitchFamily="34" charset="0"/>
-                          <a:cs typeface="Times New Roman" panose="02020603050405020304" pitchFamily="18" charset="0"/>
-                        </a:rPr>
-                        <a:t>5.6</a:t>
-                      </a:r>
-                      <a:endParaRPr lang="ru-RU" sz="2000" b="1">
-                        <a:effectLst/>
-                        <a:latin typeface="+mn-lt"/>
-                        <a:ea typeface="Calibri" panose="020F0502020204030204" pitchFamily="34" charset="0"/>
-                        <a:cs typeface="Times New Roman" panose="02020603050405020304" pitchFamily="18" charset="0"/>
-                      </a:endParaRPr>
-                    </a:p>
-                  </a:txBody>
-                  <a:tcPr marL="68580" marR="68580" marT="0" marB="0"/>
-                </a:tc>
-                <a:extLst>
-                  <a:ext uri="{0D108BD9-81ED-4DB2-BD59-A6C34878D82A}">
-                    <a16:rowId xmlns:a16="http://schemas.microsoft.com/office/drawing/2014/main" xmlns="" val="575992689"/>
-                  </a:ext>
-                </a:extLst>
-              </a:tr>
-              <a:tr h="818355">
-                <a:tc>
-                  <a:txBody>
-                    <a:bodyPr/>
-                    <a:lstStyle/>
-                    <a:p>
-                      <a:pPr algn="ctr">
-                        <a:lnSpc>
-                          <a:spcPct val="150000"/>
-                        </a:lnSpc>
-                        <a:spcAft>
-                          <a:spcPts val="0"/>
-                        </a:spcAft>
-                      </a:pPr>
-                      <a:r>
-                        <a:rPr lang="ru-RU" sz="2000" b="1">
-                          <a:effectLst/>
-                          <a:latin typeface="+mn-lt"/>
-                          <a:ea typeface="Calibri" panose="020F0502020204030204" pitchFamily="34" charset="0"/>
-                          <a:cs typeface="Times New Roman" panose="02020603050405020304" pitchFamily="18" charset="0"/>
-                        </a:rPr>
-                        <a:t>После обновления каждой 10-ой строки</a:t>
-                      </a:r>
-                    </a:p>
-                  </a:txBody>
-                  <a:tcPr marL="68580" marR="68580" marT="0" marB="0"/>
-                </a:tc>
-                <a:tc>
-                  <a:txBody>
-                    <a:bodyPr/>
-                    <a:lstStyle/>
-                    <a:p>
-                      <a:pPr algn="ctr">
-                        <a:lnSpc>
-                          <a:spcPct val="150000"/>
-                        </a:lnSpc>
-                        <a:spcAft>
-                          <a:spcPts val="0"/>
-                        </a:spcAft>
-                      </a:pPr>
-                      <a:r>
-                        <a:rPr lang="en-US" sz="2000" b="1">
-                          <a:effectLst/>
-                          <a:latin typeface="+mn-lt"/>
-                          <a:ea typeface="Calibri" panose="020F0502020204030204" pitchFamily="34" charset="0"/>
-                          <a:cs typeface="Times New Roman" panose="02020603050405020304" pitchFamily="18" charset="0"/>
-                        </a:rPr>
-                        <a:t>4.4</a:t>
-                      </a:r>
-                      <a:endParaRPr lang="ru-RU" sz="2000" b="1">
-                        <a:effectLst/>
-                        <a:latin typeface="+mn-lt"/>
-                        <a:ea typeface="Calibri" panose="020F0502020204030204" pitchFamily="34" charset="0"/>
-                        <a:cs typeface="Times New Roman" panose="02020603050405020304" pitchFamily="18" charset="0"/>
-                      </a:endParaRPr>
-                    </a:p>
-                  </a:txBody>
-                  <a:tcPr marL="68580" marR="68580" marT="0" marB="0"/>
-                </a:tc>
-                <a:tc>
-                  <a:txBody>
-                    <a:bodyPr/>
-                    <a:lstStyle/>
-                    <a:p>
-                      <a:pPr algn="ctr">
-                        <a:lnSpc>
-                          <a:spcPct val="150000"/>
-                        </a:lnSpc>
-                        <a:spcAft>
-                          <a:spcPts val="0"/>
-                        </a:spcAft>
-                      </a:pPr>
-                      <a:r>
-                        <a:rPr lang="en-US" sz="2000" b="1">
-                          <a:effectLst/>
-                          <a:latin typeface="+mn-lt"/>
-                          <a:ea typeface="Calibri" panose="020F0502020204030204" pitchFamily="34" charset="0"/>
-                          <a:cs typeface="Times New Roman" panose="02020603050405020304" pitchFamily="18" charset="0"/>
-                        </a:rPr>
-                        <a:t>6.1</a:t>
-                      </a:r>
-                      <a:endParaRPr lang="ru-RU" sz="2000" b="1">
-                        <a:effectLst/>
-                        <a:latin typeface="+mn-lt"/>
-                        <a:ea typeface="Calibri" panose="020F0502020204030204" pitchFamily="34" charset="0"/>
-                        <a:cs typeface="Times New Roman" panose="02020603050405020304" pitchFamily="18" charset="0"/>
-                      </a:endParaRPr>
-                    </a:p>
-                  </a:txBody>
-                  <a:tcPr marL="68580" marR="68580" marT="0" marB="0"/>
-                </a:tc>
-                <a:extLst>
-                  <a:ext uri="{0D108BD9-81ED-4DB2-BD59-A6C34878D82A}">
-                    <a16:rowId xmlns:a16="http://schemas.microsoft.com/office/drawing/2014/main" xmlns="" val="3001803528"/>
-                  </a:ext>
-                </a:extLst>
-              </a:tr>
-              <a:tr h="818355">
-                <a:tc>
-                  <a:txBody>
-                    <a:bodyPr/>
-                    <a:lstStyle/>
-                    <a:p>
-                      <a:pPr algn="ctr">
-                        <a:lnSpc>
-                          <a:spcPct val="150000"/>
-                        </a:lnSpc>
-                        <a:spcAft>
-                          <a:spcPts val="0"/>
-                        </a:spcAft>
-                      </a:pPr>
-                      <a:r>
-                        <a:rPr lang="ru-RU" sz="2000" b="1">
-                          <a:effectLst/>
-                          <a:latin typeface="+mn-lt"/>
-                          <a:ea typeface="Calibri" panose="020F0502020204030204" pitchFamily="34" charset="0"/>
-                          <a:cs typeface="Times New Roman" panose="02020603050405020304" pitchFamily="18" charset="0"/>
-                        </a:rPr>
-                        <a:t>После создания и очищения 1000 строк</a:t>
-                      </a:r>
-                    </a:p>
-                  </a:txBody>
-                  <a:tcPr marL="68580" marR="68580" marT="0" marB="0"/>
-                </a:tc>
-                <a:tc>
-                  <a:txBody>
-                    <a:bodyPr/>
-                    <a:lstStyle/>
-                    <a:p>
-                      <a:pPr algn="ctr">
-                        <a:lnSpc>
-                          <a:spcPct val="150000"/>
-                        </a:lnSpc>
-                        <a:spcAft>
-                          <a:spcPts val="0"/>
-                        </a:spcAft>
-                      </a:pPr>
-                      <a:r>
-                        <a:rPr lang="en-US" sz="2000" b="1">
-                          <a:effectLst/>
-                          <a:latin typeface="+mn-lt"/>
-                          <a:ea typeface="Calibri" panose="020F0502020204030204" pitchFamily="34" charset="0"/>
-                          <a:cs typeface="Times New Roman" panose="02020603050405020304" pitchFamily="18" charset="0"/>
-                        </a:rPr>
-                        <a:t>1.6</a:t>
-                      </a:r>
-                      <a:endParaRPr lang="ru-RU" sz="2000" b="1">
-                        <a:effectLst/>
-                        <a:latin typeface="+mn-lt"/>
-                        <a:ea typeface="Calibri" panose="020F0502020204030204" pitchFamily="34" charset="0"/>
-                        <a:cs typeface="Times New Roman" panose="02020603050405020304" pitchFamily="18" charset="0"/>
-                      </a:endParaRPr>
-                    </a:p>
-                  </a:txBody>
-                  <a:tcPr marL="68580" marR="68580" marT="0" marB="0"/>
-                </a:tc>
-                <a:tc>
-                  <a:txBody>
-                    <a:bodyPr/>
-                    <a:lstStyle/>
-                    <a:p>
-                      <a:pPr algn="ctr">
-                        <a:lnSpc>
-                          <a:spcPct val="150000"/>
-                        </a:lnSpc>
-                        <a:spcAft>
-                          <a:spcPts val="0"/>
-                        </a:spcAft>
-                      </a:pPr>
-                      <a:r>
-                        <a:rPr lang="en-US" sz="2000" b="1">
-                          <a:effectLst/>
-                          <a:latin typeface="+mn-lt"/>
-                          <a:ea typeface="Calibri" panose="020F0502020204030204" pitchFamily="34" charset="0"/>
-                          <a:cs typeface="Times New Roman" panose="02020603050405020304" pitchFamily="18" charset="0"/>
-                        </a:rPr>
-                        <a:t>2.2</a:t>
-                      </a:r>
-                      <a:endParaRPr lang="ru-RU" sz="2000" b="1">
-                        <a:effectLst/>
-                        <a:latin typeface="+mn-lt"/>
-                        <a:ea typeface="Calibri" panose="020F0502020204030204" pitchFamily="34" charset="0"/>
-                        <a:cs typeface="Times New Roman" panose="02020603050405020304" pitchFamily="18" charset="0"/>
-                      </a:endParaRPr>
-                    </a:p>
-                  </a:txBody>
-                  <a:tcPr marL="68580" marR="68580" marT="0" marB="0"/>
-                </a:tc>
-                <a:extLst>
-                  <a:ext uri="{0D108BD9-81ED-4DB2-BD59-A6C34878D82A}">
-                    <a16:rowId xmlns:a16="http://schemas.microsoft.com/office/drawing/2014/main" xmlns="" val="794233698"/>
-                  </a:ext>
-                </a:extLst>
-              </a:tr>
-              <a:tr h="688954">
-                <a:tc>
-                  <a:txBody>
-                    <a:bodyPr/>
-                    <a:lstStyle/>
-                    <a:p>
-                      <a:pPr algn="ctr">
-                        <a:lnSpc>
-                          <a:spcPct val="150000"/>
-                        </a:lnSpc>
-                        <a:spcAft>
-                          <a:spcPts val="0"/>
-                        </a:spcAft>
-                      </a:pPr>
-                      <a:r>
-                        <a:rPr lang="ru-RU" sz="2000" b="1">
-                          <a:effectLst/>
-                          <a:latin typeface="+mn-lt"/>
-                          <a:ea typeface="Calibri" panose="020F0502020204030204" pitchFamily="34" charset="0"/>
-                          <a:cs typeface="Times New Roman" panose="02020603050405020304" pitchFamily="18" charset="0"/>
-                        </a:rPr>
-                        <a:t>После добавления 10000 строк</a:t>
-                      </a:r>
-                    </a:p>
-                  </a:txBody>
-                  <a:tcPr marL="68580" marR="68580" marT="0" marB="0"/>
-                </a:tc>
-                <a:tc>
-                  <a:txBody>
-                    <a:bodyPr/>
-                    <a:lstStyle/>
-                    <a:p>
-                      <a:pPr algn="ctr">
-                        <a:lnSpc>
-                          <a:spcPct val="150000"/>
-                        </a:lnSpc>
-                        <a:spcAft>
-                          <a:spcPts val="0"/>
-                        </a:spcAft>
-                      </a:pPr>
-                      <a:r>
-                        <a:rPr lang="ru-RU" sz="2000" b="1">
-                          <a:effectLst/>
-                          <a:latin typeface="+mn-lt"/>
-                          <a:ea typeface="Calibri" panose="020F0502020204030204" pitchFamily="34" charset="0"/>
-                          <a:cs typeface="Times New Roman" panose="02020603050405020304" pitchFamily="18" charset="0"/>
-                        </a:rPr>
-                        <a:t>30.5</a:t>
-                      </a:r>
-                    </a:p>
-                  </a:txBody>
-                  <a:tcPr marL="68580" marR="68580" marT="0" marB="0"/>
-                </a:tc>
-                <a:tc>
-                  <a:txBody>
-                    <a:bodyPr/>
-                    <a:lstStyle/>
-                    <a:p>
-                      <a:pPr algn="ctr">
-                        <a:lnSpc>
-                          <a:spcPct val="150000"/>
-                        </a:lnSpc>
-                        <a:spcAft>
-                          <a:spcPts val="0"/>
-                        </a:spcAft>
-                      </a:pPr>
-                      <a:r>
-                        <a:rPr lang="en-US" sz="2000" b="1" dirty="0">
-                          <a:effectLst/>
-                          <a:latin typeface="+mn-lt"/>
-                          <a:ea typeface="Calibri" panose="020F0502020204030204" pitchFamily="34" charset="0"/>
-                          <a:cs typeface="Times New Roman" panose="02020603050405020304" pitchFamily="18" charset="0"/>
-                        </a:rPr>
-                        <a:t>39.5</a:t>
-                      </a:r>
-                      <a:endParaRPr lang="ru-RU" sz="2000" b="1" dirty="0">
-                        <a:effectLst/>
-                        <a:latin typeface="+mn-lt"/>
-                        <a:ea typeface="Calibri" panose="020F0502020204030204" pitchFamily="34" charset="0"/>
-                        <a:cs typeface="Times New Roman" panose="02020603050405020304" pitchFamily="18" charset="0"/>
-                      </a:endParaRPr>
-                    </a:p>
-                  </a:txBody>
-                  <a:tcPr marL="68580" marR="68580" marT="0" marB="0"/>
-                </a:tc>
-                <a:extLst>
-                  <a:ext uri="{0D108BD9-81ED-4DB2-BD59-A6C34878D82A}">
-                    <a16:rowId xmlns:a16="http://schemas.microsoft.com/office/drawing/2014/main" xmlns="" val="2090167924"/>
-                  </a:ext>
-                </a:extLst>
-              </a:tr>
-            </a:tbl>
-          </a:graphicData>
-        </a:graphic>
-      </p:graphicFrame>
-      <p:sp>
-        <p:nvSpPr>
-          <p:cNvPr id="7" name="TextBox 6">
-            <a:extLst>
-              <a:ext uri="{FF2B5EF4-FFF2-40B4-BE49-F238E27FC236}">
-                <a16:creationId xmlns:a16="http://schemas.microsoft.com/office/drawing/2014/main" xmlns="" id="{0C36DFE7-A785-443A-8C47-5E53293E5B03}"/>
-              </a:ext>
-            </a:extLst>
-          </p:cNvPr>
-          <p:cNvSpPr txBox="1"/>
+              <a:rPr lang="ru-RU" dirty="0" smtClean="0"/>
+              <a:t>Логическая схема базы данных</a:t>
+            </a:r>
+            <a:endParaRPr lang="ru-RU" dirty="0"/>
+          </a:p>
+        </p:txBody>
+      </p:sp>
+      <p:pic>
+        <p:nvPicPr>
+          <p:cNvPr id="3" name="Рисунок 2"/>
+          <p:cNvPicPr>
+            <a:picLocks noChangeAspect="1"/>
+          </p:cNvPicPr>
           <p:nvPr/>
-        </p:nvSpPr>
+        </p:nvPicPr>
+        <p:blipFill>
+          <a:blip r:embed="rId2">
+            <a:extLst>
+              <a:ext uri="{28A0092B-C50C-407E-A947-70E740481C1C}">
+                <a14:useLocalDpi xmlns:a14="http://schemas.microsoft.com/office/drawing/2010/main" val="0"/>
+              </a:ext>
+            </a:extLst>
+          </a:blip>
+          <a:stretch>
+            <a:fillRect/>
+          </a:stretch>
+        </p:blipFill>
         <p:spPr>
           <a:xfrm>
-            <a:off x="8394700" y="2782313"/>
-            <a:ext cx="3568700" cy="2400657"/>
+            <a:off x="1016820" y="877621"/>
+            <a:ext cx="10298060" cy="5343526"/>
           </a:xfrm>
           <a:prstGeom prst="rect">
             <a:avLst/>
           </a:prstGeom>
-          <a:noFill/>
         </p:spPr>
-        <p:txBody>
-          <a:bodyPr wrap="square">
-            <a:spAutoFit/>
-          </a:bodyPr>
-          <a:lstStyle/>
-          <a:p>
-            <a:r>
-              <a:rPr lang="ru-RU" sz="3000" dirty="0">
-                <a:solidFill>
-                  <a:schemeClr val="accent2"/>
-                </a:solidFill>
-              </a:rPr>
-              <a:t>Отношение средней арифметической занимаемой памяти </a:t>
-            </a:r>
-            <a:r>
-              <a:rPr lang="ru-RU" sz="3000" dirty="0" err="1">
-                <a:solidFill>
-                  <a:schemeClr val="accent2"/>
-                </a:solidFill>
-              </a:rPr>
-              <a:t>Vue</a:t>
-            </a:r>
-            <a:r>
-              <a:rPr lang="ru-RU" sz="3000" dirty="0">
-                <a:solidFill>
-                  <a:schemeClr val="accent2"/>
-                </a:solidFill>
-              </a:rPr>
-              <a:t> к </a:t>
-            </a:r>
-            <a:r>
-              <a:rPr lang="ru-RU" sz="3000" dirty="0" err="1">
-                <a:solidFill>
-                  <a:schemeClr val="accent2"/>
-                </a:solidFill>
-              </a:rPr>
-              <a:t>React</a:t>
-            </a:r>
-            <a:r>
-              <a:rPr lang="ru-RU" sz="3000" dirty="0">
-                <a:solidFill>
-                  <a:schemeClr val="accent2"/>
-                </a:solidFill>
-              </a:rPr>
-              <a:t> равно 1,29.</a:t>
-            </a:r>
-            <a:endParaRPr lang="en-US" sz="3000" dirty="0">
-              <a:solidFill>
-                <a:schemeClr val="accent2"/>
-              </a:solidFill>
-            </a:endParaRPr>
-          </a:p>
-        </p:txBody>
-      </p:sp>
+      </p:pic>
     </p:spTree>
     <p:extLst>
       <p:ext uri="{BB962C8B-B14F-4D97-AF65-F5344CB8AC3E}">
-        <p14:creationId xmlns:p14="http://schemas.microsoft.com/office/powerpoint/2010/main" val="1001912272"/>
+        <p14:creationId xmlns:p14="http://schemas.microsoft.com/office/powerpoint/2010/main" val="3731234040"/>
       </p:ext>
     </p:extLst>
   </p:cSld>
   <p:clrMapOvr>
     <a:masterClrMapping/>
   </p:clrMapOvr>
-  <mc:AlternateContent xmlns:mc="http://schemas.openxmlformats.org/markup-compatibility/2006" xmlns:p14="http://schemas.microsoft.com/office/powerpoint/2010/main">
-    <mc:Choice Requires="p14">
+  <mc:AlternateContent xmlns:mc="http://schemas.openxmlformats.org/markup-compatibility/2006">
+    <mc:Choice xmlns:p14="http://schemas.microsoft.com/office/powerpoint/2010/main" Requires="p14">
       <p:transition spd="med" p14:dur="700">
         <p:fade/>
       </p:transition>
     </mc:Choice>
-    <mc:Fallback xmlns="">
+    <mc:Fallback>
       <p:transition spd="med">
         <p:fade/>
       </p:transition>
     </mc:Fallback>
   </mc:AlternateContent>
+  <p:timing>
+    <p:tnLst>
+      <p:par>
+        <p:cTn id="1" dur="indefinite" restart="never" nodeType="tmRoot"/>
+      </p:par>
+    </p:tnLst>
+  </p:timing>
 </p:sld>
 </file>
 
@@ -7648,7 +6247,7 @@
           <p:cNvPr id="2" name="Заголовок 1">
             <a:extLst>
               <a:ext uri="{FF2B5EF4-FFF2-40B4-BE49-F238E27FC236}">
-                <a16:creationId xmlns:a16="http://schemas.microsoft.com/office/drawing/2014/main" xmlns="" id="{BC9007F7-2771-498C-831C-DB31E753E9B6}"/>
+                <a16:creationId xmlns="" xmlns:a16="http://schemas.microsoft.com/office/drawing/2014/main" id="{C3D69FB5-73CD-4EAB-9F49-153919DA4C48}"/>
               </a:ext>
             </a:extLst>
           </p:cNvPr>
@@ -7661,8 +6260,8 @@
         </p:nvSpPr>
         <p:spPr>
           <a:xfrm>
-            <a:off x="1066800" y="228067"/>
-            <a:ext cx="10515600" cy="1325563"/>
+            <a:off x="520700" y="254001"/>
+            <a:ext cx="11290300" cy="1028700"/>
           </a:xfrm>
         </p:spPr>
         <p:txBody>
@@ -7672,467 +6271,101 @@
             <a:pPr algn="ctr"/>
             <a:r>
               <a:rPr lang="ru-RU" dirty="0"/>
-              <a:t>Основные доводы в пользу использования конкретного </a:t>
-            </a:r>
-            <a:r>
-              <a:rPr lang="ru-RU" dirty="0" err="1"/>
-              <a:t>фреймворка</a:t>
+              <a:t>Скриншоты пользовательского интерфейса</a:t>
             </a:r>
             <a:endParaRPr lang="ru-RU" dirty="0"/>
           </a:p>
         </p:txBody>
       </p:sp>
-      <p:sp>
-        <p:nvSpPr>
-          <p:cNvPr id="3" name="Объект 2">
-            <a:extLst>
-              <a:ext uri="{FF2B5EF4-FFF2-40B4-BE49-F238E27FC236}">
-                <a16:creationId xmlns:a16="http://schemas.microsoft.com/office/drawing/2014/main" xmlns="" id="{D22C03CF-8A73-41F5-94F7-412E8400EC9C}"/>
-              </a:ext>
-            </a:extLst>
-          </p:cNvPr>
-          <p:cNvSpPr>
-            <a:spLocks noGrp="1"/>
-          </p:cNvSpPr>
-          <p:nvPr>
-            <p:ph idx="1"/>
-          </p:nvPr>
-        </p:nvSpPr>
+      <p:pic>
+        <p:nvPicPr>
+          <p:cNvPr id="4" name="Рисунок 3"/>
+          <p:cNvPicPr>
+            <a:picLocks noChangeAspect="1"/>
+          </p:cNvPicPr>
+          <p:nvPr/>
+        </p:nvPicPr>
+        <p:blipFill>
+          <a:blip r:embed="rId2" cstate="print">
+            <a:extLst>
+              <a:ext uri="{28A0092B-C50C-407E-A947-70E740481C1C}">
+                <a14:useLocalDpi xmlns:a14="http://schemas.microsoft.com/office/drawing/2010/main" val="0"/>
+              </a:ext>
+            </a:extLst>
+          </a:blip>
+          <a:stretch>
+            <a:fillRect/>
+          </a:stretch>
+        </p:blipFill>
         <p:spPr>
           <a:xfrm>
-            <a:off x="6756400" y="2270124"/>
-            <a:ext cx="4610100" cy="3521075"/>
-          </a:xfrm>
-        </p:spPr>
-        <p:txBody>
-          <a:bodyPr>
-            <a:normAutofit/>
-          </a:bodyPr>
-          <a:lstStyle/>
-          <a:p>
-            <a:r>
-              <a:rPr lang="ru-RU" sz="2600" dirty="0"/>
-              <a:t>один файловый </a:t>
-            </a:r>
-            <a:r>
-              <a:rPr lang="ru-RU" sz="2600" dirty="0" smtClean="0"/>
-              <a:t>компонент</a:t>
-            </a:r>
-            <a:r>
-              <a:rPr lang="en-US" sz="2600" dirty="0" smtClean="0"/>
-              <a:t>;</a:t>
-            </a:r>
-          </a:p>
-          <a:p>
-            <a:r>
-              <a:rPr lang="ru-RU" sz="2600" dirty="0"/>
-              <a:t>единый синтаксис</a:t>
-            </a:r>
-            <a:r>
-              <a:rPr lang="ru-RU" sz="2600" dirty="0" smtClean="0"/>
-              <a:t>;</a:t>
-            </a:r>
-            <a:endParaRPr lang="en-US" sz="2600" dirty="0" smtClean="0"/>
-          </a:p>
-          <a:p>
-            <a:r>
-              <a:rPr lang="ru-RU" sz="2600" dirty="0"/>
-              <a:t>эффективность официальных плагинов</a:t>
-            </a:r>
-            <a:r>
-              <a:rPr lang="ru-RU" sz="2600" dirty="0" smtClean="0"/>
-              <a:t>;</a:t>
-            </a:r>
-            <a:endParaRPr lang="en-US" sz="2600" dirty="0" smtClean="0"/>
-          </a:p>
-          <a:p>
-            <a:r>
-              <a:rPr lang="ru-RU" sz="2600" dirty="0"/>
-              <a:t>более высокая производительность</a:t>
-            </a:r>
-            <a:r>
-              <a:rPr lang="ru-RU" sz="2600" dirty="0" smtClean="0"/>
-              <a:t>;</a:t>
-            </a:r>
-            <a:endParaRPr lang="en-US" sz="2600" dirty="0" smtClean="0"/>
-          </a:p>
-          <a:p>
-            <a:r>
-              <a:rPr lang="ru-RU" sz="2600" dirty="0"/>
-              <a:t>предлагает лучшую </a:t>
-            </a:r>
-            <a:r>
-              <a:rPr lang="ru-RU" sz="2600" dirty="0" smtClean="0"/>
-              <a:t>масштабируемость</a:t>
-            </a:r>
-            <a:r>
-              <a:rPr lang="en-US" sz="2600" dirty="0"/>
-              <a:t>.</a:t>
-            </a:r>
-            <a:endParaRPr lang="ru-RU" sz="2600" dirty="0"/>
-          </a:p>
-        </p:txBody>
-      </p:sp>
-      <p:sp>
-        <p:nvSpPr>
-          <p:cNvPr id="5" name="Объект 2">
-            <a:extLst>
-              <a:ext uri="{FF2B5EF4-FFF2-40B4-BE49-F238E27FC236}">
-                <a16:creationId xmlns:a16="http://schemas.microsoft.com/office/drawing/2014/main" xmlns="" id="{D22C03CF-8A73-41F5-94F7-412E8400EC9C}"/>
-              </a:ext>
-            </a:extLst>
-          </p:cNvPr>
-          <p:cNvSpPr txBox="1">
-            <a:spLocks/>
-          </p:cNvSpPr>
-          <p:nvPr/>
-        </p:nvSpPr>
-        <p:spPr>
-          <a:xfrm>
-            <a:off x="939800" y="2270124"/>
-            <a:ext cx="4978400" cy="4194175"/>
+            <a:off x="368300" y="1536699"/>
+            <a:ext cx="6167426" cy="3670892"/>
           </a:xfrm>
           <a:prstGeom prst="rect">
             <a:avLst/>
           </a:prstGeom>
         </p:spPr>
-        <p:txBody>
-          <a:bodyPr vert="horz" lIns="91440" tIns="45720" rIns="91440" bIns="45720" rtlCol="0">
-            <a:normAutofit fontScale="92500" lnSpcReduction="10000"/>
-          </a:bodyPr>
-          <a:lstStyle>
-            <a:lvl1pPr marL="228600" indent="-228600" algn="l" defTabSz="914400" rtl="0" eaLnBrk="1" latinLnBrk="0" hangingPunct="1">
-              <a:lnSpc>
-                <a:spcPct val="90000"/>
-              </a:lnSpc>
-              <a:spcBef>
-                <a:spcPts val="1000"/>
-              </a:spcBef>
-              <a:buFont typeface="Arial" panose="020B0604020202020204" pitchFamily="34" charset="0"/>
-              <a:buChar char="•"/>
-              <a:defRPr sz="2800" kern="1200">
-                <a:solidFill>
-                  <a:schemeClr val="tx1"/>
-                </a:solidFill>
-                <a:latin typeface="+mn-lt"/>
-                <a:ea typeface="+mn-ea"/>
-                <a:cs typeface="+mn-cs"/>
-              </a:defRPr>
-            </a:lvl1pPr>
-            <a:lvl2pPr marL="685800" indent="-228600" algn="l" defTabSz="914400" rtl="0" eaLnBrk="1" latinLnBrk="0" hangingPunct="1">
-              <a:lnSpc>
-                <a:spcPct val="90000"/>
-              </a:lnSpc>
-              <a:spcBef>
-                <a:spcPts val="500"/>
-              </a:spcBef>
-              <a:buFont typeface="Arial" panose="020B0604020202020204" pitchFamily="34" charset="0"/>
-              <a:buChar char="•"/>
-              <a:defRPr sz="2400" kern="1200">
-                <a:solidFill>
-                  <a:schemeClr val="tx1"/>
-                </a:solidFill>
-                <a:latin typeface="+mn-lt"/>
-                <a:ea typeface="+mn-ea"/>
-                <a:cs typeface="+mn-cs"/>
-              </a:defRPr>
-            </a:lvl2pPr>
-            <a:lvl3pPr marL="1143000" indent="-228600" algn="l" defTabSz="914400" rtl="0" eaLnBrk="1" latinLnBrk="0" hangingPunct="1">
-              <a:lnSpc>
-                <a:spcPct val="90000"/>
-              </a:lnSpc>
-              <a:spcBef>
-                <a:spcPts val="500"/>
-              </a:spcBef>
-              <a:buFont typeface="Arial" panose="020B0604020202020204" pitchFamily="34" charset="0"/>
-              <a:buChar char="•"/>
-              <a:defRPr sz="2000" kern="1200">
-                <a:solidFill>
-                  <a:schemeClr val="tx1"/>
-                </a:solidFill>
-                <a:latin typeface="+mn-lt"/>
-                <a:ea typeface="+mn-ea"/>
-                <a:cs typeface="+mn-cs"/>
-              </a:defRPr>
-            </a:lvl3pPr>
-            <a:lvl4pPr marL="1600200" indent="-228600" algn="l" defTabSz="914400" rtl="0" eaLnBrk="1" latinLnBrk="0" hangingPunct="1">
-              <a:lnSpc>
-                <a:spcPct val="90000"/>
-              </a:lnSpc>
-              <a:spcBef>
-                <a:spcPts val="500"/>
-              </a:spcBef>
-              <a:buFont typeface="Arial" panose="020B0604020202020204" pitchFamily="34" charset="0"/>
-              <a:buChar char="•"/>
-              <a:defRPr sz="1800" kern="1200">
-                <a:solidFill>
-                  <a:schemeClr val="tx1"/>
-                </a:solidFill>
-                <a:latin typeface="+mn-lt"/>
-                <a:ea typeface="+mn-ea"/>
-                <a:cs typeface="+mn-cs"/>
-              </a:defRPr>
-            </a:lvl4pPr>
-            <a:lvl5pPr marL="2057400" indent="-228600" algn="l" defTabSz="914400" rtl="0" eaLnBrk="1" latinLnBrk="0" hangingPunct="1">
-              <a:lnSpc>
-                <a:spcPct val="90000"/>
-              </a:lnSpc>
-              <a:spcBef>
-                <a:spcPts val="500"/>
-              </a:spcBef>
-              <a:buFont typeface="Arial" panose="020B0604020202020204" pitchFamily="34" charset="0"/>
-              <a:buChar char="•"/>
-              <a:defRPr sz="1800" kern="1200">
-                <a:solidFill>
-                  <a:schemeClr val="tx1"/>
-                </a:solidFill>
-                <a:latin typeface="+mn-lt"/>
-                <a:ea typeface="+mn-ea"/>
-                <a:cs typeface="+mn-cs"/>
-              </a:defRPr>
-            </a:lvl5pPr>
-            <a:lvl6pPr marL="2514600" indent="-228600" algn="l" defTabSz="914400" rtl="0" eaLnBrk="1" latinLnBrk="0" hangingPunct="1">
-              <a:lnSpc>
-                <a:spcPct val="90000"/>
-              </a:lnSpc>
-              <a:spcBef>
-                <a:spcPts val="500"/>
-              </a:spcBef>
-              <a:buFont typeface="Arial" panose="020B0604020202020204" pitchFamily="34" charset="0"/>
-              <a:buChar char="•"/>
-              <a:defRPr sz="1800" kern="1200">
-                <a:solidFill>
-                  <a:schemeClr val="tx1"/>
-                </a:solidFill>
-                <a:latin typeface="+mn-lt"/>
-                <a:ea typeface="+mn-ea"/>
-                <a:cs typeface="+mn-cs"/>
-              </a:defRPr>
-            </a:lvl6pPr>
-            <a:lvl7pPr marL="2971800" indent="-228600" algn="l" defTabSz="914400" rtl="0" eaLnBrk="1" latinLnBrk="0" hangingPunct="1">
-              <a:lnSpc>
-                <a:spcPct val="90000"/>
-              </a:lnSpc>
-              <a:spcBef>
-                <a:spcPts val="500"/>
-              </a:spcBef>
-              <a:buFont typeface="Arial" panose="020B0604020202020204" pitchFamily="34" charset="0"/>
-              <a:buChar char="•"/>
-              <a:defRPr sz="1800" kern="1200">
-                <a:solidFill>
-                  <a:schemeClr val="tx1"/>
-                </a:solidFill>
-                <a:latin typeface="+mn-lt"/>
-                <a:ea typeface="+mn-ea"/>
-                <a:cs typeface="+mn-cs"/>
-              </a:defRPr>
-            </a:lvl7pPr>
-            <a:lvl8pPr marL="3429000" indent="-228600" algn="l" defTabSz="914400" rtl="0" eaLnBrk="1" latinLnBrk="0" hangingPunct="1">
-              <a:lnSpc>
-                <a:spcPct val="90000"/>
-              </a:lnSpc>
-              <a:spcBef>
-                <a:spcPts val="500"/>
-              </a:spcBef>
-              <a:buFont typeface="Arial" panose="020B0604020202020204" pitchFamily="34" charset="0"/>
-              <a:buChar char="•"/>
-              <a:defRPr sz="1800" kern="1200">
-                <a:solidFill>
-                  <a:schemeClr val="tx1"/>
-                </a:solidFill>
-                <a:latin typeface="+mn-lt"/>
-                <a:ea typeface="+mn-ea"/>
-                <a:cs typeface="+mn-cs"/>
-              </a:defRPr>
-            </a:lvl8pPr>
-            <a:lvl9pPr marL="3886200" indent="-228600" algn="l" defTabSz="914400" rtl="0" eaLnBrk="1" latinLnBrk="0" hangingPunct="1">
-              <a:lnSpc>
-                <a:spcPct val="90000"/>
-              </a:lnSpc>
-              <a:spcBef>
-                <a:spcPts val="500"/>
-              </a:spcBef>
-              <a:buFont typeface="Arial" panose="020B0604020202020204" pitchFamily="34" charset="0"/>
-              <a:buChar char="•"/>
-              <a:defRPr sz="1800" kern="1200">
-                <a:solidFill>
-                  <a:schemeClr val="tx1"/>
-                </a:solidFill>
-                <a:latin typeface="+mn-lt"/>
-                <a:ea typeface="+mn-ea"/>
-                <a:cs typeface="+mn-cs"/>
-              </a:defRPr>
-            </a:lvl9pPr>
-          </a:lstStyle>
-          <a:p>
-            <a:r>
-              <a:rPr lang="ru-RU" dirty="0"/>
-              <a:t>поддерживает мобильную разработку</a:t>
-            </a:r>
-            <a:r>
-              <a:rPr lang="en-US" dirty="0" smtClean="0"/>
-              <a:t>;</a:t>
-            </a:r>
-          </a:p>
-          <a:p>
-            <a:r>
-              <a:rPr lang="ru-RU" dirty="0" smtClean="0"/>
-              <a:t>универсален </a:t>
-            </a:r>
-            <a:r>
-              <a:rPr lang="ru-RU" dirty="0"/>
-              <a:t>и </a:t>
-            </a:r>
-            <a:r>
-              <a:rPr lang="ru-RU" dirty="0" smtClean="0"/>
-              <a:t>гибок</a:t>
-            </a:r>
-            <a:r>
-              <a:rPr lang="en-US" dirty="0"/>
-              <a:t>;</a:t>
-            </a:r>
-            <a:endParaRPr lang="en-US" dirty="0" smtClean="0"/>
-          </a:p>
-          <a:p>
-            <a:r>
-              <a:rPr lang="en-US" dirty="0"/>
-              <a:t>JSX </a:t>
-            </a:r>
-            <a:r>
-              <a:rPr lang="ru-RU" dirty="0"/>
-              <a:t>делает написание пользовательских компонентов </a:t>
-            </a:r>
-            <a:r>
-              <a:rPr lang="ru-RU" dirty="0" smtClean="0"/>
-              <a:t>проще</a:t>
-            </a:r>
-            <a:r>
-              <a:rPr lang="en-US" dirty="0"/>
-              <a:t>;</a:t>
-            </a:r>
-            <a:endParaRPr lang="en-US" dirty="0" smtClean="0"/>
-          </a:p>
-          <a:p>
-            <a:r>
-              <a:rPr lang="ru-RU" dirty="0" smtClean="0"/>
-              <a:t>более </a:t>
-            </a:r>
-            <a:r>
-              <a:rPr lang="ru-RU" dirty="0"/>
-              <a:t>простое и дружелюбное написание </a:t>
-            </a:r>
-            <a:r>
-              <a:rPr lang="en-US" dirty="0"/>
-              <a:t>SEO </a:t>
-            </a:r>
-            <a:r>
-              <a:rPr lang="ru-RU" dirty="0" smtClean="0"/>
-              <a:t>разметки</a:t>
-            </a:r>
-            <a:r>
-              <a:rPr lang="en-US" dirty="0" smtClean="0"/>
-              <a:t>;</a:t>
-            </a:r>
-          </a:p>
-          <a:p>
-            <a:r>
-              <a:rPr lang="ru-RU" dirty="0"/>
-              <a:t>предлагает лучшую экосистему, больше шаблонов и дополнительных </a:t>
-            </a:r>
-            <a:r>
-              <a:rPr lang="ru-RU" dirty="0" smtClean="0"/>
-              <a:t>инструментов</a:t>
-            </a:r>
-            <a:r>
-              <a:rPr lang="en-US" dirty="0" smtClean="0"/>
-              <a:t>.</a:t>
-            </a:r>
-            <a:endParaRPr lang="ru-RU" dirty="0"/>
-          </a:p>
-        </p:txBody>
-      </p:sp>
-      <p:sp>
-        <p:nvSpPr>
-          <p:cNvPr id="6" name="TextBox 5"/>
-          <p:cNvSpPr txBox="1"/>
+      </p:pic>
+      <p:pic>
+        <p:nvPicPr>
+          <p:cNvPr id="5" name="Рисунок 4"/>
+          <p:cNvPicPr>
+            <a:picLocks noChangeAspect="1"/>
+          </p:cNvPicPr>
           <p:nvPr/>
-        </p:nvSpPr>
+        </p:nvPicPr>
+        <p:blipFill>
+          <a:blip r:embed="rId3">
+            <a:extLst>
+              <a:ext uri="{28A0092B-C50C-407E-A947-70E740481C1C}">
+                <a14:useLocalDpi xmlns:a14="http://schemas.microsoft.com/office/drawing/2010/main" val="0"/>
+              </a:ext>
+            </a:extLst>
+          </a:blip>
+          <a:stretch>
+            <a:fillRect/>
+          </a:stretch>
+        </p:blipFill>
         <p:spPr>
           <a:xfrm>
-            <a:off x="2971857" y="1718327"/>
-            <a:ext cx="926985" cy="477054"/>
+            <a:off x="6738073" y="1845569"/>
+            <a:ext cx="5072927" cy="3053151"/>
           </a:xfrm>
           <a:prstGeom prst="rect">
             <a:avLst/>
           </a:prstGeom>
-          <a:noFill/>
         </p:spPr>
-        <p:txBody>
-          <a:bodyPr wrap="none" rtlCol="0">
-            <a:spAutoFit/>
-          </a:bodyPr>
-          <a:lstStyle/>
-          <a:p>
-            <a:r>
-              <a:rPr lang="en-US" sz="2500" b="1" dirty="0" smtClean="0"/>
-              <a:t>React</a:t>
-            </a:r>
-            <a:endParaRPr lang="ru-RU" sz="2500" b="1" dirty="0"/>
-          </a:p>
-        </p:txBody>
-      </p:sp>
-      <p:sp>
-        <p:nvSpPr>
-          <p:cNvPr id="7" name="TextBox 6"/>
-          <p:cNvSpPr txBox="1"/>
-          <p:nvPr/>
-        </p:nvSpPr>
-        <p:spPr>
-          <a:xfrm>
-            <a:off x="8712380" y="1718327"/>
-            <a:ext cx="698140" cy="477054"/>
-          </a:xfrm>
-          <a:prstGeom prst="rect">
-            <a:avLst/>
-          </a:prstGeom>
-          <a:noFill/>
-        </p:spPr>
-        <p:txBody>
-          <a:bodyPr wrap="none" rtlCol="0">
-            <a:spAutoFit/>
-          </a:bodyPr>
-          <a:lstStyle/>
-          <a:p>
-            <a:r>
-              <a:rPr lang="en-US" sz="2500" b="1" dirty="0" err="1" smtClean="0"/>
-              <a:t>Vue</a:t>
-            </a:r>
-            <a:endParaRPr lang="ru-RU" sz="2500" b="1" dirty="0"/>
-          </a:p>
-        </p:txBody>
-      </p:sp>
+      </p:pic>
     </p:spTree>
     <p:extLst>
       <p:ext uri="{BB962C8B-B14F-4D97-AF65-F5344CB8AC3E}">
-        <p14:creationId xmlns:p14="http://schemas.microsoft.com/office/powerpoint/2010/main" val="2919018654"/>
+        <p14:creationId xmlns:p14="http://schemas.microsoft.com/office/powerpoint/2010/main" val="3798040649"/>
       </p:ext>
     </p:extLst>
   </p:cSld>
   <p:clrMapOvr>
     <a:masterClrMapping/>
   </p:clrMapOvr>
-  <mc:AlternateContent xmlns:mc="http://schemas.openxmlformats.org/markup-compatibility/2006" xmlns:p14="http://schemas.microsoft.com/office/powerpoint/2010/main">
-    <mc:Choice Requires="p14">
+  <mc:AlternateContent xmlns:mc="http://schemas.openxmlformats.org/markup-compatibility/2006">
+    <mc:Choice xmlns:p14="http://schemas.microsoft.com/office/powerpoint/2010/main" Requires="p14">
       <p:transition spd="med" p14:dur="700">
         <p:fade/>
       </p:transition>
     </mc:Choice>
-    <mc:Fallback xmlns="">
+    <mc:Fallback>
       <p:transition spd="med">
         <p:fade/>
       </p:transition>
     </mc:Fallback>
   </mc:AlternateContent>
+  <p:timing>
+    <p:tnLst>
+      <p:par>
+        <p:cTn id="1" dur="indefinite" restart="never" nodeType="tmRoot"/>
+      </p:par>
+    </p:tnLst>
+  </p:timing>
 </p:sld>
 </file>
 
@@ -8158,7 +6391,7 @@
           <p:cNvPr id="2" name="Заголовок 1">
             <a:extLst>
               <a:ext uri="{FF2B5EF4-FFF2-40B4-BE49-F238E27FC236}">
-                <a16:creationId xmlns:a16="http://schemas.microsoft.com/office/drawing/2014/main" xmlns="" id="{B497823A-4F3C-48C1-B0F1-198D0F02D8CB}"/>
+                <a16:creationId xmlns="" xmlns:a16="http://schemas.microsoft.com/office/drawing/2014/main" id="{C3D69FB5-73CD-4EAB-9F49-153919DA4C48}"/>
               </a:ext>
             </a:extLst>
           </p:cNvPr>
@@ -8171,501 +6404,162 @@
         </p:nvSpPr>
         <p:spPr>
           <a:xfrm>
-            <a:off x="533400" y="339725"/>
-            <a:ext cx="6870539" cy="1325563"/>
+            <a:off x="508000" y="152401"/>
+            <a:ext cx="11290300" cy="1028700"/>
           </a:xfrm>
         </p:spPr>
         <p:txBody>
           <a:bodyPr/>
           <a:lstStyle/>
           <a:p>
+            <a:pPr algn="ctr"/>
             <a:r>
               <a:rPr lang="ru-RU" dirty="0"/>
-              <a:t>Когда выбирать </a:t>
-            </a:r>
-            <a:r>
-              <a:rPr lang="en-US" dirty="0"/>
-              <a:t>React</a:t>
-            </a:r>
-            <a:r>
-              <a:rPr lang="ru-RU" dirty="0"/>
-              <a:t>?</a:t>
-            </a:r>
-          </a:p>
-        </p:txBody>
-      </p:sp>
-      <p:sp>
-        <p:nvSpPr>
-          <p:cNvPr id="4" name="Объект 3">
-            <a:extLst>
-              <a:ext uri="{FF2B5EF4-FFF2-40B4-BE49-F238E27FC236}">
-                <a16:creationId xmlns:a16="http://schemas.microsoft.com/office/drawing/2014/main" xmlns="" id="{1B617FBF-8978-45C5-95A8-860220103BA2}"/>
-              </a:ext>
-            </a:extLst>
-          </p:cNvPr>
-          <p:cNvSpPr>
-            <a:spLocks noGrp="1"/>
-          </p:cNvSpPr>
-          <p:nvPr>
-            <p:ph idx="1"/>
-          </p:nvPr>
-        </p:nvSpPr>
+              <a:t>Скриншоты пользовательского интерфейса</a:t>
+            </a:r>
+            <a:endParaRPr lang="ru-RU" dirty="0"/>
+          </a:p>
+        </p:txBody>
+      </p:sp>
+      <p:pic>
+        <p:nvPicPr>
+          <p:cNvPr id="3" name="Рисунок 2"/>
+          <p:cNvPicPr>
+            <a:picLocks noChangeAspect="1"/>
+          </p:cNvPicPr>
+          <p:nvPr/>
+        </p:nvPicPr>
+        <p:blipFill>
+          <a:blip r:embed="rId2">
+            <a:extLst>
+              <a:ext uri="{28A0092B-C50C-407E-A947-70E740481C1C}">
+                <a14:useLocalDpi xmlns:a14="http://schemas.microsoft.com/office/drawing/2010/main" val="0"/>
+              </a:ext>
+            </a:extLst>
+          </a:blip>
+          <a:stretch>
+            <a:fillRect/>
+          </a:stretch>
+        </p:blipFill>
         <p:spPr>
           <a:xfrm>
-            <a:off x="841093" y="1939119"/>
-            <a:ext cx="5178707" cy="1325563"/>
-          </a:xfrm>
-        </p:spPr>
-        <p:txBody>
-          <a:bodyPr>
-            <a:normAutofit/>
-          </a:bodyPr>
-          <a:lstStyle/>
-          <a:p>
-            <a:pPr marL="0" lvl="0" indent="0">
-              <a:buNone/>
-            </a:pPr>
-            <a:r>
-              <a:rPr lang="ru-RU" dirty="0"/>
-              <a:t>Р</a:t>
-            </a:r>
-            <a:r>
-              <a:rPr lang="ru-RU" dirty="0" smtClean="0"/>
-              <a:t>азработка </a:t>
-            </a:r>
-            <a:r>
-              <a:rPr lang="ru-RU" dirty="0"/>
-              <a:t>платформы на базе сообщества (торговая площадка, форум);</a:t>
-            </a:r>
-          </a:p>
-        </p:txBody>
-      </p:sp>
-      <p:sp>
-        <p:nvSpPr>
-          <p:cNvPr id="8" name="Объект 3">
-            <a:extLst>
-              <a:ext uri="{FF2B5EF4-FFF2-40B4-BE49-F238E27FC236}">
-                <a16:creationId xmlns:a16="http://schemas.microsoft.com/office/drawing/2014/main" xmlns="" id="{A5724F9D-3FDB-4F96-AB34-8278B8FB926E}"/>
-              </a:ext>
-            </a:extLst>
-          </p:cNvPr>
-          <p:cNvSpPr txBox="1">
-            <a:spLocks/>
-          </p:cNvSpPr>
-          <p:nvPr/>
-        </p:nvSpPr>
-        <p:spPr>
-          <a:xfrm>
-            <a:off x="841093" y="3399619"/>
-            <a:ext cx="5610508" cy="1325563"/>
+            <a:off x="8468737" y="1908259"/>
+            <a:ext cx="3443863" cy="3298741"/>
           </a:xfrm>
           <a:prstGeom prst="rect">
             <a:avLst/>
           </a:prstGeom>
         </p:spPr>
-        <p:txBody>
-          <a:bodyPr vert="horz" lIns="91440" tIns="45720" rIns="91440" bIns="45720" rtlCol="0">
-            <a:normAutofit/>
-          </a:bodyPr>
-          <a:lstStyle>
-            <a:lvl1pPr marL="228600" indent="-228600" algn="l" defTabSz="914400" rtl="0" eaLnBrk="1" latinLnBrk="0" hangingPunct="1">
-              <a:lnSpc>
-                <a:spcPct val="90000"/>
-              </a:lnSpc>
-              <a:spcBef>
-                <a:spcPts val="1000"/>
-              </a:spcBef>
-              <a:buFont typeface="Arial" panose="020B0604020202020204" pitchFamily="34" charset="0"/>
-              <a:buChar char="•"/>
-              <a:defRPr sz="2800" kern="1200">
-                <a:solidFill>
-                  <a:schemeClr val="tx1"/>
-                </a:solidFill>
-                <a:latin typeface="+mn-lt"/>
-                <a:ea typeface="+mn-ea"/>
-                <a:cs typeface="+mn-cs"/>
-              </a:defRPr>
-            </a:lvl1pPr>
-            <a:lvl2pPr marL="685800" indent="-228600" algn="l" defTabSz="914400" rtl="0" eaLnBrk="1" latinLnBrk="0" hangingPunct="1">
-              <a:lnSpc>
-                <a:spcPct val="90000"/>
-              </a:lnSpc>
-              <a:spcBef>
-                <a:spcPts val="500"/>
-              </a:spcBef>
-              <a:buFont typeface="Arial" panose="020B0604020202020204" pitchFamily="34" charset="0"/>
-              <a:buChar char="•"/>
-              <a:defRPr sz="2400" kern="1200">
-                <a:solidFill>
-                  <a:schemeClr val="tx1"/>
-                </a:solidFill>
-                <a:latin typeface="+mn-lt"/>
-                <a:ea typeface="+mn-ea"/>
-                <a:cs typeface="+mn-cs"/>
-              </a:defRPr>
-            </a:lvl2pPr>
-            <a:lvl3pPr marL="1143000" indent="-228600" algn="l" defTabSz="914400" rtl="0" eaLnBrk="1" latinLnBrk="0" hangingPunct="1">
-              <a:lnSpc>
-                <a:spcPct val="90000"/>
-              </a:lnSpc>
-              <a:spcBef>
-                <a:spcPts val="500"/>
-              </a:spcBef>
-              <a:buFont typeface="Arial" panose="020B0604020202020204" pitchFamily="34" charset="0"/>
-              <a:buChar char="•"/>
-              <a:defRPr sz="2000" kern="1200">
-                <a:solidFill>
-                  <a:schemeClr val="tx1"/>
-                </a:solidFill>
-                <a:latin typeface="+mn-lt"/>
-                <a:ea typeface="+mn-ea"/>
-                <a:cs typeface="+mn-cs"/>
-              </a:defRPr>
-            </a:lvl3pPr>
-            <a:lvl4pPr marL="1600200" indent="-228600" algn="l" defTabSz="914400" rtl="0" eaLnBrk="1" latinLnBrk="0" hangingPunct="1">
-              <a:lnSpc>
-                <a:spcPct val="90000"/>
-              </a:lnSpc>
-              <a:spcBef>
-                <a:spcPts val="500"/>
-              </a:spcBef>
-              <a:buFont typeface="Arial" panose="020B0604020202020204" pitchFamily="34" charset="0"/>
-              <a:buChar char="•"/>
-              <a:defRPr sz="1800" kern="1200">
-                <a:solidFill>
-                  <a:schemeClr val="tx1"/>
-                </a:solidFill>
-                <a:latin typeface="+mn-lt"/>
-                <a:ea typeface="+mn-ea"/>
-                <a:cs typeface="+mn-cs"/>
-              </a:defRPr>
-            </a:lvl4pPr>
-            <a:lvl5pPr marL="2057400" indent="-228600" algn="l" defTabSz="914400" rtl="0" eaLnBrk="1" latinLnBrk="0" hangingPunct="1">
-              <a:lnSpc>
-                <a:spcPct val="90000"/>
-              </a:lnSpc>
-              <a:spcBef>
-                <a:spcPts val="500"/>
-              </a:spcBef>
-              <a:buFont typeface="Arial" panose="020B0604020202020204" pitchFamily="34" charset="0"/>
-              <a:buChar char="•"/>
-              <a:defRPr sz="1800" kern="1200">
-                <a:solidFill>
-                  <a:schemeClr val="tx1"/>
-                </a:solidFill>
-                <a:latin typeface="+mn-lt"/>
-                <a:ea typeface="+mn-ea"/>
-                <a:cs typeface="+mn-cs"/>
-              </a:defRPr>
-            </a:lvl5pPr>
-            <a:lvl6pPr marL="2514600" indent="-228600" algn="l" defTabSz="914400" rtl="0" eaLnBrk="1" latinLnBrk="0" hangingPunct="1">
-              <a:lnSpc>
-                <a:spcPct val="90000"/>
-              </a:lnSpc>
-              <a:spcBef>
-                <a:spcPts val="500"/>
-              </a:spcBef>
-              <a:buFont typeface="Arial" panose="020B0604020202020204" pitchFamily="34" charset="0"/>
-              <a:buChar char="•"/>
-              <a:defRPr sz="1800" kern="1200">
-                <a:solidFill>
-                  <a:schemeClr val="tx1"/>
-                </a:solidFill>
-                <a:latin typeface="+mn-lt"/>
-                <a:ea typeface="+mn-ea"/>
-                <a:cs typeface="+mn-cs"/>
-              </a:defRPr>
-            </a:lvl6pPr>
-            <a:lvl7pPr marL="2971800" indent="-228600" algn="l" defTabSz="914400" rtl="0" eaLnBrk="1" latinLnBrk="0" hangingPunct="1">
-              <a:lnSpc>
-                <a:spcPct val="90000"/>
-              </a:lnSpc>
-              <a:spcBef>
-                <a:spcPts val="500"/>
-              </a:spcBef>
-              <a:buFont typeface="Arial" panose="020B0604020202020204" pitchFamily="34" charset="0"/>
-              <a:buChar char="•"/>
-              <a:defRPr sz="1800" kern="1200">
-                <a:solidFill>
-                  <a:schemeClr val="tx1"/>
-                </a:solidFill>
-                <a:latin typeface="+mn-lt"/>
-                <a:ea typeface="+mn-ea"/>
-                <a:cs typeface="+mn-cs"/>
-              </a:defRPr>
-            </a:lvl7pPr>
-            <a:lvl8pPr marL="3429000" indent="-228600" algn="l" defTabSz="914400" rtl="0" eaLnBrk="1" latinLnBrk="0" hangingPunct="1">
-              <a:lnSpc>
-                <a:spcPct val="90000"/>
-              </a:lnSpc>
-              <a:spcBef>
-                <a:spcPts val="500"/>
-              </a:spcBef>
-              <a:buFont typeface="Arial" panose="020B0604020202020204" pitchFamily="34" charset="0"/>
-              <a:buChar char="•"/>
-              <a:defRPr sz="1800" kern="1200">
-                <a:solidFill>
-                  <a:schemeClr val="tx1"/>
-                </a:solidFill>
-                <a:latin typeface="+mn-lt"/>
-                <a:ea typeface="+mn-ea"/>
-                <a:cs typeface="+mn-cs"/>
-              </a:defRPr>
-            </a:lvl8pPr>
-            <a:lvl9pPr marL="3886200" indent="-228600" algn="l" defTabSz="914400" rtl="0" eaLnBrk="1" latinLnBrk="0" hangingPunct="1">
-              <a:lnSpc>
-                <a:spcPct val="90000"/>
-              </a:lnSpc>
-              <a:spcBef>
-                <a:spcPts val="500"/>
-              </a:spcBef>
-              <a:buFont typeface="Arial" panose="020B0604020202020204" pitchFamily="34" charset="0"/>
-              <a:buChar char="•"/>
-              <a:defRPr sz="1800" kern="1200">
-                <a:solidFill>
-                  <a:schemeClr val="tx1"/>
-                </a:solidFill>
-                <a:latin typeface="+mn-lt"/>
-                <a:ea typeface="+mn-ea"/>
-                <a:cs typeface="+mn-cs"/>
-              </a:defRPr>
-            </a:lvl9pPr>
-          </a:lstStyle>
-          <a:p>
-            <a:pPr marL="0" lvl="0" indent="0">
-              <a:buNone/>
-            </a:pPr>
-            <a:r>
-              <a:rPr lang="ru-RU" dirty="0"/>
-              <a:t>Р</a:t>
-            </a:r>
-            <a:r>
-              <a:rPr lang="ru-RU" dirty="0" smtClean="0"/>
-              <a:t>азработка </a:t>
-            </a:r>
-            <a:r>
-              <a:rPr lang="ru-RU" dirty="0"/>
-              <a:t>социальных медиа (соц. сети, сайты знакомств и т.д.);</a:t>
-            </a:r>
-          </a:p>
-        </p:txBody>
-      </p:sp>
-      <p:sp>
-        <p:nvSpPr>
-          <p:cNvPr id="9" name="Объект 3">
-            <a:extLst>
-              <a:ext uri="{FF2B5EF4-FFF2-40B4-BE49-F238E27FC236}">
-                <a16:creationId xmlns:a16="http://schemas.microsoft.com/office/drawing/2014/main" xmlns="" id="{8FE966A1-C648-4662-9A3B-B2FE71708E74}"/>
-              </a:ext>
-            </a:extLst>
-          </p:cNvPr>
-          <p:cNvSpPr txBox="1">
-            <a:spLocks/>
-          </p:cNvSpPr>
+      </p:pic>
+      <p:pic>
+        <p:nvPicPr>
+          <p:cNvPr id="6" name="Рисунок 5"/>
+          <p:cNvPicPr>
+            <a:picLocks noChangeAspect="1"/>
+          </p:cNvPicPr>
           <p:nvPr/>
-        </p:nvSpPr>
+        </p:nvPicPr>
+        <p:blipFill>
+          <a:blip r:embed="rId3">
+            <a:extLst>
+              <a:ext uri="{28A0092B-C50C-407E-A947-70E740481C1C}">
+                <a14:useLocalDpi xmlns:a14="http://schemas.microsoft.com/office/drawing/2010/main" val="0"/>
+              </a:ext>
+            </a:extLst>
+          </a:blip>
+          <a:stretch>
+            <a:fillRect/>
+          </a:stretch>
+        </p:blipFill>
         <p:spPr>
           <a:xfrm>
-            <a:off x="841092" y="4860119"/>
-            <a:ext cx="5610510" cy="1325563"/>
+            <a:off x="3745219" y="1054101"/>
+            <a:ext cx="4623199" cy="4689880"/>
           </a:xfrm>
           <a:prstGeom prst="rect">
             <a:avLst/>
           </a:prstGeom>
         </p:spPr>
-        <p:txBody>
-          <a:bodyPr vert="horz" lIns="91440" tIns="45720" rIns="91440" bIns="45720" rtlCol="0">
-            <a:normAutofit/>
-          </a:bodyPr>
-          <a:lstStyle>
-            <a:lvl1pPr marL="228600" indent="-228600" algn="l" defTabSz="914400" rtl="0" eaLnBrk="1" latinLnBrk="0" hangingPunct="1">
-              <a:lnSpc>
-                <a:spcPct val="90000"/>
-              </a:lnSpc>
-              <a:spcBef>
-                <a:spcPts val="1000"/>
-              </a:spcBef>
-              <a:buFont typeface="Arial" panose="020B0604020202020204" pitchFamily="34" charset="0"/>
-              <a:buChar char="•"/>
-              <a:defRPr sz="2800" kern="1200">
-                <a:solidFill>
-                  <a:schemeClr val="tx1"/>
-                </a:solidFill>
-                <a:latin typeface="+mn-lt"/>
-                <a:ea typeface="+mn-ea"/>
-                <a:cs typeface="+mn-cs"/>
-              </a:defRPr>
-            </a:lvl1pPr>
-            <a:lvl2pPr marL="685800" indent="-228600" algn="l" defTabSz="914400" rtl="0" eaLnBrk="1" latinLnBrk="0" hangingPunct="1">
-              <a:lnSpc>
-                <a:spcPct val="90000"/>
-              </a:lnSpc>
-              <a:spcBef>
-                <a:spcPts val="500"/>
-              </a:spcBef>
-              <a:buFont typeface="Arial" panose="020B0604020202020204" pitchFamily="34" charset="0"/>
-              <a:buChar char="•"/>
-              <a:defRPr sz="2400" kern="1200">
-                <a:solidFill>
-                  <a:schemeClr val="tx1"/>
-                </a:solidFill>
-                <a:latin typeface="+mn-lt"/>
-                <a:ea typeface="+mn-ea"/>
-                <a:cs typeface="+mn-cs"/>
-              </a:defRPr>
-            </a:lvl2pPr>
-            <a:lvl3pPr marL="1143000" indent="-228600" algn="l" defTabSz="914400" rtl="0" eaLnBrk="1" latinLnBrk="0" hangingPunct="1">
-              <a:lnSpc>
-                <a:spcPct val="90000"/>
-              </a:lnSpc>
-              <a:spcBef>
-                <a:spcPts val="500"/>
-              </a:spcBef>
-              <a:buFont typeface="Arial" panose="020B0604020202020204" pitchFamily="34" charset="0"/>
-              <a:buChar char="•"/>
-              <a:defRPr sz="2000" kern="1200">
-                <a:solidFill>
-                  <a:schemeClr val="tx1"/>
-                </a:solidFill>
-                <a:latin typeface="+mn-lt"/>
-                <a:ea typeface="+mn-ea"/>
-                <a:cs typeface="+mn-cs"/>
-              </a:defRPr>
-            </a:lvl3pPr>
-            <a:lvl4pPr marL="1600200" indent="-228600" algn="l" defTabSz="914400" rtl="0" eaLnBrk="1" latinLnBrk="0" hangingPunct="1">
-              <a:lnSpc>
-                <a:spcPct val="90000"/>
-              </a:lnSpc>
-              <a:spcBef>
-                <a:spcPts val="500"/>
-              </a:spcBef>
-              <a:buFont typeface="Arial" panose="020B0604020202020204" pitchFamily="34" charset="0"/>
-              <a:buChar char="•"/>
-              <a:defRPr sz="1800" kern="1200">
-                <a:solidFill>
-                  <a:schemeClr val="tx1"/>
-                </a:solidFill>
-                <a:latin typeface="+mn-lt"/>
-                <a:ea typeface="+mn-ea"/>
-                <a:cs typeface="+mn-cs"/>
-              </a:defRPr>
-            </a:lvl4pPr>
-            <a:lvl5pPr marL="2057400" indent="-228600" algn="l" defTabSz="914400" rtl="0" eaLnBrk="1" latinLnBrk="0" hangingPunct="1">
-              <a:lnSpc>
-                <a:spcPct val="90000"/>
-              </a:lnSpc>
-              <a:spcBef>
-                <a:spcPts val="500"/>
-              </a:spcBef>
-              <a:buFont typeface="Arial" panose="020B0604020202020204" pitchFamily="34" charset="0"/>
-              <a:buChar char="•"/>
-              <a:defRPr sz="1800" kern="1200">
-                <a:solidFill>
-                  <a:schemeClr val="tx1"/>
-                </a:solidFill>
-                <a:latin typeface="+mn-lt"/>
-                <a:ea typeface="+mn-ea"/>
-                <a:cs typeface="+mn-cs"/>
-              </a:defRPr>
-            </a:lvl5pPr>
-            <a:lvl6pPr marL="2514600" indent="-228600" algn="l" defTabSz="914400" rtl="0" eaLnBrk="1" latinLnBrk="0" hangingPunct="1">
-              <a:lnSpc>
-                <a:spcPct val="90000"/>
-              </a:lnSpc>
-              <a:spcBef>
-                <a:spcPts val="500"/>
-              </a:spcBef>
-              <a:buFont typeface="Arial" panose="020B0604020202020204" pitchFamily="34" charset="0"/>
-              <a:buChar char="•"/>
-              <a:defRPr sz="1800" kern="1200">
-                <a:solidFill>
-                  <a:schemeClr val="tx1"/>
-                </a:solidFill>
-                <a:latin typeface="+mn-lt"/>
-                <a:ea typeface="+mn-ea"/>
-                <a:cs typeface="+mn-cs"/>
-              </a:defRPr>
-            </a:lvl6pPr>
-            <a:lvl7pPr marL="2971800" indent="-228600" algn="l" defTabSz="914400" rtl="0" eaLnBrk="1" latinLnBrk="0" hangingPunct="1">
-              <a:lnSpc>
-                <a:spcPct val="90000"/>
-              </a:lnSpc>
-              <a:spcBef>
-                <a:spcPts val="500"/>
-              </a:spcBef>
-              <a:buFont typeface="Arial" panose="020B0604020202020204" pitchFamily="34" charset="0"/>
-              <a:buChar char="•"/>
-              <a:defRPr sz="1800" kern="1200">
-                <a:solidFill>
-                  <a:schemeClr val="tx1"/>
-                </a:solidFill>
-                <a:latin typeface="+mn-lt"/>
-                <a:ea typeface="+mn-ea"/>
-                <a:cs typeface="+mn-cs"/>
-              </a:defRPr>
-            </a:lvl7pPr>
-            <a:lvl8pPr marL="3429000" indent="-228600" algn="l" defTabSz="914400" rtl="0" eaLnBrk="1" latinLnBrk="0" hangingPunct="1">
-              <a:lnSpc>
-                <a:spcPct val="90000"/>
-              </a:lnSpc>
-              <a:spcBef>
-                <a:spcPts val="500"/>
-              </a:spcBef>
-              <a:buFont typeface="Arial" panose="020B0604020202020204" pitchFamily="34" charset="0"/>
-              <a:buChar char="•"/>
-              <a:defRPr sz="1800" kern="1200">
-                <a:solidFill>
-                  <a:schemeClr val="tx1"/>
-                </a:solidFill>
-                <a:latin typeface="+mn-lt"/>
-                <a:ea typeface="+mn-ea"/>
-                <a:cs typeface="+mn-cs"/>
-              </a:defRPr>
-            </a:lvl8pPr>
-            <a:lvl9pPr marL="3886200" indent="-228600" algn="l" defTabSz="914400" rtl="0" eaLnBrk="1" latinLnBrk="0" hangingPunct="1">
-              <a:lnSpc>
-                <a:spcPct val="90000"/>
-              </a:lnSpc>
-              <a:spcBef>
-                <a:spcPts val="500"/>
-              </a:spcBef>
-              <a:buFont typeface="Arial" panose="020B0604020202020204" pitchFamily="34" charset="0"/>
-              <a:buChar char="•"/>
-              <a:defRPr sz="1800" kern="1200">
-                <a:solidFill>
-                  <a:schemeClr val="tx1"/>
-                </a:solidFill>
-                <a:latin typeface="+mn-lt"/>
-                <a:ea typeface="+mn-ea"/>
-                <a:cs typeface="+mn-cs"/>
-              </a:defRPr>
-            </a:lvl9pPr>
-          </a:lstStyle>
-          <a:p>
-            <a:pPr marL="0" lvl="0" indent="0">
-              <a:buNone/>
-            </a:pPr>
-            <a:r>
-              <a:rPr lang="ru-RU" dirty="0"/>
-              <a:t>Р</a:t>
-            </a:r>
-            <a:r>
-              <a:rPr lang="ru-RU" dirty="0" smtClean="0"/>
-              <a:t>азработка </a:t>
-            </a:r>
-            <a:r>
-              <a:rPr lang="ru-RU" dirty="0"/>
-              <a:t>сложных веб-платформ с мобильной функциональностью.</a:t>
-            </a:r>
-          </a:p>
-        </p:txBody>
-      </p:sp>
-      <p:sp>
-        <p:nvSpPr>
-          <p:cNvPr id="10" name="Прямоугольник 9">
-            <a:extLst>
-              <a:ext uri="{FF2B5EF4-FFF2-40B4-BE49-F238E27FC236}">
-                <a16:creationId xmlns:a16="http://schemas.microsoft.com/office/drawing/2014/main" xmlns="" id="{0C5E091C-4FCC-4F5F-A539-8DE1CF33CFAE}"/>
+      </p:pic>
+      <p:pic>
+        <p:nvPicPr>
+          <p:cNvPr id="8" name="Рисунок 7"/>
+          <p:cNvPicPr>
+            <a:picLocks noChangeAspect="1"/>
+          </p:cNvPicPr>
+          <p:nvPr/>
+        </p:nvPicPr>
+        <p:blipFill>
+          <a:blip r:embed="rId4"/>
+          <a:stretch>
+            <a:fillRect/>
+          </a:stretch>
+        </p:blipFill>
+        <p:spPr>
+          <a:xfrm>
+            <a:off x="280679" y="1908259"/>
+            <a:ext cx="3364221" cy="3157192"/>
+          </a:xfrm>
+          <a:prstGeom prst="rect">
+            <a:avLst/>
+          </a:prstGeom>
+        </p:spPr>
+      </p:pic>
+    </p:spTree>
+    <p:extLst>
+      <p:ext uri="{BB962C8B-B14F-4D97-AF65-F5344CB8AC3E}">
+        <p14:creationId xmlns:p14="http://schemas.microsoft.com/office/powerpoint/2010/main" val="2602744099"/>
+      </p:ext>
+    </p:extLst>
+  </p:cSld>
+  <p:clrMapOvr>
+    <a:masterClrMapping/>
+  </p:clrMapOvr>
+  <mc:AlternateContent xmlns:mc="http://schemas.openxmlformats.org/markup-compatibility/2006">
+    <mc:Choice xmlns:p14="http://schemas.microsoft.com/office/powerpoint/2010/main" Requires="p14">
+      <p:transition spd="med" p14:dur="700">
+        <p:fade/>
+      </p:transition>
+    </mc:Choice>
+    <mc:Fallback>
+      <p:transition spd="med">
+        <p:fade/>
+      </p:transition>
+    </mc:Fallback>
+  </mc:AlternateContent>
+  <p:timing>
+    <p:tnLst>
+      <p:par>
+        <p:cTn id="1" dur="indefinite" restart="never" nodeType="tmRoot"/>
+      </p:par>
+    </p:tnLst>
+  </p:timing>
+</p:sld>
+</file>
+
+<file path=ppt/slides/slide8.xml><?xml version="1.0" encoding="utf-8"?>
+<p:sld xmlns:a="http://schemas.openxmlformats.org/drawingml/2006/main" xmlns:r="http://schemas.openxmlformats.org/officeDocument/2006/relationships" xmlns:p="http://schemas.openxmlformats.org/presentationml/2006/main">
+  <p:cSld>
+    <p:spTree>
+      <p:nvGrpSpPr>
+        <p:cNvPr id="1" name=""/>
+        <p:cNvGrpSpPr/>
+        <p:nvPr/>
+      </p:nvGrpSpPr>
+      <p:grpSpPr>
+        <a:xfrm>
+          <a:off x="0" y="0"/>
+          <a:ext cx="0" cy="0"/>
+          <a:chOff x="0" y="0"/>
+          <a:chExt cx="0" cy="0"/>
+        </a:xfrm>
+      </p:grpSpPr>
+      <p:sp>
+        <p:nvSpPr>
+          <p:cNvPr id="27" name="Прямоугольник 26">
+            <a:extLst>
+              <a:ext uri="{FF2B5EF4-FFF2-40B4-BE49-F238E27FC236}">
+                <a16:creationId xmlns="" xmlns:a16="http://schemas.microsoft.com/office/drawing/2014/main" id="{6AB6FD9A-1AFC-4807-9449-71974F4B8494}"/>
               </a:ext>
             </a:extLst>
           </p:cNvPr>
@@ -8674,8 +6568,8 @@
         </p:nvSpPr>
         <p:spPr>
           <a:xfrm rot="16200000">
-            <a:off x="-1928771" y="3893293"/>
-            <a:ext cx="4054318" cy="196771"/>
+            <a:off x="7076406" y="1010280"/>
+            <a:ext cx="3990112" cy="5350919"/>
           </a:xfrm>
           <a:prstGeom prst="rect">
             <a:avLst/>
@@ -8709,674 +6603,12 @@
           </a:p>
         </p:txBody>
       </p:sp>
-      <p:pic>
-        <p:nvPicPr>
-          <p:cNvPr id="12" name="Рисунок 11" descr="Флажок со сплошной заливкой">
-            <a:extLst>
-              <a:ext uri="{FF2B5EF4-FFF2-40B4-BE49-F238E27FC236}">
-                <a16:creationId xmlns:a16="http://schemas.microsoft.com/office/drawing/2014/main" xmlns="" id="{8D809365-2E4C-4F48-A6DE-25CC4A599417}"/>
-              </a:ext>
-            </a:extLst>
-          </p:cNvPr>
-          <p:cNvPicPr>
-            <a:picLocks noChangeAspect="1"/>
-          </p:cNvPicPr>
-          <p:nvPr/>
-        </p:nvPicPr>
-        <p:blipFill>
-          <a:blip r:embed="rId2" cstate="print">
-            <a:extLst>
-              <a:ext uri="{28A0092B-C50C-407E-A947-70E740481C1C}">
-                <a14:useLocalDpi xmlns:a14="http://schemas.microsoft.com/office/drawing/2010/main" val="0"/>
-              </a:ext>
-              <a:ext uri="{96DAC541-7B7A-43D3-8B79-37D633B846F1}">
-                <asvg:svgBlip xmlns:asvg="http://schemas.microsoft.com/office/drawing/2016/SVG/main" xmlns="" r:embed="rId5"/>
-              </a:ext>
-            </a:extLst>
-          </a:blip>
-          <a:stretch>
-            <a:fillRect/>
-          </a:stretch>
-        </p:blipFill>
-        <p:spPr>
-          <a:xfrm>
-            <a:off x="326502" y="2395002"/>
-            <a:ext cx="413796" cy="413796"/>
-          </a:xfrm>
-          <a:prstGeom prst="rect">
-            <a:avLst/>
-          </a:prstGeom>
-        </p:spPr>
-      </p:pic>
-      <p:pic>
-        <p:nvPicPr>
-          <p:cNvPr id="13" name="Рисунок 12" descr="Флажок со сплошной заливкой">
-            <a:extLst>
-              <a:ext uri="{FF2B5EF4-FFF2-40B4-BE49-F238E27FC236}">
-                <a16:creationId xmlns:a16="http://schemas.microsoft.com/office/drawing/2014/main" xmlns="" id="{CCACD390-05DB-4783-8862-52F0328D0C4D}"/>
-              </a:ext>
-            </a:extLst>
-          </p:cNvPr>
-          <p:cNvPicPr>
-            <a:picLocks noChangeAspect="1"/>
-          </p:cNvPicPr>
-          <p:nvPr/>
-        </p:nvPicPr>
-        <p:blipFill>
-          <a:blip r:embed="rId2" cstate="print">
-            <a:extLst>
-              <a:ext uri="{28A0092B-C50C-407E-A947-70E740481C1C}">
-                <a14:useLocalDpi xmlns:a14="http://schemas.microsoft.com/office/drawing/2010/main" val="0"/>
-              </a:ext>
-              <a:ext uri="{96DAC541-7B7A-43D3-8B79-37D633B846F1}">
-                <asvg:svgBlip xmlns:asvg="http://schemas.microsoft.com/office/drawing/2016/SVG/main" xmlns="" r:embed="rId5"/>
-              </a:ext>
-            </a:extLst>
-          </a:blip>
-          <a:stretch>
-            <a:fillRect/>
-          </a:stretch>
-        </p:blipFill>
-        <p:spPr>
-          <a:xfrm>
-            <a:off x="326502" y="3791505"/>
-            <a:ext cx="413796" cy="413796"/>
-          </a:xfrm>
-          <a:prstGeom prst="rect">
-            <a:avLst/>
-          </a:prstGeom>
-        </p:spPr>
-      </p:pic>
-      <p:pic>
-        <p:nvPicPr>
-          <p:cNvPr id="14" name="Рисунок 13" descr="Флажок со сплошной заливкой">
-            <a:extLst>
-              <a:ext uri="{FF2B5EF4-FFF2-40B4-BE49-F238E27FC236}">
-                <a16:creationId xmlns:a16="http://schemas.microsoft.com/office/drawing/2014/main" xmlns="" id="{15120E8C-7BF4-40BA-BDE3-82EB11284201}"/>
-              </a:ext>
-            </a:extLst>
-          </p:cNvPr>
-          <p:cNvPicPr>
-            <a:picLocks noChangeAspect="1"/>
-          </p:cNvPicPr>
-          <p:nvPr/>
-        </p:nvPicPr>
-        <p:blipFill>
-          <a:blip r:embed="rId2" cstate="print">
-            <a:extLst>
-              <a:ext uri="{28A0092B-C50C-407E-A947-70E740481C1C}">
-                <a14:useLocalDpi xmlns:a14="http://schemas.microsoft.com/office/drawing/2010/main" val="0"/>
-              </a:ext>
-              <a:ext uri="{96DAC541-7B7A-43D3-8B79-37D633B846F1}">
-                <asvg:svgBlip xmlns:asvg="http://schemas.microsoft.com/office/drawing/2016/SVG/main" xmlns="" r:embed="rId5"/>
-              </a:ext>
-            </a:extLst>
-          </a:blip>
-          <a:stretch>
-            <a:fillRect/>
-          </a:stretch>
-        </p:blipFill>
-        <p:spPr>
-          <a:xfrm>
-            <a:off x="326502" y="5188008"/>
-            <a:ext cx="413796" cy="413796"/>
-          </a:xfrm>
-          <a:prstGeom prst="rect">
-            <a:avLst/>
-          </a:prstGeom>
-        </p:spPr>
-      </p:pic>
-      <p:sp>
-        <p:nvSpPr>
-          <p:cNvPr id="29" name="Заголовок 1">
-            <a:extLst>
-              <a:ext uri="{FF2B5EF4-FFF2-40B4-BE49-F238E27FC236}">
-                <a16:creationId xmlns:a16="http://schemas.microsoft.com/office/drawing/2014/main" xmlns="" id="{B497823A-4F3C-48C1-B0F1-198D0F02D8CB}"/>
-              </a:ext>
-            </a:extLst>
-          </p:cNvPr>
-          <p:cNvSpPr txBox="1">
-            <a:spLocks/>
-          </p:cNvSpPr>
-          <p:nvPr/>
-        </p:nvSpPr>
-        <p:spPr>
-          <a:xfrm>
-            <a:off x="6658499" y="339725"/>
-            <a:ext cx="6870539" cy="1325563"/>
-          </a:xfrm>
-          <a:prstGeom prst="rect">
-            <a:avLst/>
-          </a:prstGeom>
-        </p:spPr>
-        <p:txBody>
-          <a:bodyPr vert="horz" lIns="91440" tIns="45720" rIns="91440" bIns="45720" rtlCol="0" anchor="ctr">
-            <a:normAutofit/>
-          </a:bodyPr>
-          <a:lstStyle>
-            <a:lvl1pPr algn="l" defTabSz="914400" rtl="0" eaLnBrk="1" latinLnBrk="0" hangingPunct="1">
-              <a:lnSpc>
-                <a:spcPct val="90000"/>
-              </a:lnSpc>
-              <a:spcBef>
-                <a:spcPct val="0"/>
-              </a:spcBef>
-              <a:buNone/>
-              <a:defRPr sz="4400" b="1" kern="1200">
-                <a:solidFill>
-                  <a:srgbClr val="607090"/>
-                </a:solidFill>
-                <a:latin typeface="+mj-lt"/>
-                <a:ea typeface="+mj-ea"/>
-                <a:cs typeface="+mj-cs"/>
-              </a:defRPr>
-            </a:lvl1pPr>
-          </a:lstStyle>
-          <a:p>
-            <a:r>
-              <a:rPr lang="ru-RU" dirty="0" smtClean="0"/>
-              <a:t>Когда выбирать </a:t>
-            </a:r>
-            <a:r>
-              <a:rPr lang="en-US" dirty="0" err="1" smtClean="0"/>
-              <a:t>Vue</a:t>
-            </a:r>
-            <a:r>
-              <a:rPr lang="ru-RU" dirty="0" smtClean="0"/>
-              <a:t>?</a:t>
-            </a:r>
-            <a:endParaRPr lang="ru-RU" dirty="0"/>
-          </a:p>
-        </p:txBody>
-      </p:sp>
-      <p:sp>
-        <p:nvSpPr>
-          <p:cNvPr id="30" name="Объект 3">
-            <a:extLst>
-              <a:ext uri="{FF2B5EF4-FFF2-40B4-BE49-F238E27FC236}">
-                <a16:creationId xmlns:a16="http://schemas.microsoft.com/office/drawing/2014/main" xmlns="" id="{1B617FBF-8978-45C5-95A8-860220103BA2}"/>
-              </a:ext>
-            </a:extLst>
-          </p:cNvPr>
-          <p:cNvSpPr txBox="1">
-            <a:spLocks/>
-          </p:cNvSpPr>
-          <p:nvPr/>
-        </p:nvSpPr>
-        <p:spPr>
-          <a:xfrm>
-            <a:off x="6966192" y="1939119"/>
-            <a:ext cx="4095508" cy="1325563"/>
-          </a:xfrm>
-          <a:prstGeom prst="rect">
-            <a:avLst/>
-          </a:prstGeom>
-        </p:spPr>
-        <p:txBody>
-          <a:bodyPr vert="horz" lIns="91440" tIns="45720" rIns="91440" bIns="45720" rtlCol="0">
-            <a:normAutofit/>
-          </a:bodyPr>
-          <a:lstStyle>
-            <a:lvl1pPr marL="228600" indent="-228600" algn="l" defTabSz="914400" rtl="0" eaLnBrk="1" latinLnBrk="0" hangingPunct="1">
-              <a:lnSpc>
-                <a:spcPct val="90000"/>
-              </a:lnSpc>
-              <a:spcBef>
-                <a:spcPts val="1000"/>
-              </a:spcBef>
-              <a:buFont typeface="Arial" panose="020B0604020202020204" pitchFamily="34" charset="0"/>
-              <a:buChar char="•"/>
-              <a:defRPr sz="2800" kern="1200">
-                <a:solidFill>
-                  <a:schemeClr val="tx1"/>
-                </a:solidFill>
-                <a:latin typeface="+mn-lt"/>
-                <a:ea typeface="+mn-ea"/>
-                <a:cs typeface="+mn-cs"/>
-              </a:defRPr>
-            </a:lvl1pPr>
-            <a:lvl2pPr marL="685800" indent="-228600" algn="l" defTabSz="914400" rtl="0" eaLnBrk="1" latinLnBrk="0" hangingPunct="1">
-              <a:lnSpc>
-                <a:spcPct val="90000"/>
-              </a:lnSpc>
-              <a:spcBef>
-                <a:spcPts val="500"/>
-              </a:spcBef>
-              <a:buFont typeface="Arial" panose="020B0604020202020204" pitchFamily="34" charset="0"/>
-              <a:buChar char="•"/>
-              <a:defRPr sz="2400" kern="1200">
-                <a:solidFill>
-                  <a:schemeClr val="tx1"/>
-                </a:solidFill>
-                <a:latin typeface="+mn-lt"/>
-                <a:ea typeface="+mn-ea"/>
-                <a:cs typeface="+mn-cs"/>
-              </a:defRPr>
-            </a:lvl2pPr>
-            <a:lvl3pPr marL="1143000" indent="-228600" algn="l" defTabSz="914400" rtl="0" eaLnBrk="1" latinLnBrk="0" hangingPunct="1">
-              <a:lnSpc>
-                <a:spcPct val="90000"/>
-              </a:lnSpc>
-              <a:spcBef>
-                <a:spcPts val="500"/>
-              </a:spcBef>
-              <a:buFont typeface="Arial" panose="020B0604020202020204" pitchFamily="34" charset="0"/>
-              <a:buChar char="•"/>
-              <a:defRPr sz="2000" kern="1200">
-                <a:solidFill>
-                  <a:schemeClr val="tx1"/>
-                </a:solidFill>
-                <a:latin typeface="+mn-lt"/>
-                <a:ea typeface="+mn-ea"/>
-                <a:cs typeface="+mn-cs"/>
-              </a:defRPr>
-            </a:lvl3pPr>
-            <a:lvl4pPr marL="1600200" indent="-228600" algn="l" defTabSz="914400" rtl="0" eaLnBrk="1" latinLnBrk="0" hangingPunct="1">
-              <a:lnSpc>
-                <a:spcPct val="90000"/>
-              </a:lnSpc>
-              <a:spcBef>
-                <a:spcPts val="500"/>
-              </a:spcBef>
-              <a:buFont typeface="Arial" panose="020B0604020202020204" pitchFamily="34" charset="0"/>
-              <a:buChar char="•"/>
-              <a:defRPr sz="1800" kern="1200">
-                <a:solidFill>
-                  <a:schemeClr val="tx1"/>
-                </a:solidFill>
-                <a:latin typeface="+mn-lt"/>
-                <a:ea typeface="+mn-ea"/>
-                <a:cs typeface="+mn-cs"/>
-              </a:defRPr>
-            </a:lvl4pPr>
-            <a:lvl5pPr marL="2057400" indent="-228600" algn="l" defTabSz="914400" rtl="0" eaLnBrk="1" latinLnBrk="0" hangingPunct="1">
-              <a:lnSpc>
-                <a:spcPct val="90000"/>
-              </a:lnSpc>
-              <a:spcBef>
-                <a:spcPts val="500"/>
-              </a:spcBef>
-              <a:buFont typeface="Arial" panose="020B0604020202020204" pitchFamily="34" charset="0"/>
-              <a:buChar char="•"/>
-              <a:defRPr sz="1800" kern="1200">
-                <a:solidFill>
-                  <a:schemeClr val="tx1"/>
-                </a:solidFill>
-                <a:latin typeface="+mn-lt"/>
-                <a:ea typeface="+mn-ea"/>
-                <a:cs typeface="+mn-cs"/>
-              </a:defRPr>
-            </a:lvl5pPr>
-            <a:lvl6pPr marL="2514600" indent="-228600" algn="l" defTabSz="914400" rtl="0" eaLnBrk="1" latinLnBrk="0" hangingPunct="1">
-              <a:lnSpc>
-                <a:spcPct val="90000"/>
-              </a:lnSpc>
-              <a:spcBef>
-                <a:spcPts val="500"/>
-              </a:spcBef>
-              <a:buFont typeface="Arial" panose="020B0604020202020204" pitchFamily="34" charset="0"/>
-              <a:buChar char="•"/>
-              <a:defRPr sz="1800" kern="1200">
-                <a:solidFill>
-                  <a:schemeClr val="tx1"/>
-                </a:solidFill>
-                <a:latin typeface="+mn-lt"/>
-                <a:ea typeface="+mn-ea"/>
-                <a:cs typeface="+mn-cs"/>
-              </a:defRPr>
-            </a:lvl6pPr>
-            <a:lvl7pPr marL="2971800" indent="-228600" algn="l" defTabSz="914400" rtl="0" eaLnBrk="1" latinLnBrk="0" hangingPunct="1">
-              <a:lnSpc>
-                <a:spcPct val="90000"/>
-              </a:lnSpc>
-              <a:spcBef>
-                <a:spcPts val="500"/>
-              </a:spcBef>
-              <a:buFont typeface="Arial" panose="020B0604020202020204" pitchFamily="34" charset="0"/>
-              <a:buChar char="•"/>
-              <a:defRPr sz="1800" kern="1200">
-                <a:solidFill>
-                  <a:schemeClr val="tx1"/>
-                </a:solidFill>
-                <a:latin typeface="+mn-lt"/>
-                <a:ea typeface="+mn-ea"/>
-                <a:cs typeface="+mn-cs"/>
-              </a:defRPr>
-            </a:lvl7pPr>
-            <a:lvl8pPr marL="3429000" indent="-228600" algn="l" defTabSz="914400" rtl="0" eaLnBrk="1" latinLnBrk="0" hangingPunct="1">
-              <a:lnSpc>
-                <a:spcPct val="90000"/>
-              </a:lnSpc>
-              <a:spcBef>
-                <a:spcPts val="500"/>
-              </a:spcBef>
-              <a:buFont typeface="Arial" panose="020B0604020202020204" pitchFamily="34" charset="0"/>
-              <a:buChar char="•"/>
-              <a:defRPr sz="1800" kern="1200">
-                <a:solidFill>
-                  <a:schemeClr val="tx1"/>
-                </a:solidFill>
-                <a:latin typeface="+mn-lt"/>
-                <a:ea typeface="+mn-ea"/>
-                <a:cs typeface="+mn-cs"/>
-              </a:defRPr>
-            </a:lvl8pPr>
-            <a:lvl9pPr marL="3886200" indent="-228600" algn="l" defTabSz="914400" rtl="0" eaLnBrk="1" latinLnBrk="0" hangingPunct="1">
-              <a:lnSpc>
-                <a:spcPct val="90000"/>
-              </a:lnSpc>
-              <a:spcBef>
-                <a:spcPts val="500"/>
-              </a:spcBef>
-              <a:buFont typeface="Arial" panose="020B0604020202020204" pitchFamily="34" charset="0"/>
-              <a:buChar char="•"/>
-              <a:defRPr sz="1800" kern="1200">
-                <a:solidFill>
-                  <a:schemeClr val="tx1"/>
-                </a:solidFill>
-                <a:latin typeface="+mn-lt"/>
-                <a:ea typeface="+mn-ea"/>
-                <a:cs typeface="+mn-cs"/>
-              </a:defRPr>
-            </a:lvl9pPr>
-          </a:lstStyle>
-          <a:p>
-            <a:pPr marL="0" lvl="0" indent="0">
-              <a:buNone/>
-            </a:pPr>
-            <a:r>
-              <a:rPr lang="ru-RU" dirty="0"/>
-              <a:t>Разработка компактной системы;</a:t>
-            </a:r>
-          </a:p>
-        </p:txBody>
-      </p:sp>
-      <p:sp>
-        <p:nvSpPr>
-          <p:cNvPr id="31" name="Объект 3">
-            <a:extLst>
-              <a:ext uri="{FF2B5EF4-FFF2-40B4-BE49-F238E27FC236}">
-                <a16:creationId xmlns:a16="http://schemas.microsoft.com/office/drawing/2014/main" xmlns="" id="{A5724F9D-3FDB-4F96-AB34-8278B8FB926E}"/>
-              </a:ext>
-            </a:extLst>
-          </p:cNvPr>
-          <p:cNvSpPr txBox="1">
-            <a:spLocks/>
-          </p:cNvSpPr>
-          <p:nvPr/>
-        </p:nvSpPr>
-        <p:spPr>
-          <a:xfrm>
-            <a:off x="6966192" y="3399619"/>
-            <a:ext cx="4527308" cy="1693081"/>
-          </a:xfrm>
-          <a:prstGeom prst="rect">
-            <a:avLst/>
-          </a:prstGeom>
-        </p:spPr>
-        <p:txBody>
-          <a:bodyPr vert="horz" lIns="91440" tIns="45720" rIns="91440" bIns="45720" rtlCol="0">
-            <a:normAutofit/>
-          </a:bodyPr>
-          <a:lstStyle>
-            <a:lvl1pPr marL="228600" indent="-228600" algn="l" defTabSz="914400" rtl="0" eaLnBrk="1" latinLnBrk="0" hangingPunct="1">
-              <a:lnSpc>
-                <a:spcPct val="90000"/>
-              </a:lnSpc>
-              <a:spcBef>
-                <a:spcPts val="1000"/>
-              </a:spcBef>
-              <a:buFont typeface="Arial" panose="020B0604020202020204" pitchFamily="34" charset="0"/>
-              <a:buChar char="•"/>
-              <a:defRPr sz="2800" kern="1200">
-                <a:solidFill>
-                  <a:schemeClr val="tx1"/>
-                </a:solidFill>
-                <a:latin typeface="+mn-lt"/>
-                <a:ea typeface="+mn-ea"/>
-                <a:cs typeface="+mn-cs"/>
-              </a:defRPr>
-            </a:lvl1pPr>
-            <a:lvl2pPr marL="685800" indent="-228600" algn="l" defTabSz="914400" rtl="0" eaLnBrk="1" latinLnBrk="0" hangingPunct="1">
-              <a:lnSpc>
-                <a:spcPct val="90000"/>
-              </a:lnSpc>
-              <a:spcBef>
-                <a:spcPts val="500"/>
-              </a:spcBef>
-              <a:buFont typeface="Arial" panose="020B0604020202020204" pitchFamily="34" charset="0"/>
-              <a:buChar char="•"/>
-              <a:defRPr sz="2400" kern="1200">
-                <a:solidFill>
-                  <a:schemeClr val="tx1"/>
-                </a:solidFill>
-                <a:latin typeface="+mn-lt"/>
-                <a:ea typeface="+mn-ea"/>
-                <a:cs typeface="+mn-cs"/>
-              </a:defRPr>
-            </a:lvl2pPr>
-            <a:lvl3pPr marL="1143000" indent="-228600" algn="l" defTabSz="914400" rtl="0" eaLnBrk="1" latinLnBrk="0" hangingPunct="1">
-              <a:lnSpc>
-                <a:spcPct val="90000"/>
-              </a:lnSpc>
-              <a:spcBef>
-                <a:spcPts val="500"/>
-              </a:spcBef>
-              <a:buFont typeface="Arial" panose="020B0604020202020204" pitchFamily="34" charset="0"/>
-              <a:buChar char="•"/>
-              <a:defRPr sz="2000" kern="1200">
-                <a:solidFill>
-                  <a:schemeClr val="tx1"/>
-                </a:solidFill>
-                <a:latin typeface="+mn-lt"/>
-                <a:ea typeface="+mn-ea"/>
-                <a:cs typeface="+mn-cs"/>
-              </a:defRPr>
-            </a:lvl3pPr>
-            <a:lvl4pPr marL="1600200" indent="-228600" algn="l" defTabSz="914400" rtl="0" eaLnBrk="1" latinLnBrk="0" hangingPunct="1">
-              <a:lnSpc>
-                <a:spcPct val="90000"/>
-              </a:lnSpc>
-              <a:spcBef>
-                <a:spcPts val="500"/>
-              </a:spcBef>
-              <a:buFont typeface="Arial" panose="020B0604020202020204" pitchFamily="34" charset="0"/>
-              <a:buChar char="•"/>
-              <a:defRPr sz="1800" kern="1200">
-                <a:solidFill>
-                  <a:schemeClr val="tx1"/>
-                </a:solidFill>
-                <a:latin typeface="+mn-lt"/>
-                <a:ea typeface="+mn-ea"/>
-                <a:cs typeface="+mn-cs"/>
-              </a:defRPr>
-            </a:lvl4pPr>
-            <a:lvl5pPr marL="2057400" indent="-228600" algn="l" defTabSz="914400" rtl="0" eaLnBrk="1" latinLnBrk="0" hangingPunct="1">
-              <a:lnSpc>
-                <a:spcPct val="90000"/>
-              </a:lnSpc>
-              <a:spcBef>
-                <a:spcPts val="500"/>
-              </a:spcBef>
-              <a:buFont typeface="Arial" panose="020B0604020202020204" pitchFamily="34" charset="0"/>
-              <a:buChar char="•"/>
-              <a:defRPr sz="1800" kern="1200">
-                <a:solidFill>
-                  <a:schemeClr val="tx1"/>
-                </a:solidFill>
-                <a:latin typeface="+mn-lt"/>
-                <a:ea typeface="+mn-ea"/>
-                <a:cs typeface="+mn-cs"/>
-              </a:defRPr>
-            </a:lvl5pPr>
-            <a:lvl6pPr marL="2514600" indent="-228600" algn="l" defTabSz="914400" rtl="0" eaLnBrk="1" latinLnBrk="0" hangingPunct="1">
-              <a:lnSpc>
-                <a:spcPct val="90000"/>
-              </a:lnSpc>
-              <a:spcBef>
-                <a:spcPts val="500"/>
-              </a:spcBef>
-              <a:buFont typeface="Arial" panose="020B0604020202020204" pitchFamily="34" charset="0"/>
-              <a:buChar char="•"/>
-              <a:defRPr sz="1800" kern="1200">
-                <a:solidFill>
-                  <a:schemeClr val="tx1"/>
-                </a:solidFill>
-                <a:latin typeface="+mn-lt"/>
-                <a:ea typeface="+mn-ea"/>
-                <a:cs typeface="+mn-cs"/>
-              </a:defRPr>
-            </a:lvl6pPr>
-            <a:lvl7pPr marL="2971800" indent="-228600" algn="l" defTabSz="914400" rtl="0" eaLnBrk="1" latinLnBrk="0" hangingPunct="1">
-              <a:lnSpc>
-                <a:spcPct val="90000"/>
-              </a:lnSpc>
-              <a:spcBef>
-                <a:spcPts val="500"/>
-              </a:spcBef>
-              <a:buFont typeface="Arial" panose="020B0604020202020204" pitchFamily="34" charset="0"/>
-              <a:buChar char="•"/>
-              <a:defRPr sz="1800" kern="1200">
-                <a:solidFill>
-                  <a:schemeClr val="tx1"/>
-                </a:solidFill>
-                <a:latin typeface="+mn-lt"/>
-                <a:ea typeface="+mn-ea"/>
-                <a:cs typeface="+mn-cs"/>
-              </a:defRPr>
-            </a:lvl7pPr>
-            <a:lvl8pPr marL="3429000" indent="-228600" algn="l" defTabSz="914400" rtl="0" eaLnBrk="1" latinLnBrk="0" hangingPunct="1">
-              <a:lnSpc>
-                <a:spcPct val="90000"/>
-              </a:lnSpc>
-              <a:spcBef>
-                <a:spcPts val="500"/>
-              </a:spcBef>
-              <a:buFont typeface="Arial" panose="020B0604020202020204" pitchFamily="34" charset="0"/>
-              <a:buChar char="•"/>
-              <a:defRPr sz="1800" kern="1200">
-                <a:solidFill>
-                  <a:schemeClr val="tx1"/>
-                </a:solidFill>
-                <a:latin typeface="+mn-lt"/>
-                <a:ea typeface="+mn-ea"/>
-                <a:cs typeface="+mn-cs"/>
-              </a:defRPr>
-            </a:lvl8pPr>
-            <a:lvl9pPr marL="3886200" indent="-228600" algn="l" defTabSz="914400" rtl="0" eaLnBrk="1" latinLnBrk="0" hangingPunct="1">
-              <a:lnSpc>
-                <a:spcPct val="90000"/>
-              </a:lnSpc>
-              <a:spcBef>
-                <a:spcPts val="500"/>
-              </a:spcBef>
-              <a:buFont typeface="Arial" panose="020B0604020202020204" pitchFamily="34" charset="0"/>
-              <a:buChar char="•"/>
-              <a:defRPr sz="1800" kern="1200">
-                <a:solidFill>
-                  <a:schemeClr val="tx1"/>
-                </a:solidFill>
-                <a:latin typeface="+mn-lt"/>
-                <a:ea typeface="+mn-ea"/>
-                <a:cs typeface="+mn-cs"/>
-              </a:defRPr>
-            </a:lvl9pPr>
-          </a:lstStyle>
-          <a:p>
-            <a:pPr marL="0" lvl="0" indent="0">
-              <a:buNone/>
-            </a:pPr>
-            <a:r>
-              <a:rPr lang="ru-RU" dirty="0"/>
-              <a:t>Разработка приложений, работающих в режиме реального времени;</a:t>
-            </a:r>
-          </a:p>
-        </p:txBody>
-      </p:sp>
-      <p:pic>
-        <p:nvPicPr>
-          <p:cNvPr id="33" name="Рисунок 32" descr="Флажок со сплошной заливкой">
-            <a:extLst>
-              <a:ext uri="{FF2B5EF4-FFF2-40B4-BE49-F238E27FC236}">
-                <a16:creationId xmlns:a16="http://schemas.microsoft.com/office/drawing/2014/main" xmlns="" id="{8D809365-2E4C-4F48-A6DE-25CC4A599417}"/>
-              </a:ext>
-            </a:extLst>
-          </p:cNvPr>
-          <p:cNvPicPr>
-            <a:picLocks noChangeAspect="1"/>
-          </p:cNvPicPr>
-          <p:nvPr/>
-        </p:nvPicPr>
-        <p:blipFill>
-          <a:blip r:embed="rId2" cstate="print">
-            <a:extLst>
-              <a:ext uri="{28A0092B-C50C-407E-A947-70E740481C1C}">
-                <a14:useLocalDpi xmlns:a14="http://schemas.microsoft.com/office/drawing/2010/main" val="0"/>
-              </a:ext>
-              <a:ext uri="{96DAC541-7B7A-43D3-8B79-37D633B846F1}">
-                <asvg:svgBlip xmlns:asvg="http://schemas.microsoft.com/office/drawing/2016/SVG/main" xmlns="" r:embed="rId5"/>
-              </a:ext>
-            </a:extLst>
-          </a:blip>
-          <a:stretch>
-            <a:fillRect/>
-          </a:stretch>
-        </p:blipFill>
-        <p:spPr>
-          <a:xfrm>
-            <a:off x="11425615" y="2118657"/>
-            <a:ext cx="413796" cy="413796"/>
-          </a:xfrm>
-          <a:prstGeom prst="rect">
-            <a:avLst/>
-          </a:prstGeom>
-        </p:spPr>
-      </p:pic>
-      <p:pic>
-        <p:nvPicPr>
-          <p:cNvPr id="34" name="Рисунок 33" descr="Флажок со сплошной заливкой">
-            <a:extLst>
-              <a:ext uri="{FF2B5EF4-FFF2-40B4-BE49-F238E27FC236}">
-                <a16:creationId xmlns:a16="http://schemas.microsoft.com/office/drawing/2014/main" xmlns="" id="{CCACD390-05DB-4783-8862-52F0328D0C4D}"/>
-              </a:ext>
-            </a:extLst>
-          </p:cNvPr>
-          <p:cNvPicPr>
-            <a:picLocks noChangeAspect="1"/>
-          </p:cNvPicPr>
-          <p:nvPr/>
-        </p:nvPicPr>
-        <p:blipFill>
-          <a:blip r:embed="rId2" cstate="print">
-            <a:extLst>
-              <a:ext uri="{28A0092B-C50C-407E-A947-70E740481C1C}">
-                <a14:useLocalDpi xmlns:a14="http://schemas.microsoft.com/office/drawing/2010/main" val="0"/>
-              </a:ext>
-              <a:ext uri="{96DAC541-7B7A-43D3-8B79-37D633B846F1}">
-                <asvg:svgBlip xmlns:asvg="http://schemas.microsoft.com/office/drawing/2016/SVG/main" xmlns="" r:embed="rId5"/>
-              </a:ext>
-            </a:extLst>
-          </a:blip>
-          <a:stretch>
-            <a:fillRect/>
-          </a:stretch>
-        </p:blipFill>
-        <p:spPr>
-          <a:xfrm>
-            <a:off x="11426637" y="3780799"/>
-            <a:ext cx="413796" cy="413796"/>
-          </a:xfrm>
-          <a:prstGeom prst="rect">
-            <a:avLst/>
-          </a:prstGeom>
-        </p:spPr>
-      </p:pic>
-      <p:sp>
-        <p:nvSpPr>
-          <p:cNvPr id="36" name="Прямоугольник 35">
-            <a:extLst>
-              <a:ext uri="{FF2B5EF4-FFF2-40B4-BE49-F238E27FC236}">
-                <a16:creationId xmlns:a16="http://schemas.microsoft.com/office/drawing/2014/main" xmlns="" id="{0C5E091C-4FCC-4F5F-A539-8DE1CF33CFAE}"/>
+      <p:sp>
+        <p:nvSpPr>
+          <p:cNvPr id="26" name="Прямоугольник 25">
+            <a:extLst>
+              <a:ext uri="{FF2B5EF4-FFF2-40B4-BE49-F238E27FC236}">
+                <a16:creationId xmlns="" xmlns:a16="http://schemas.microsoft.com/office/drawing/2014/main" id="{450AF9F7-281C-4F9E-BABF-05CBB22A9EA9}"/>
               </a:ext>
             </a:extLst>
           </p:cNvPr>
@@ -9385,8 +6617,8 @@
         </p:nvSpPr>
         <p:spPr>
           <a:xfrm rot="16200000">
-            <a:off x="10066455" y="3889312"/>
-            <a:ext cx="4054318" cy="196771"/>
+            <a:off x="2380454" y="9138"/>
+            <a:ext cx="1791730" cy="5154826"/>
           </a:xfrm>
           <a:prstGeom prst="rect">
             <a:avLst/>
@@ -9420,281 +6652,619 @@
           </a:p>
         </p:txBody>
       </p:sp>
+      <p:sp>
+        <p:nvSpPr>
+          <p:cNvPr id="10" name="Прямоугольник 9">
+            <a:extLst>
+              <a:ext uri="{FF2B5EF4-FFF2-40B4-BE49-F238E27FC236}">
+                <a16:creationId xmlns="" xmlns:a16="http://schemas.microsoft.com/office/drawing/2014/main" id="{D9DBC35E-48E7-462C-9C9D-0CBCE2EA9228}"/>
+              </a:ext>
+            </a:extLst>
+          </p:cNvPr>
+          <p:cNvSpPr/>
+          <p:nvPr/>
+        </p:nvSpPr>
+        <p:spPr>
+          <a:xfrm rot="16200000">
+            <a:off x="-1881235" y="3571924"/>
+            <a:ext cx="3993970" cy="231497"/>
+          </a:xfrm>
+          <a:prstGeom prst="rect">
+            <a:avLst/>
+          </a:prstGeom>
+          <a:ln>
+            <a:noFill/>
+          </a:ln>
+        </p:spPr>
+        <p:style>
+          <a:lnRef idx="2">
+            <a:schemeClr val="accent1">
+              <a:shade val="50000"/>
+            </a:schemeClr>
+          </a:lnRef>
+          <a:fillRef idx="1">
+            <a:schemeClr val="accent1"/>
+          </a:fillRef>
+          <a:effectRef idx="0">
+            <a:schemeClr val="accent1"/>
+          </a:effectRef>
+          <a:fontRef idx="minor">
+            <a:schemeClr val="lt1"/>
+          </a:fontRef>
+        </p:style>
+        <p:txBody>
+          <a:bodyPr rtlCol="0" anchor="ctr"/>
+          <a:lstStyle/>
+          <a:p>
+            <a:pPr algn="ctr"/>
+            <a:endParaRPr lang="ru-RU"/>
+          </a:p>
+        </p:txBody>
+      </p:sp>
+      <p:sp>
+        <p:nvSpPr>
+          <p:cNvPr id="11" name="Прямоугольник 10">
+            <a:extLst>
+              <a:ext uri="{FF2B5EF4-FFF2-40B4-BE49-F238E27FC236}">
+                <a16:creationId xmlns="" xmlns:a16="http://schemas.microsoft.com/office/drawing/2014/main" id="{77244B79-61B0-4DBC-816D-C65406D31146}"/>
+              </a:ext>
+            </a:extLst>
+          </p:cNvPr>
+          <p:cNvSpPr/>
+          <p:nvPr/>
+        </p:nvSpPr>
+        <p:spPr>
+          <a:xfrm>
+            <a:off x="6396000" y="6661229"/>
+            <a:ext cx="5796000" cy="196771"/>
+          </a:xfrm>
+          <a:prstGeom prst="rect">
+            <a:avLst/>
+          </a:prstGeom>
+          <a:ln>
+            <a:noFill/>
+          </a:ln>
+        </p:spPr>
+        <p:style>
+          <a:lnRef idx="2">
+            <a:schemeClr val="accent1">
+              <a:shade val="50000"/>
+            </a:schemeClr>
+          </a:lnRef>
+          <a:fillRef idx="1">
+            <a:schemeClr val="accent1"/>
+          </a:fillRef>
+          <a:effectRef idx="0">
+            <a:schemeClr val="accent1"/>
+          </a:effectRef>
+          <a:fontRef idx="minor">
+            <a:schemeClr val="lt1"/>
+          </a:fontRef>
+        </p:style>
+        <p:txBody>
+          <a:bodyPr rtlCol="0" anchor="ctr"/>
+          <a:lstStyle/>
+          <a:p>
+            <a:pPr algn="ctr"/>
+            <a:endParaRPr lang="ru-RU"/>
+          </a:p>
+        </p:txBody>
+      </p:sp>
+      <p:sp>
+        <p:nvSpPr>
+          <p:cNvPr id="14" name="Объект 2"/>
+          <p:cNvSpPr txBox="1">
+            <a:spLocks/>
+          </p:cNvSpPr>
+          <p:nvPr/>
+        </p:nvSpPr>
+        <p:spPr>
+          <a:xfrm>
+            <a:off x="711743" y="1635456"/>
+            <a:ext cx="5392058" cy="3911601"/>
+          </a:xfrm>
+          <a:prstGeom prst="rect">
+            <a:avLst/>
+          </a:prstGeom>
+        </p:spPr>
+        <p:txBody>
+          <a:bodyPr>
+            <a:noAutofit/>
+          </a:bodyPr>
+          <a:lstStyle>
+            <a:lvl1pPr marL="228600" indent="-228600" algn="l" defTabSz="914400" rtl="0" eaLnBrk="1" latinLnBrk="0" hangingPunct="1">
+              <a:lnSpc>
+                <a:spcPct val="90000"/>
+              </a:lnSpc>
+              <a:spcBef>
+                <a:spcPts val="1000"/>
+              </a:spcBef>
+              <a:buFont typeface="Arial" panose="020B0604020202020204" pitchFamily="34" charset="0"/>
+              <a:buChar char="•"/>
+              <a:defRPr sz="2800" kern="1200">
+                <a:solidFill>
+                  <a:schemeClr val="tx1"/>
+                </a:solidFill>
+                <a:latin typeface="+mn-lt"/>
+                <a:ea typeface="+mn-ea"/>
+                <a:cs typeface="+mn-cs"/>
+              </a:defRPr>
+            </a:lvl1pPr>
+            <a:lvl2pPr marL="685800" indent="-228600" algn="l" defTabSz="914400" rtl="0" eaLnBrk="1" latinLnBrk="0" hangingPunct="1">
+              <a:lnSpc>
+                <a:spcPct val="90000"/>
+              </a:lnSpc>
+              <a:spcBef>
+                <a:spcPts val="500"/>
+              </a:spcBef>
+              <a:buFont typeface="Arial" panose="020B0604020202020204" pitchFamily="34" charset="0"/>
+              <a:buChar char="•"/>
+              <a:defRPr sz="2400" kern="1200">
+                <a:solidFill>
+                  <a:schemeClr val="tx1"/>
+                </a:solidFill>
+                <a:latin typeface="+mn-lt"/>
+                <a:ea typeface="+mn-ea"/>
+                <a:cs typeface="+mn-cs"/>
+              </a:defRPr>
+            </a:lvl2pPr>
+            <a:lvl3pPr marL="1143000" indent="-228600" algn="l" defTabSz="914400" rtl="0" eaLnBrk="1" latinLnBrk="0" hangingPunct="1">
+              <a:lnSpc>
+                <a:spcPct val="90000"/>
+              </a:lnSpc>
+              <a:spcBef>
+                <a:spcPts val="500"/>
+              </a:spcBef>
+              <a:buFont typeface="Arial" panose="020B0604020202020204" pitchFamily="34" charset="0"/>
+              <a:buChar char="•"/>
+              <a:defRPr sz="2000" kern="1200">
+                <a:solidFill>
+                  <a:schemeClr val="tx1"/>
+                </a:solidFill>
+                <a:latin typeface="+mn-lt"/>
+                <a:ea typeface="+mn-ea"/>
+                <a:cs typeface="+mn-cs"/>
+              </a:defRPr>
+            </a:lvl3pPr>
+            <a:lvl4pPr marL="1600200" indent="-228600" algn="l" defTabSz="914400" rtl="0" eaLnBrk="1" latinLnBrk="0" hangingPunct="1">
+              <a:lnSpc>
+                <a:spcPct val="90000"/>
+              </a:lnSpc>
+              <a:spcBef>
+                <a:spcPts val="500"/>
+              </a:spcBef>
+              <a:buFont typeface="Arial" panose="020B0604020202020204" pitchFamily="34" charset="0"/>
+              <a:buChar char="•"/>
+              <a:defRPr sz="1800" kern="1200">
+                <a:solidFill>
+                  <a:schemeClr val="tx1"/>
+                </a:solidFill>
+                <a:latin typeface="+mn-lt"/>
+                <a:ea typeface="+mn-ea"/>
+                <a:cs typeface="+mn-cs"/>
+              </a:defRPr>
+            </a:lvl4pPr>
+            <a:lvl5pPr marL="2057400" indent="-228600" algn="l" defTabSz="914400" rtl="0" eaLnBrk="1" latinLnBrk="0" hangingPunct="1">
+              <a:lnSpc>
+                <a:spcPct val="90000"/>
+              </a:lnSpc>
+              <a:spcBef>
+                <a:spcPts val="500"/>
+              </a:spcBef>
+              <a:buFont typeface="Arial" panose="020B0604020202020204" pitchFamily="34" charset="0"/>
+              <a:buChar char="•"/>
+              <a:defRPr sz="1800" kern="1200">
+                <a:solidFill>
+                  <a:schemeClr val="tx1"/>
+                </a:solidFill>
+                <a:latin typeface="+mn-lt"/>
+                <a:ea typeface="+mn-ea"/>
+                <a:cs typeface="+mn-cs"/>
+              </a:defRPr>
+            </a:lvl5pPr>
+            <a:lvl6pPr marL="2514600" indent="-228600" algn="l" defTabSz="914400" rtl="0" eaLnBrk="1" latinLnBrk="0" hangingPunct="1">
+              <a:lnSpc>
+                <a:spcPct val="90000"/>
+              </a:lnSpc>
+              <a:spcBef>
+                <a:spcPts val="500"/>
+              </a:spcBef>
+              <a:buFont typeface="Arial" panose="020B0604020202020204" pitchFamily="34" charset="0"/>
+              <a:buChar char="•"/>
+              <a:defRPr sz="1800" kern="1200">
+                <a:solidFill>
+                  <a:schemeClr val="tx1"/>
+                </a:solidFill>
+                <a:latin typeface="+mn-lt"/>
+                <a:ea typeface="+mn-ea"/>
+                <a:cs typeface="+mn-cs"/>
+              </a:defRPr>
+            </a:lvl6pPr>
+            <a:lvl7pPr marL="2971800" indent="-228600" algn="l" defTabSz="914400" rtl="0" eaLnBrk="1" latinLnBrk="0" hangingPunct="1">
+              <a:lnSpc>
+                <a:spcPct val="90000"/>
+              </a:lnSpc>
+              <a:spcBef>
+                <a:spcPts val="500"/>
+              </a:spcBef>
+              <a:buFont typeface="Arial" panose="020B0604020202020204" pitchFamily="34" charset="0"/>
+              <a:buChar char="•"/>
+              <a:defRPr sz="1800" kern="1200">
+                <a:solidFill>
+                  <a:schemeClr val="tx1"/>
+                </a:solidFill>
+                <a:latin typeface="+mn-lt"/>
+                <a:ea typeface="+mn-ea"/>
+                <a:cs typeface="+mn-cs"/>
+              </a:defRPr>
+            </a:lvl7pPr>
+            <a:lvl8pPr marL="3429000" indent="-228600" algn="l" defTabSz="914400" rtl="0" eaLnBrk="1" latinLnBrk="0" hangingPunct="1">
+              <a:lnSpc>
+                <a:spcPct val="90000"/>
+              </a:lnSpc>
+              <a:spcBef>
+                <a:spcPts val="500"/>
+              </a:spcBef>
+              <a:buFont typeface="Arial" panose="020B0604020202020204" pitchFamily="34" charset="0"/>
+              <a:buChar char="•"/>
+              <a:defRPr sz="1800" kern="1200">
+                <a:solidFill>
+                  <a:schemeClr val="tx1"/>
+                </a:solidFill>
+                <a:latin typeface="+mn-lt"/>
+                <a:ea typeface="+mn-ea"/>
+                <a:cs typeface="+mn-cs"/>
+              </a:defRPr>
+            </a:lvl8pPr>
+            <a:lvl9pPr marL="3886200" indent="-228600" algn="l" defTabSz="914400" rtl="0" eaLnBrk="1" latinLnBrk="0" hangingPunct="1">
+              <a:lnSpc>
+                <a:spcPct val="90000"/>
+              </a:lnSpc>
+              <a:spcBef>
+                <a:spcPts val="500"/>
+              </a:spcBef>
+              <a:buFont typeface="Arial" panose="020B0604020202020204" pitchFamily="34" charset="0"/>
+              <a:buChar char="•"/>
+              <a:defRPr sz="1800" kern="1200">
+                <a:solidFill>
+                  <a:schemeClr val="tx1"/>
+                </a:solidFill>
+                <a:latin typeface="+mn-lt"/>
+                <a:ea typeface="+mn-ea"/>
+                <a:cs typeface="+mn-cs"/>
+              </a:defRPr>
+            </a:lvl9pPr>
+          </a:lstStyle>
+          <a:p>
+            <a:pPr marL="0" indent="0">
+              <a:lnSpc>
+                <a:spcPct val="150000"/>
+              </a:lnSpc>
+              <a:buNone/>
+            </a:pPr>
+            <a:r>
+              <a:rPr lang="ru-RU" sz="2500" dirty="0">
+                <a:solidFill>
+                  <a:schemeClr val="bg1"/>
+                </a:solidFill>
+              </a:rPr>
+              <a:t>В ходе выполнения курсовой работы </a:t>
+            </a:r>
+            <a:r>
+              <a:rPr lang="ru-RU" sz="2500" dirty="0" smtClean="0">
+                <a:solidFill>
+                  <a:schemeClr val="bg1"/>
+                </a:solidFill>
+              </a:rPr>
+              <a:t>было разработано веб-приложение </a:t>
+            </a:r>
+            <a:r>
+              <a:rPr lang="ru-RU" sz="2500" dirty="0" err="1" smtClean="0">
+                <a:solidFill>
+                  <a:schemeClr val="bg1"/>
+                </a:solidFill>
+              </a:rPr>
+              <a:t>агрегатор</a:t>
+            </a:r>
+            <a:r>
+              <a:rPr lang="ru-RU" sz="2500" dirty="0" smtClean="0">
+                <a:solidFill>
+                  <a:schemeClr val="bg1"/>
+                </a:solidFill>
+              </a:rPr>
+              <a:t> услуг по ремонту</a:t>
+            </a:r>
+            <a:endParaRPr lang="ru-RU" sz="2500" dirty="0">
+              <a:solidFill>
+                <a:schemeClr val="bg1"/>
+              </a:solidFill>
+            </a:endParaRPr>
+          </a:p>
+        </p:txBody>
+      </p:sp>
+      <p:sp>
+        <p:nvSpPr>
+          <p:cNvPr id="15" name="Объект 3"/>
+          <p:cNvSpPr txBox="1">
+            <a:spLocks/>
+          </p:cNvSpPr>
+          <p:nvPr/>
+        </p:nvSpPr>
+        <p:spPr>
+          <a:xfrm>
+            <a:off x="6438134" y="1643228"/>
+            <a:ext cx="5308788" cy="3911601"/>
+          </a:xfrm>
+          <a:prstGeom prst="rect">
+            <a:avLst/>
+          </a:prstGeom>
+        </p:spPr>
+        <p:txBody>
+          <a:bodyPr>
+            <a:normAutofit lnSpcReduction="10000"/>
+          </a:bodyPr>
+          <a:lstStyle>
+            <a:lvl1pPr marL="228600" indent="-228600" algn="l" defTabSz="914400" rtl="0" eaLnBrk="1" latinLnBrk="0" hangingPunct="1">
+              <a:lnSpc>
+                <a:spcPct val="90000"/>
+              </a:lnSpc>
+              <a:spcBef>
+                <a:spcPts val="1000"/>
+              </a:spcBef>
+              <a:buFont typeface="Arial" panose="020B0604020202020204" pitchFamily="34" charset="0"/>
+              <a:buChar char="•"/>
+              <a:defRPr sz="2800" kern="1200">
+                <a:solidFill>
+                  <a:schemeClr val="tx1"/>
+                </a:solidFill>
+                <a:latin typeface="+mn-lt"/>
+                <a:ea typeface="+mn-ea"/>
+                <a:cs typeface="+mn-cs"/>
+              </a:defRPr>
+            </a:lvl1pPr>
+            <a:lvl2pPr marL="685800" indent="-228600" algn="l" defTabSz="914400" rtl="0" eaLnBrk="1" latinLnBrk="0" hangingPunct="1">
+              <a:lnSpc>
+                <a:spcPct val="90000"/>
+              </a:lnSpc>
+              <a:spcBef>
+                <a:spcPts val="500"/>
+              </a:spcBef>
+              <a:buFont typeface="Arial" panose="020B0604020202020204" pitchFamily="34" charset="0"/>
+              <a:buChar char="•"/>
+              <a:defRPr sz="2400" kern="1200">
+                <a:solidFill>
+                  <a:schemeClr val="tx1"/>
+                </a:solidFill>
+                <a:latin typeface="+mn-lt"/>
+                <a:ea typeface="+mn-ea"/>
+                <a:cs typeface="+mn-cs"/>
+              </a:defRPr>
+            </a:lvl2pPr>
+            <a:lvl3pPr marL="1143000" indent="-228600" algn="l" defTabSz="914400" rtl="0" eaLnBrk="1" latinLnBrk="0" hangingPunct="1">
+              <a:lnSpc>
+                <a:spcPct val="90000"/>
+              </a:lnSpc>
+              <a:spcBef>
+                <a:spcPts val="500"/>
+              </a:spcBef>
+              <a:buFont typeface="Arial" panose="020B0604020202020204" pitchFamily="34" charset="0"/>
+              <a:buChar char="•"/>
+              <a:defRPr sz="2000" kern="1200">
+                <a:solidFill>
+                  <a:schemeClr val="tx1"/>
+                </a:solidFill>
+                <a:latin typeface="+mn-lt"/>
+                <a:ea typeface="+mn-ea"/>
+                <a:cs typeface="+mn-cs"/>
+              </a:defRPr>
+            </a:lvl3pPr>
+            <a:lvl4pPr marL="1600200" indent="-228600" algn="l" defTabSz="914400" rtl="0" eaLnBrk="1" latinLnBrk="0" hangingPunct="1">
+              <a:lnSpc>
+                <a:spcPct val="90000"/>
+              </a:lnSpc>
+              <a:spcBef>
+                <a:spcPts val="500"/>
+              </a:spcBef>
+              <a:buFont typeface="Arial" panose="020B0604020202020204" pitchFamily="34" charset="0"/>
+              <a:buChar char="•"/>
+              <a:defRPr sz="1800" kern="1200">
+                <a:solidFill>
+                  <a:schemeClr val="tx1"/>
+                </a:solidFill>
+                <a:latin typeface="+mn-lt"/>
+                <a:ea typeface="+mn-ea"/>
+                <a:cs typeface="+mn-cs"/>
+              </a:defRPr>
+            </a:lvl4pPr>
+            <a:lvl5pPr marL="2057400" indent="-228600" algn="l" defTabSz="914400" rtl="0" eaLnBrk="1" latinLnBrk="0" hangingPunct="1">
+              <a:lnSpc>
+                <a:spcPct val="90000"/>
+              </a:lnSpc>
+              <a:spcBef>
+                <a:spcPts val="500"/>
+              </a:spcBef>
+              <a:buFont typeface="Arial" panose="020B0604020202020204" pitchFamily="34" charset="0"/>
+              <a:buChar char="•"/>
+              <a:defRPr sz="1800" kern="1200">
+                <a:solidFill>
+                  <a:schemeClr val="tx1"/>
+                </a:solidFill>
+                <a:latin typeface="+mn-lt"/>
+                <a:ea typeface="+mn-ea"/>
+                <a:cs typeface="+mn-cs"/>
+              </a:defRPr>
+            </a:lvl5pPr>
+            <a:lvl6pPr marL="2514600" indent="-228600" algn="l" defTabSz="914400" rtl="0" eaLnBrk="1" latinLnBrk="0" hangingPunct="1">
+              <a:lnSpc>
+                <a:spcPct val="90000"/>
+              </a:lnSpc>
+              <a:spcBef>
+                <a:spcPts val="500"/>
+              </a:spcBef>
+              <a:buFont typeface="Arial" panose="020B0604020202020204" pitchFamily="34" charset="0"/>
+              <a:buChar char="•"/>
+              <a:defRPr sz="1800" kern="1200">
+                <a:solidFill>
+                  <a:schemeClr val="tx1"/>
+                </a:solidFill>
+                <a:latin typeface="+mn-lt"/>
+                <a:ea typeface="+mn-ea"/>
+                <a:cs typeface="+mn-cs"/>
+              </a:defRPr>
+            </a:lvl6pPr>
+            <a:lvl7pPr marL="2971800" indent="-228600" algn="l" defTabSz="914400" rtl="0" eaLnBrk="1" latinLnBrk="0" hangingPunct="1">
+              <a:lnSpc>
+                <a:spcPct val="90000"/>
+              </a:lnSpc>
+              <a:spcBef>
+                <a:spcPts val="500"/>
+              </a:spcBef>
+              <a:buFont typeface="Arial" panose="020B0604020202020204" pitchFamily="34" charset="0"/>
+              <a:buChar char="•"/>
+              <a:defRPr sz="1800" kern="1200">
+                <a:solidFill>
+                  <a:schemeClr val="tx1"/>
+                </a:solidFill>
+                <a:latin typeface="+mn-lt"/>
+                <a:ea typeface="+mn-ea"/>
+                <a:cs typeface="+mn-cs"/>
+              </a:defRPr>
+            </a:lvl7pPr>
+            <a:lvl8pPr marL="3429000" indent="-228600" algn="l" defTabSz="914400" rtl="0" eaLnBrk="1" latinLnBrk="0" hangingPunct="1">
+              <a:lnSpc>
+                <a:spcPct val="90000"/>
+              </a:lnSpc>
+              <a:spcBef>
+                <a:spcPts val="500"/>
+              </a:spcBef>
+              <a:buFont typeface="Arial" panose="020B0604020202020204" pitchFamily="34" charset="0"/>
+              <a:buChar char="•"/>
+              <a:defRPr sz="1800" kern="1200">
+                <a:solidFill>
+                  <a:schemeClr val="tx1"/>
+                </a:solidFill>
+                <a:latin typeface="+mn-lt"/>
+                <a:ea typeface="+mn-ea"/>
+                <a:cs typeface="+mn-cs"/>
+              </a:defRPr>
+            </a:lvl8pPr>
+            <a:lvl9pPr marL="3886200" indent="-228600" algn="l" defTabSz="914400" rtl="0" eaLnBrk="1" latinLnBrk="0" hangingPunct="1">
+              <a:lnSpc>
+                <a:spcPct val="90000"/>
+              </a:lnSpc>
+              <a:spcBef>
+                <a:spcPts val="500"/>
+              </a:spcBef>
+              <a:buFont typeface="Arial" panose="020B0604020202020204" pitchFamily="34" charset="0"/>
+              <a:buChar char="•"/>
+              <a:defRPr sz="1800" kern="1200">
+                <a:solidFill>
+                  <a:schemeClr val="tx1"/>
+                </a:solidFill>
+                <a:latin typeface="+mn-lt"/>
+                <a:ea typeface="+mn-ea"/>
+                <a:cs typeface="+mn-cs"/>
+              </a:defRPr>
+            </a:lvl9pPr>
+          </a:lstStyle>
+          <a:p>
+            <a:pPr marL="0" indent="0">
+              <a:lnSpc>
+                <a:spcPct val="150000"/>
+              </a:lnSpc>
+              <a:buNone/>
+            </a:pPr>
+            <a:r>
+              <a:rPr lang="ru-RU" sz="2500" dirty="0">
+                <a:solidFill>
+                  <a:schemeClr val="bg1"/>
+                </a:solidFill>
+              </a:rPr>
+              <a:t>В будущем можно усовершенствовать разработанное приложение путем добавления дополнительного </a:t>
+            </a:r>
+            <a:r>
+              <a:rPr lang="ru-RU" sz="2500" dirty="0" smtClean="0">
+                <a:solidFill>
+                  <a:schemeClr val="bg1"/>
+                </a:solidFill>
+              </a:rPr>
+              <a:t>функционала (возможность запрашивания услуг - создания заказа услуги; более удобный и быстрый доступ к чатам)</a:t>
+            </a:r>
+            <a:endParaRPr lang="ru-RU" sz="2500" dirty="0">
+              <a:solidFill>
+                <a:schemeClr val="bg1"/>
+              </a:solidFill>
+            </a:endParaRPr>
+          </a:p>
+        </p:txBody>
+      </p:sp>
+      <p:sp>
+        <p:nvSpPr>
+          <p:cNvPr id="12" name="Заголовок 1">
+            <a:extLst>
+              <a:ext uri="{FF2B5EF4-FFF2-40B4-BE49-F238E27FC236}">
+                <a16:creationId xmlns="" xmlns:a16="http://schemas.microsoft.com/office/drawing/2014/main" id="{C90EBC50-0B1A-4FA5-A84F-9B41E5DAE68F}"/>
+              </a:ext>
+            </a:extLst>
+          </p:cNvPr>
+          <p:cNvSpPr>
+            <a:spLocks noGrp="1"/>
+          </p:cNvSpPr>
+          <p:nvPr>
+            <p:ph type="title"/>
+          </p:nvPr>
+        </p:nvSpPr>
+        <p:spPr>
+          <a:xfrm>
+            <a:off x="698905" y="-156651"/>
+            <a:ext cx="6870539" cy="1325563"/>
+          </a:xfrm>
+        </p:spPr>
+        <p:txBody>
+          <a:bodyPr/>
+          <a:lstStyle/>
+          <a:p>
+            <a:r>
+              <a:rPr lang="ru-RU" dirty="0"/>
+              <a:t>З</a:t>
+            </a:r>
+            <a:r>
+              <a:rPr lang="ru-RU" dirty="0" smtClean="0"/>
+              <a:t>аключение</a:t>
+            </a:r>
+            <a:endParaRPr lang="ru-RU" dirty="0"/>
+          </a:p>
+        </p:txBody>
+      </p:sp>
     </p:spTree>
     <p:extLst>
       <p:ext uri="{BB962C8B-B14F-4D97-AF65-F5344CB8AC3E}">
-        <p14:creationId xmlns:p14="http://schemas.microsoft.com/office/powerpoint/2010/main" val="870001200"/>
+        <p14:creationId xmlns:p14="http://schemas.microsoft.com/office/powerpoint/2010/main" val="1565854965"/>
       </p:ext>
     </p:extLst>
   </p:cSld>
   <p:clrMapOvr>
     <a:masterClrMapping/>
   </p:clrMapOvr>
-  <mc:AlternateContent xmlns:mc="http://schemas.openxmlformats.org/markup-compatibility/2006" xmlns:p14="http://schemas.microsoft.com/office/powerpoint/2010/main">
-    <mc:Choice Requires="p14">
+  <mc:AlternateContent xmlns:mc="http://schemas.openxmlformats.org/markup-compatibility/2006">
+    <mc:Choice xmlns:p14="http://schemas.microsoft.com/office/powerpoint/2010/main" Requires="p14">
       <p:transition spd="med" p14:dur="700">
         <p:fade/>
       </p:transition>
     </mc:Choice>
-    <mc:Fallback xmlns="">
+    <mc:Fallback>
       <p:transition spd="med">
         <p:fade/>
       </p:transition>
     </mc:Fallback>
   </mc:AlternateContent>
-</p:sld>
-</file>
-
-<file path=ppt/slides/slide8.xml><?xml version="1.0" encoding="utf-8"?>
-<p:sld xmlns:a="http://schemas.openxmlformats.org/drawingml/2006/main" xmlns:r="http://schemas.openxmlformats.org/officeDocument/2006/relationships" xmlns:p="http://schemas.openxmlformats.org/presentationml/2006/main">
-  <p:cSld>
-    <p:spTree>
-      <p:nvGrpSpPr>
-        <p:cNvPr id="1" name=""/>
-        <p:cNvGrpSpPr/>
-        <p:nvPr/>
-      </p:nvGrpSpPr>
-      <p:grpSpPr>
-        <a:xfrm>
-          <a:off x="0" y="0"/>
-          <a:ext cx="0" cy="0"/>
-          <a:chOff x="0" y="0"/>
-          <a:chExt cx="0" cy="0"/>
-        </a:xfrm>
-      </p:grpSpPr>
-      <p:sp>
-        <p:nvSpPr>
-          <p:cNvPr id="2" name="Заголовок 1">
-            <a:extLst>
-              <a:ext uri="{FF2B5EF4-FFF2-40B4-BE49-F238E27FC236}">
-                <a16:creationId xmlns:a16="http://schemas.microsoft.com/office/drawing/2014/main" xmlns="" id="{C90EBC50-0B1A-4FA5-A84F-9B41E5DAE68F}"/>
-              </a:ext>
-            </a:extLst>
-          </p:cNvPr>
-          <p:cNvSpPr>
-            <a:spLocks noGrp="1"/>
-          </p:cNvSpPr>
-          <p:nvPr>
-            <p:ph type="title"/>
-          </p:nvPr>
-        </p:nvSpPr>
-        <p:spPr/>
-        <p:txBody>
-          <a:bodyPr/>
-          <a:lstStyle/>
-          <a:p>
-            <a:r>
-              <a:rPr lang="en-US" dirty="0"/>
-              <a:t>React </a:t>
-            </a:r>
-            <a:r>
-              <a:rPr lang="ru-RU" dirty="0"/>
-              <a:t>и </a:t>
-            </a:r>
-            <a:r>
-              <a:rPr lang="en-US" dirty="0" err="1"/>
-              <a:t>Vue</a:t>
-            </a:r>
-            <a:endParaRPr lang="ru-RU" dirty="0"/>
-          </a:p>
-        </p:txBody>
-      </p:sp>
-      <p:sp>
-        <p:nvSpPr>
-          <p:cNvPr id="5" name="TextBox 4">
-            <a:extLst>
-              <a:ext uri="{FF2B5EF4-FFF2-40B4-BE49-F238E27FC236}">
-                <a16:creationId xmlns:a16="http://schemas.microsoft.com/office/drawing/2014/main" xmlns="" id="{0C36DFE7-A785-443A-8C47-5E53293E5B03}"/>
-              </a:ext>
-            </a:extLst>
-          </p:cNvPr>
-          <p:cNvSpPr txBox="1"/>
-          <p:nvPr/>
-        </p:nvSpPr>
-        <p:spPr>
-          <a:xfrm>
-            <a:off x="1308100" y="1911752"/>
-            <a:ext cx="10375900" cy="4031873"/>
-          </a:xfrm>
-          <a:prstGeom prst="rect">
-            <a:avLst/>
-          </a:prstGeom>
-          <a:noFill/>
-        </p:spPr>
-        <p:txBody>
-          <a:bodyPr wrap="square">
-            <a:spAutoFit/>
-          </a:bodyPr>
-          <a:lstStyle/>
-          <a:p>
-            <a:r>
-              <a:rPr lang="ru-RU" sz="3200" dirty="0">
-                <a:solidFill>
-                  <a:schemeClr val="accent2"/>
-                </a:solidFill>
-              </a:rPr>
-              <a:t>Благодаря высокой скорости и легкому синтаксису оба инструмента обеспечивают высокую производительность и универсальные возможности. </a:t>
-            </a:r>
-            <a:r>
-              <a:rPr lang="ru-RU" sz="3200" dirty="0" err="1">
-                <a:solidFill>
-                  <a:schemeClr val="accent2"/>
-                </a:solidFill>
-              </a:rPr>
-              <a:t>Vue</a:t>
-            </a:r>
-            <a:r>
-              <a:rPr lang="ru-RU" sz="3200" dirty="0">
-                <a:solidFill>
-                  <a:schemeClr val="accent2"/>
-                </a:solidFill>
-              </a:rPr>
-              <a:t> предлагает множество функций, встроенных в основную версию; стандартные возможности </a:t>
-            </a:r>
-            <a:r>
-              <a:rPr lang="ru-RU" sz="3200" dirty="0" err="1">
-                <a:solidFill>
-                  <a:schemeClr val="accent2"/>
-                </a:solidFill>
-              </a:rPr>
-              <a:t>React</a:t>
-            </a:r>
-            <a:r>
-              <a:rPr lang="ru-RU" sz="3200" dirty="0">
-                <a:solidFill>
-                  <a:schemeClr val="accent2"/>
-                </a:solidFill>
-              </a:rPr>
-              <a:t> ограничены, но можно скачать дополнительные библиотеки. В целом оба </a:t>
-            </a:r>
-            <a:r>
-              <a:rPr lang="ru-RU" sz="3200" dirty="0" err="1">
-                <a:solidFill>
-                  <a:schemeClr val="accent2"/>
-                </a:solidFill>
-              </a:rPr>
-              <a:t>фреймворка</a:t>
-            </a:r>
-            <a:r>
-              <a:rPr lang="ru-RU" sz="3200" dirty="0">
-                <a:solidFill>
-                  <a:schemeClr val="accent2"/>
-                </a:solidFill>
-              </a:rPr>
-              <a:t> позволяют создавать сложные конструкции с использованием шаблонов.</a:t>
-            </a:r>
-            <a:endParaRPr lang="en-US" sz="3200" dirty="0">
-              <a:solidFill>
-                <a:schemeClr val="accent2"/>
-              </a:solidFill>
-            </a:endParaRPr>
-          </a:p>
-        </p:txBody>
-      </p:sp>
-      <p:cxnSp>
-        <p:nvCxnSpPr>
-          <p:cNvPr id="7" name="Прямая соединительная линия 6">
-            <a:extLst>
-              <a:ext uri="{FF2B5EF4-FFF2-40B4-BE49-F238E27FC236}">
-                <a16:creationId xmlns:a16="http://schemas.microsoft.com/office/drawing/2014/main" xmlns="" id="{06E17476-810A-473C-839C-F99C2DC7380F}"/>
-              </a:ext>
-            </a:extLst>
-          </p:cNvPr>
-          <p:cNvCxnSpPr/>
-          <p:nvPr/>
-        </p:nvCxnSpPr>
-        <p:spPr>
-          <a:xfrm>
-            <a:off x="9952942" y="5952850"/>
-            <a:ext cx="1527858" cy="0"/>
-          </a:xfrm>
-          <a:prstGeom prst="line">
-            <a:avLst/>
-          </a:prstGeom>
-          <a:ln w="38100">
-            <a:solidFill>
-              <a:schemeClr val="accent1"/>
-            </a:solidFill>
-          </a:ln>
-        </p:spPr>
-        <p:style>
-          <a:lnRef idx="1">
-            <a:schemeClr val="accent1"/>
-          </a:lnRef>
-          <a:fillRef idx="0">
-            <a:schemeClr val="accent1"/>
-          </a:fillRef>
-          <a:effectRef idx="0">
-            <a:schemeClr val="accent1"/>
-          </a:effectRef>
-          <a:fontRef idx="minor">
-            <a:schemeClr val="tx1"/>
-          </a:fontRef>
-        </p:style>
-      </p:cxnSp>
-      <p:cxnSp>
-        <p:nvCxnSpPr>
-          <p:cNvPr id="8" name="Прямая соединительная линия 7">
-            <a:extLst>
-              <a:ext uri="{FF2B5EF4-FFF2-40B4-BE49-F238E27FC236}">
-                <a16:creationId xmlns:a16="http://schemas.microsoft.com/office/drawing/2014/main" xmlns="" id="{2060357F-DE11-421D-853D-70018423605E}"/>
-              </a:ext>
-            </a:extLst>
-          </p:cNvPr>
-          <p:cNvCxnSpPr/>
-          <p:nvPr/>
-        </p:nvCxnSpPr>
-        <p:spPr>
-          <a:xfrm>
-            <a:off x="1417417" y="1730376"/>
-            <a:ext cx="1527858" cy="0"/>
-          </a:xfrm>
-          <a:prstGeom prst="line">
-            <a:avLst/>
-          </a:prstGeom>
-          <a:ln w="38100">
-            <a:solidFill>
-              <a:schemeClr val="accent1"/>
-            </a:solidFill>
-          </a:ln>
-        </p:spPr>
-        <p:style>
-          <a:lnRef idx="1">
-            <a:schemeClr val="accent1"/>
-          </a:lnRef>
-          <a:fillRef idx="0">
-            <a:schemeClr val="accent1"/>
-          </a:fillRef>
-          <a:effectRef idx="0">
-            <a:schemeClr val="accent1"/>
-          </a:effectRef>
-          <a:fontRef idx="minor">
-            <a:schemeClr val="tx1"/>
-          </a:fontRef>
-        </p:style>
-      </p:cxnSp>
-    </p:spTree>
-    <p:extLst>
-      <p:ext uri="{BB962C8B-B14F-4D97-AF65-F5344CB8AC3E}">
-        <p14:creationId xmlns:p14="http://schemas.microsoft.com/office/powerpoint/2010/main" val="3783695065"/>
-      </p:ext>
-    </p:extLst>
-  </p:cSld>
-  <p:clrMapOvr>
-    <a:masterClrMapping/>
-  </p:clrMapOvr>
-  <mc:AlternateContent xmlns:mc="http://schemas.openxmlformats.org/markup-compatibility/2006" xmlns:p14="http://schemas.microsoft.com/office/powerpoint/2010/main">
-    <mc:Choice Requires="p14">
-      <p:transition spd="med" p14:dur="700">
-        <p:fade/>
-      </p:transition>
-    </mc:Choice>
-    <mc:Fallback xmlns="">
-      <p:transition spd="med">
-        <p:fade/>
-      </p:transition>
-    </mc:Fallback>
-  </mc:AlternateContent>
+  <p:timing>
+    <p:tnLst>
+      <p:par>
+        <p:cTn id="1" dur="indefinite" restart="never" nodeType="tmRoot"/>
+      </p:par>
+    </p:tnLst>
+  </p:timing>
 </p:sld>
 </file>
 
@@ -9720,7 +7290,7 @@
           <p:cNvPr id="4" name="Прямоугольник 3">
             <a:extLst>
               <a:ext uri="{FF2B5EF4-FFF2-40B4-BE49-F238E27FC236}">
-                <a16:creationId xmlns:a16="http://schemas.microsoft.com/office/drawing/2014/main" xmlns="" id="{67DF6E54-D19C-4CD4-8F96-28069ABFC599}"/>
+                <a16:creationId xmlns="" xmlns:a16="http://schemas.microsoft.com/office/drawing/2014/main" id="{67DF6E54-D19C-4CD4-8F96-28069ABFC599}"/>
               </a:ext>
             </a:extLst>
           </p:cNvPr>
@@ -9774,7 +7344,7 @@
           <p:cNvPr id="5" name="Заголовок 9">
             <a:extLst>
               <a:ext uri="{FF2B5EF4-FFF2-40B4-BE49-F238E27FC236}">
-                <a16:creationId xmlns:a16="http://schemas.microsoft.com/office/drawing/2014/main" xmlns="" id="{A7E80435-8CBD-49DE-A3E2-BAA82F873308}"/>
+                <a16:creationId xmlns="" xmlns:a16="http://schemas.microsoft.com/office/drawing/2014/main" id="{A7E80435-8CBD-49DE-A3E2-BAA82F873308}"/>
               </a:ext>
             </a:extLst>
           </p:cNvPr>
@@ -9861,6 +7431,13 @@
       </p:transition>
     </mc:Fallback>
   </mc:AlternateContent>
+  <p:timing>
+    <p:tnLst>
+      <p:par>
+        <p:cTn id="1" dur="indefinite" restart="never" nodeType="tmRoot"/>
+      </p:par>
+    </p:tnLst>
+  </p:timing>
 </p:sld>
 </file>
 

--- a/documentation/защита курсача.pptx
+++ b/documentation/защита курсача.pptx
@@ -156,7 +156,7 @@
           <p:cNvPr id="2" name="Заголовок 1">
             <a:extLst>
               <a:ext uri="{FF2B5EF4-FFF2-40B4-BE49-F238E27FC236}">
-                <a16:creationId xmlns="" xmlns:a16="http://schemas.microsoft.com/office/drawing/2014/main" id="{670A1A5D-5A81-47DB-BE2C-03E0990F0D73}"/>
+                <a16:creationId xmlns:a16="http://schemas.microsoft.com/office/drawing/2014/main" xmlns="" id="{670A1A5D-5A81-47DB-BE2C-03E0990F0D73}"/>
               </a:ext>
             </a:extLst>
           </p:cNvPr>
@@ -197,7 +197,7 @@
           <p:cNvPr id="3" name="Подзаголовок 2">
             <a:extLst>
               <a:ext uri="{FF2B5EF4-FFF2-40B4-BE49-F238E27FC236}">
-                <a16:creationId xmlns="" xmlns:a16="http://schemas.microsoft.com/office/drawing/2014/main" id="{6D18D89D-FEB0-4064-AD3B-357BF020BCDA}"/>
+                <a16:creationId xmlns:a16="http://schemas.microsoft.com/office/drawing/2014/main" xmlns="" id="{6D18D89D-FEB0-4064-AD3B-357BF020BCDA}"/>
               </a:ext>
             </a:extLst>
           </p:cNvPr>
@@ -271,7 +271,7 @@
           <p:cNvPr id="4" name="Дата 3">
             <a:extLst>
               <a:ext uri="{FF2B5EF4-FFF2-40B4-BE49-F238E27FC236}">
-                <a16:creationId xmlns="" xmlns:a16="http://schemas.microsoft.com/office/drawing/2014/main" id="{0C08CCA0-7AC9-4458-99BC-25257703BE5B}"/>
+                <a16:creationId xmlns:a16="http://schemas.microsoft.com/office/drawing/2014/main" xmlns="" id="{0C08CCA0-7AC9-4458-99BC-25257703BE5B}"/>
               </a:ext>
             </a:extLst>
           </p:cNvPr>
@@ -298,7 +298,7 @@
             <a:fld id="{39985775-DA12-4519-AD4E-BF0D8B5A28A2}" type="datetimeFigureOut">
               <a:rPr lang="ru-RU" smtClean="0"/>
               <a:pPr/>
-              <a:t>07.12.2022</a:t>
+              <a:t>08.12.2022</a:t>
             </a:fld>
             <a:endParaRPr lang="ru-RU"/>
           </a:p>
@@ -309,7 +309,7 @@
           <p:cNvPr id="5" name="Нижний колонтитул 4">
             <a:extLst>
               <a:ext uri="{FF2B5EF4-FFF2-40B4-BE49-F238E27FC236}">
-                <a16:creationId xmlns="" xmlns:a16="http://schemas.microsoft.com/office/drawing/2014/main" id="{DF7410E7-85CD-46DA-BC17-90383213823C}"/>
+                <a16:creationId xmlns:a16="http://schemas.microsoft.com/office/drawing/2014/main" xmlns="" id="{DF7410E7-85CD-46DA-BC17-90383213823C}"/>
               </a:ext>
             </a:extLst>
           </p:cNvPr>
@@ -342,7 +342,7 @@
           <p:cNvPr id="6" name="Номер слайда 5">
             <a:extLst>
               <a:ext uri="{FF2B5EF4-FFF2-40B4-BE49-F238E27FC236}">
-                <a16:creationId xmlns="" xmlns:a16="http://schemas.microsoft.com/office/drawing/2014/main" id="{3CC549DF-D60D-41D0-9ADE-DA8EA16AD11F}"/>
+                <a16:creationId xmlns:a16="http://schemas.microsoft.com/office/drawing/2014/main" xmlns="" id="{3CC549DF-D60D-41D0-9ADE-DA8EA16AD11F}"/>
               </a:ext>
             </a:extLst>
           </p:cNvPr>
@@ -422,7 +422,7 @@
           <p:cNvPr id="2" name="Заголовок 1">
             <a:extLst>
               <a:ext uri="{FF2B5EF4-FFF2-40B4-BE49-F238E27FC236}">
-                <a16:creationId xmlns="" xmlns:a16="http://schemas.microsoft.com/office/drawing/2014/main" id="{B6A3F95C-774F-4E30-AE17-04AC0612DF47}"/>
+                <a16:creationId xmlns:a16="http://schemas.microsoft.com/office/drawing/2014/main" xmlns="" id="{B6A3F95C-774F-4E30-AE17-04AC0612DF47}"/>
               </a:ext>
             </a:extLst>
           </p:cNvPr>
@@ -450,7 +450,7 @@
           <p:cNvPr id="3" name="Дата 2">
             <a:extLst>
               <a:ext uri="{FF2B5EF4-FFF2-40B4-BE49-F238E27FC236}">
-                <a16:creationId xmlns="" xmlns:a16="http://schemas.microsoft.com/office/drawing/2014/main" id="{7A740606-3AD8-42ED-B129-A3DEC06BC505}"/>
+                <a16:creationId xmlns:a16="http://schemas.microsoft.com/office/drawing/2014/main" xmlns="" id="{7A740606-3AD8-42ED-B129-A3DEC06BC505}"/>
               </a:ext>
             </a:extLst>
           </p:cNvPr>
@@ -468,7 +468,7 @@
           <a:p>
             <a:fld id="{39985775-DA12-4519-AD4E-BF0D8B5A28A2}" type="datetimeFigureOut">
               <a:rPr lang="ru-RU" smtClean="0"/>
-              <a:t>07.12.2022</a:t>
+              <a:t>08.12.2022</a:t>
             </a:fld>
             <a:endParaRPr lang="ru-RU"/>
           </a:p>
@@ -479,7 +479,7 @@
           <p:cNvPr id="4" name="Нижний колонтитул 3">
             <a:extLst>
               <a:ext uri="{FF2B5EF4-FFF2-40B4-BE49-F238E27FC236}">
-                <a16:creationId xmlns="" xmlns:a16="http://schemas.microsoft.com/office/drawing/2014/main" id="{F47C616E-EC5D-4161-B871-4DBFA23F1B01}"/>
+                <a16:creationId xmlns:a16="http://schemas.microsoft.com/office/drawing/2014/main" xmlns="" id="{F47C616E-EC5D-4161-B871-4DBFA23F1B01}"/>
               </a:ext>
             </a:extLst>
           </p:cNvPr>
@@ -504,7 +504,7 @@
           <p:cNvPr id="5" name="Номер слайда 4">
             <a:extLst>
               <a:ext uri="{FF2B5EF4-FFF2-40B4-BE49-F238E27FC236}">
-                <a16:creationId xmlns="" xmlns:a16="http://schemas.microsoft.com/office/drawing/2014/main" id="{017A186C-6BE5-484A-94F6-B5CFB1FB3258}"/>
+                <a16:creationId xmlns:a16="http://schemas.microsoft.com/office/drawing/2014/main" xmlns="" id="{017A186C-6BE5-484A-94F6-B5CFB1FB3258}"/>
               </a:ext>
             </a:extLst>
           </p:cNvPr>
@@ -575,7 +575,7 @@
           <p:cNvPr id="2" name="Дата 1">
             <a:extLst>
               <a:ext uri="{FF2B5EF4-FFF2-40B4-BE49-F238E27FC236}">
-                <a16:creationId xmlns="" xmlns:a16="http://schemas.microsoft.com/office/drawing/2014/main" id="{84059D37-F92B-4726-A34B-164AC46F6B03}"/>
+                <a16:creationId xmlns:a16="http://schemas.microsoft.com/office/drawing/2014/main" xmlns="" id="{84059D37-F92B-4726-A34B-164AC46F6B03}"/>
               </a:ext>
             </a:extLst>
           </p:cNvPr>
@@ -593,7 +593,7 @@
           <a:p>
             <a:fld id="{39985775-DA12-4519-AD4E-BF0D8B5A28A2}" type="datetimeFigureOut">
               <a:rPr lang="ru-RU" smtClean="0"/>
-              <a:t>07.12.2022</a:t>
+              <a:t>08.12.2022</a:t>
             </a:fld>
             <a:endParaRPr lang="ru-RU"/>
           </a:p>
@@ -604,7 +604,7 @@
           <p:cNvPr id="3" name="Нижний колонтитул 2">
             <a:extLst>
               <a:ext uri="{FF2B5EF4-FFF2-40B4-BE49-F238E27FC236}">
-                <a16:creationId xmlns="" xmlns:a16="http://schemas.microsoft.com/office/drawing/2014/main" id="{5EB8A300-DCC2-4DBC-89F3-19460679B6D8}"/>
+                <a16:creationId xmlns:a16="http://schemas.microsoft.com/office/drawing/2014/main" xmlns="" id="{5EB8A300-DCC2-4DBC-89F3-19460679B6D8}"/>
               </a:ext>
             </a:extLst>
           </p:cNvPr>
@@ -629,7 +629,7 @@
           <p:cNvPr id="4" name="Номер слайда 3">
             <a:extLst>
               <a:ext uri="{FF2B5EF4-FFF2-40B4-BE49-F238E27FC236}">
-                <a16:creationId xmlns="" xmlns:a16="http://schemas.microsoft.com/office/drawing/2014/main" id="{6AE01FBC-E1B1-44CF-B5F4-B0621F58BA87}"/>
+                <a16:creationId xmlns:a16="http://schemas.microsoft.com/office/drawing/2014/main" xmlns="" id="{6AE01FBC-E1B1-44CF-B5F4-B0621F58BA87}"/>
               </a:ext>
             </a:extLst>
           </p:cNvPr>
@@ -700,7 +700,7 @@
           <p:cNvPr id="2" name="Заголовок 1">
             <a:extLst>
               <a:ext uri="{FF2B5EF4-FFF2-40B4-BE49-F238E27FC236}">
-                <a16:creationId xmlns="" xmlns:a16="http://schemas.microsoft.com/office/drawing/2014/main" id="{E0CDE81A-B789-490D-9823-1DCB79555CA7}"/>
+                <a16:creationId xmlns:a16="http://schemas.microsoft.com/office/drawing/2014/main" xmlns="" id="{E0CDE81A-B789-490D-9823-1DCB79555CA7}"/>
               </a:ext>
             </a:extLst>
           </p:cNvPr>
@@ -737,7 +737,7 @@
           <p:cNvPr id="3" name="Объект 2">
             <a:extLst>
               <a:ext uri="{FF2B5EF4-FFF2-40B4-BE49-F238E27FC236}">
-                <a16:creationId xmlns="" xmlns:a16="http://schemas.microsoft.com/office/drawing/2014/main" id="{34E3DE41-335B-4255-BD1B-1BD5FD769150}"/>
+                <a16:creationId xmlns:a16="http://schemas.microsoft.com/office/drawing/2014/main" xmlns="" id="{34E3DE41-335B-4255-BD1B-1BD5FD769150}"/>
               </a:ext>
             </a:extLst>
           </p:cNvPr>
@@ -827,7 +827,7 @@
           <p:cNvPr id="4" name="Текст 3">
             <a:extLst>
               <a:ext uri="{FF2B5EF4-FFF2-40B4-BE49-F238E27FC236}">
-                <a16:creationId xmlns="" xmlns:a16="http://schemas.microsoft.com/office/drawing/2014/main" id="{11CDC965-EE27-49DE-926C-3E4E5F353E3D}"/>
+                <a16:creationId xmlns:a16="http://schemas.microsoft.com/office/drawing/2014/main" xmlns="" id="{11CDC965-EE27-49DE-926C-3E4E5F353E3D}"/>
               </a:ext>
             </a:extLst>
           </p:cNvPr>
@@ -898,7 +898,7 @@
           <p:cNvPr id="5" name="Дата 4">
             <a:extLst>
               <a:ext uri="{FF2B5EF4-FFF2-40B4-BE49-F238E27FC236}">
-                <a16:creationId xmlns="" xmlns:a16="http://schemas.microsoft.com/office/drawing/2014/main" id="{A187F107-3B06-47AE-890B-4028A5F72270}"/>
+                <a16:creationId xmlns:a16="http://schemas.microsoft.com/office/drawing/2014/main" xmlns="" id="{A187F107-3B06-47AE-890B-4028A5F72270}"/>
               </a:ext>
             </a:extLst>
           </p:cNvPr>
@@ -916,7 +916,7 @@
           <a:p>
             <a:fld id="{39985775-DA12-4519-AD4E-BF0D8B5A28A2}" type="datetimeFigureOut">
               <a:rPr lang="ru-RU" smtClean="0"/>
-              <a:t>07.12.2022</a:t>
+              <a:t>08.12.2022</a:t>
             </a:fld>
             <a:endParaRPr lang="ru-RU"/>
           </a:p>
@@ -927,7 +927,7 @@
           <p:cNvPr id="6" name="Нижний колонтитул 5">
             <a:extLst>
               <a:ext uri="{FF2B5EF4-FFF2-40B4-BE49-F238E27FC236}">
-                <a16:creationId xmlns="" xmlns:a16="http://schemas.microsoft.com/office/drawing/2014/main" id="{24E7A224-216B-43E1-A95E-10F95BB0FD69}"/>
+                <a16:creationId xmlns:a16="http://schemas.microsoft.com/office/drawing/2014/main" xmlns="" id="{24E7A224-216B-43E1-A95E-10F95BB0FD69}"/>
               </a:ext>
             </a:extLst>
           </p:cNvPr>
@@ -952,7 +952,7 @@
           <p:cNvPr id="7" name="Номер слайда 6">
             <a:extLst>
               <a:ext uri="{FF2B5EF4-FFF2-40B4-BE49-F238E27FC236}">
-                <a16:creationId xmlns="" xmlns:a16="http://schemas.microsoft.com/office/drawing/2014/main" id="{45BF9C8F-012F-410C-9624-42ADB56B0912}"/>
+                <a16:creationId xmlns:a16="http://schemas.microsoft.com/office/drawing/2014/main" xmlns="" id="{45BF9C8F-012F-410C-9624-42ADB56B0912}"/>
               </a:ext>
             </a:extLst>
           </p:cNvPr>
@@ -1023,7 +1023,7 @@
           <p:cNvPr id="2" name="Заголовок 1">
             <a:extLst>
               <a:ext uri="{FF2B5EF4-FFF2-40B4-BE49-F238E27FC236}">
-                <a16:creationId xmlns="" xmlns:a16="http://schemas.microsoft.com/office/drawing/2014/main" id="{EB7FA0CA-376B-46DC-813B-5E5FBFAAC05E}"/>
+                <a16:creationId xmlns:a16="http://schemas.microsoft.com/office/drawing/2014/main" xmlns="" id="{EB7FA0CA-376B-46DC-813B-5E5FBFAAC05E}"/>
               </a:ext>
             </a:extLst>
           </p:cNvPr>
@@ -1060,7 +1060,7 @@
           <p:cNvPr id="3" name="Рисунок 2">
             <a:extLst>
               <a:ext uri="{FF2B5EF4-FFF2-40B4-BE49-F238E27FC236}">
-                <a16:creationId xmlns="" xmlns:a16="http://schemas.microsoft.com/office/drawing/2014/main" id="{F1EBA494-E82E-4757-A3C0-955EA65D11F7}"/>
+                <a16:creationId xmlns:a16="http://schemas.microsoft.com/office/drawing/2014/main" xmlns="" id="{F1EBA494-E82E-4757-A3C0-955EA65D11F7}"/>
               </a:ext>
             </a:extLst>
           </p:cNvPr>
@@ -1127,7 +1127,7 @@
           <p:cNvPr id="4" name="Текст 3">
             <a:extLst>
               <a:ext uri="{FF2B5EF4-FFF2-40B4-BE49-F238E27FC236}">
-                <a16:creationId xmlns="" xmlns:a16="http://schemas.microsoft.com/office/drawing/2014/main" id="{33117C38-1525-4DAA-A6A8-79732457CC95}"/>
+                <a16:creationId xmlns:a16="http://schemas.microsoft.com/office/drawing/2014/main" xmlns="" id="{33117C38-1525-4DAA-A6A8-79732457CC95}"/>
               </a:ext>
             </a:extLst>
           </p:cNvPr>
@@ -1198,7 +1198,7 @@
           <p:cNvPr id="5" name="Дата 4">
             <a:extLst>
               <a:ext uri="{FF2B5EF4-FFF2-40B4-BE49-F238E27FC236}">
-                <a16:creationId xmlns="" xmlns:a16="http://schemas.microsoft.com/office/drawing/2014/main" id="{0CF361C5-F126-4C0B-AE3A-2CBA980EFC2C}"/>
+                <a16:creationId xmlns:a16="http://schemas.microsoft.com/office/drawing/2014/main" xmlns="" id="{0CF361C5-F126-4C0B-AE3A-2CBA980EFC2C}"/>
               </a:ext>
             </a:extLst>
           </p:cNvPr>
@@ -1216,7 +1216,7 @@
           <a:p>
             <a:fld id="{39985775-DA12-4519-AD4E-BF0D8B5A28A2}" type="datetimeFigureOut">
               <a:rPr lang="ru-RU" smtClean="0"/>
-              <a:t>07.12.2022</a:t>
+              <a:t>08.12.2022</a:t>
             </a:fld>
             <a:endParaRPr lang="ru-RU"/>
           </a:p>
@@ -1227,7 +1227,7 @@
           <p:cNvPr id="6" name="Нижний колонтитул 5">
             <a:extLst>
               <a:ext uri="{FF2B5EF4-FFF2-40B4-BE49-F238E27FC236}">
-                <a16:creationId xmlns="" xmlns:a16="http://schemas.microsoft.com/office/drawing/2014/main" id="{6F4F4485-29FD-4F98-96FC-E5D8DCB98AC3}"/>
+                <a16:creationId xmlns:a16="http://schemas.microsoft.com/office/drawing/2014/main" xmlns="" id="{6F4F4485-29FD-4F98-96FC-E5D8DCB98AC3}"/>
               </a:ext>
             </a:extLst>
           </p:cNvPr>
@@ -1252,7 +1252,7 @@
           <p:cNvPr id="7" name="Номер слайда 6">
             <a:extLst>
               <a:ext uri="{FF2B5EF4-FFF2-40B4-BE49-F238E27FC236}">
-                <a16:creationId xmlns="" xmlns:a16="http://schemas.microsoft.com/office/drawing/2014/main" id="{5942FB67-03FB-449E-89B5-DF67F63DAA5F}"/>
+                <a16:creationId xmlns:a16="http://schemas.microsoft.com/office/drawing/2014/main" xmlns="" id="{5942FB67-03FB-449E-89B5-DF67F63DAA5F}"/>
               </a:ext>
             </a:extLst>
           </p:cNvPr>
@@ -1323,7 +1323,7 @@
           <p:cNvPr id="2" name="Заголовок 1">
             <a:extLst>
               <a:ext uri="{FF2B5EF4-FFF2-40B4-BE49-F238E27FC236}">
-                <a16:creationId xmlns="" xmlns:a16="http://schemas.microsoft.com/office/drawing/2014/main" id="{4575B5E7-60F9-464C-B174-D06589C576AD}"/>
+                <a16:creationId xmlns:a16="http://schemas.microsoft.com/office/drawing/2014/main" xmlns="" id="{4575B5E7-60F9-464C-B174-D06589C576AD}"/>
               </a:ext>
             </a:extLst>
           </p:cNvPr>
@@ -1351,7 +1351,7 @@
           <p:cNvPr id="3" name="Вертикальный текст 2">
             <a:extLst>
               <a:ext uri="{FF2B5EF4-FFF2-40B4-BE49-F238E27FC236}">
-                <a16:creationId xmlns="" xmlns:a16="http://schemas.microsoft.com/office/drawing/2014/main" id="{D28484D1-D333-4AE1-BBFC-CD1DEC20F3D6}"/>
+                <a16:creationId xmlns:a16="http://schemas.microsoft.com/office/drawing/2014/main" xmlns="" id="{D28484D1-D333-4AE1-BBFC-CD1DEC20F3D6}"/>
               </a:ext>
             </a:extLst>
           </p:cNvPr>
@@ -1408,7 +1408,7 @@
           <p:cNvPr id="4" name="Дата 3">
             <a:extLst>
               <a:ext uri="{FF2B5EF4-FFF2-40B4-BE49-F238E27FC236}">
-                <a16:creationId xmlns="" xmlns:a16="http://schemas.microsoft.com/office/drawing/2014/main" id="{64A59D6A-B58D-4E95-A396-200C9B9BC3C0}"/>
+                <a16:creationId xmlns:a16="http://schemas.microsoft.com/office/drawing/2014/main" xmlns="" id="{64A59D6A-B58D-4E95-A396-200C9B9BC3C0}"/>
               </a:ext>
             </a:extLst>
           </p:cNvPr>
@@ -1426,7 +1426,7 @@
           <a:p>
             <a:fld id="{39985775-DA12-4519-AD4E-BF0D8B5A28A2}" type="datetimeFigureOut">
               <a:rPr lang="ru-RU" smtClean="0"/>
-              <a:t>07.12.2022</a:t>
+              <a:t>08.12.2022</a:t>
             </a:fld>
             <a:endParaRPr lang="ru-RU"/>
           </a:p>
@@ -1437,7 +1437,7 @@
           <p:cNvPr id="5" name="Нижний колонтитул 4">
             <a:extLst>
               <a:ext uri="{FF2B5EF4-FFF2-40B4-BE49-F238E27FC236}">
-                <a16:creationId xmlns="" xmlns:a16="http://schemas.microsoft.com/office/drawing/2014/main" id="{7EB437D5-797B-49CA-AD3B-BE3CAF57E723}"/>
+                <a16:creationId xmlns:a16="http://schemas.microsoft.com/office/drawing/2014/main" xmlns="" id="{7EB437D5-797B-49CA-AD3B-BE3CAF57E723}"/>
               </a:ext>
             </a:extLst>
           </p:cNvPr>
@@ -1462,7 +1462,7 @@
           <p:cNvPr id="6" name="Номер слайда 5">
             <a:extLst>
               <a:ext uri="{FF2B5EF4-FFF2-40B4-BE49-F238E27FC236}">
-                <a16:creationId xmlns="" xmlns:a16="http://schemas.microsoft.com/office/drawing/2014/main" id="{2A1F4BFD-DCAB-4FA8-B42C-658D6832F7F0}"/>
+                <a16:creationId xmlns:a16="http://schemas.microsoft.com/office/drawing/2014/main" xmlns="" id="{2A1F4BFD-DCAB-4FA8-B42C-658D6832F7F0}"/>
               </a:ext>
             </a:extLst>
           </p:cNvPr>
@@ -1533,7 +1533,7 @@
           <p:cNvPr id="2" name="Вертикальный заголовок 1">
             <a:extLst>
               <a:ext uri="{FF2B5EF4-FFF2-40B4-BE49-F238E27FC236}">
-                <a16:creationId xmlns="" xmlns:a16="http://schemas.microsoft.com/office/drawing/2014/main" id="{0DD7D349-5ABD-40CA-91CD-9AC19B7C01AA}"/>
+                <a16:creationId xmlns:a16="http://schemas.microsoft.com/office/drawing/2014/main" xmlns="" id="{0DD7D349-5ABD-40CA-91CD-9AC19B7C01AA}"/>
               </a:ext>
             </a:extLst>
           </p:cNvPr>
@@ -1566,7 +1566,7 @@
           <p:cNvPr id="3" name="Вертикальный текст 2">
             <a:extLst>
               <a:ext uri="{FF2B5EF4-FFF2-40B4-BE49-F238E27FC236}">
-                <a16:creationId xmlns="" xmlns:a16="http://schemas.microsoft.com/office/drawing/2014/main" id="{F28E4FE5-4CB9-457C-9776-A6FC25BBA2BD}"/>
+                <a16:creationId xmlns:a16="http://schemas.microsoft.com/office/drawing/2014/main" xmlns="" id="{F28E4FE5-4CB9-457C-9776-A6FC25BBA2BD}"/>
               </a:ext>
             </a:extLst>
           </p:cNvPr>
@@ -1628,7 +1628,7 @@
           <p:cNvPr id="4" name="Дата 3">
             <a:extLst>
               <a:ext uri="{FF2B5EF4-FFF2-40B4-BE49-F238E27FC236}">
-                <a16:creationId xmlns="" xmlns:a16="http://schemas.microsoft.com/office/drawing/2014/main" id="{16DF420E-C006-48BA-ACD0-A009889F4495}"/>
+                <a16:creationId xmlns:a16="http://schemas.microsoft.com/office/drawing/2014/main" xmlns="" id="{16DF420E-C006-48BA-ACD0-A009889F4495}"/>
               </a:ext>
             </a:extLst>
           </p:cNvPr>
@@ -1646,7 +1646,7 @@
           <a:p>
             <a:fld id="{39985775-DA12-4519-AD4E-BF0D8B5A28A2}" type="datetimeFigureOut">
               <a:rPr lang="ru-RU" smtClean="0"/>
-              <a:t>07.12.2022</a:t>
+              <a:t>08.12.2022</a:t>
             </a:fld>
             <a:endParaRPr lang="ru-RU"/>
           </a:p>
@@ -1657,7 +1657,7 @@
           <p:cNvPr id="5" name="Нижний колонтитул 4">
             <a:extLst>
               <a:ext uri="{FF2B5EF4-FFF2-40B4-BE49-F238E27FC236}">
-                <a16:creationId xmlns="" xmlns:a16="http://schemas.microsoft.com/office/drawing/2014/main" id="{D36841BA-4A5C-4F80-82B2-3FE13D1DF5B3}"/>
+                <a16:creationId xmlns:a16="http://schemas.microsoft.com/office/drawing/2014/main" xmlns="" id="{D36841BA-4A5C-4F80-82B2-3FE13D1DF5B3}"/>
               </a:ext>
             </a:extLst>
           </p:cNvPr>
@@ -1682,7 +1682,7 @@
           <p:cNvPr id="6" name="Номер слайда 5">
             <a:extLst>
               <a:ext uri="{FF2B5EF4-FFF2-40B4-BE49-F238E27FC236}">
-                <a16:creationId xmlns="" xmlns:a16="http://schemas.microsoft.com/office/drawing/2014/main" id="{1B5348BA-A8D9-4752-9849-D1F480476C8F}"/>
+                <a16:creationId xmlns:a16="http://schemas.microsoft.com/office/drawing/2014/main" xmlns="" id="{1B5348BA-A8D9-4752-9849-D1F480476C8F}"/>
               </a:ext>
             </a:extLst>
           </p:cNvPr>
@@ -1753,7 +1753,7 @@
           <p:cNvPr id="2" name="Заголовок 1">
             <a:extLst>
               <a:ext uri="{FF2B5EF4-FFF2-40B4-BE49-F238E27FC236}">
-                <a16:creationId xmlns="" xmlns:a16="http://schemas.microsoft.com/office/drawing/2014/main" id="{9EC2F858-143C-49BF-AC24-DDE5A569426D}"/>
+                <a16:creationId xmlns:a16="http://schemas.microsoft.com/office/drawing/2014/main" xmlns="" id="{9EC2F858-143C-49BF-AC24-DDE5A569426D}"/>
               </a:ext>
             </a:extLst>
           </p:cNvPr>
@@ -1789,7 +1789,7 @@
           <p:cNvPr id="3" name="Объект 2">
             <a:extLst>
               <a:ext uri="{FF2B5EF4-FFF2-40B4-BE49-F238E27FC236}">
-                <a16:creationId xmlns="" xmlns:a16="http://schemas.microsoft.com/office/drawing/2014/main" id="{0CA1AEBE-8905-4864-B3FD-4CD04946E549}"/>
+                <a16:creationId xmlns:a16="http://schemas.microsoft.com/office/drawing/2014/main" xmlns="" id="{0CA1AEBE-8905-4864-B3FD-4CD04946E549}"/>
               </a:ext>
             </a:extLst>
           </p:cNvPr>
@@ -1846,7 +1846,7 @@
           <p:cNvPr id="7" name="Прямоугольник 6">
             <a:extLst>
               <a:ext uri="{FF2B5EF4-FFF2-40B4-BE49-F238E27FC236}">
-                <a16:creationId xmlns="" xmlns:a16="http://schemas.microsoft.com/office/drawing/2014/main" id="{AA079D8C-B135-4B29-9B74-4C89FD7E531F}"/>
+                <a16:creationId xmlns:a16="http://schemas.microsoft.com/office/drawing/2014/main" xmlns="" id="{AA079D8C-B135-4B29-9B74-4C89FD7E531F}"/>
               </a:ext>
             </a:extLst>
           </p:cNvPr>
@@ -1895,7 +1895,7 @@
           <p:cNvPr id="8" name="Прямоугольник 7">
             <a:extLst>
               <a:ext uri="{FF2B5EF4-FFF2-40B4-BE49-F238E27FC236}">
-                <a16:creationId xmlns="" xmlns:a16="http://schemas.microsoft.com/office/drawing/2014/main" id="{FF0D1648-B806-40EE-B6E3-7634106F579D}"/>
+                <a16:creationId xmlns:a16="http://schemas.microsoft.com/office/drawing/2014/main" xmlns="" id="{FF0D1648-B806-40EE-B6E3-7634106F579D}"/>
               </a:ext>
             </a:extLst>
           </p:cNvPr>
@@ -1944,7 +1944,7 @@
           <p:cNvPr id="10" name="Прямоугольник 9">
             <a:extLst>
               <a:ext uri="{FF2B5EF4-FFF2-40B4-BE49-F238E27FC236}">
-                <a16:creationId xmlns="" xmlns:a16="http://schemas.microsoft.com/office/drawing/2014/main" id="{9D45F2DE-3202-46E3-A4DF-1E1F8D2367F3}"/>
+                <a16:creationId xmlns:a16="http://schemas.microsoft.com/office/drawing/2014/main" xmlns="" id="{9D45F2DE-3202-46E3-A4DF-1E1F8D2367F3}"/>
               </a:ext>
             </a:extLst>
           </p:cNvPr>
@@ -1993,7 +1993,7 @@
           <p:cNvPr id="12" name="Прямоугольник 11">
             <a:extLst>
               <a:ext uri="{FF2B5EF4-FFF2-40B4-BE49-F238E27FC236}">
-                <a16:creationId xmlns="" xmlns:a16="http://schemas.microsoft.com/office/drawing/2014/main" id="{D4E4023C-83D7-4B9B-83E0-97AB0F4AC43B}"/>
+                <a16:creationId xmlns:a16="http://schemas.microsoft.com/office/drawing/2014/main" xmlns="" id="{D4E4023C-83D7-4B9B-83E0-97AB0F4AC43B}"/>
               </a:ext>
             </a:extLst>
           </p:cNvPr>
@@ -2084,7 +2084,7 @@
           <p:cNvPr id="2" name="Заголовок 1">
             <a:extLst>
               <a:ext uri="{FF2B5EF4-FFF2-40B4-BE49-F238E27FC236}">
-                <a16:creationId xmlns="" xmlns:a16="http://schemas.microsoft.com/office/drawing/2014/main" id="{9EC2F858-143C-49BF-AC24-DDE5A569426D}"/>
+                <a16:creationId xmlns:a16="http://schemas.microsoft.com/office/drawing/2014/main" xmlns="" id="{9EC2F858-143C-49BF-AC24-DDE5A569426D}"/>
               </a:ext>
             </a:extLst>
           </p:cNvPr>
@@ -2125,7 +2125,7 @@
           <p:cNvPr id="3" name="Объект 2">
             <a:extLst>
               <a:ext uri="{FF2B5EF4-FFF2-40B4-BE49-F238E27FC236}">
-                <a16:creationId xmlns="" xmlns:a16="http://schemas.microsoft.com/office/drawing/2014/main" id="{0CA1AEBE-8905-4864-B3FD-4CD04946E549}"/>
+                <a16:creationId xmlns:a16="http://schemas.microsoft.com/office/drawing/2014/main" xmlns="" id="{0CA1AEBE-8905-4864-B3FD-4CD04946E549}"/>
               </a:ext>
             </a:extLst>
           </p:cNvPr>
@@ -2187,7 +2187,7 @@
           <p:cNvPr id="5" name="Рисунок 4">
             <a:extLst>
               <a:ext uri="{FF2B5EF4-FFF2-40B4-BE49-F238E27FC236}">
-                <a16:creationId xmlns="" xmlns:a16="http://schemas.microsoft.com/office/drawing/2014/main" id="{8B632DE5-F5F2-4462-94DA-690026333B02}"/>
+                <a16:creationId xmlns:a16="http://schemas.microsoft.com/office/drawing/2014/main" xmlns="" id="{8B632DE5-F5F2-4462-94DA-690026333B02}"/>
               </a:ext>
             </a:extLst>
           </p:cNvPr>
@@ -2259,7 +2259,7 @@
           <p:cNvPr id="8" name="Прямоугольник 7">
             <a:extLst>
               <a:ext uri="{FF2B5EF4-FFF2-40B4-BE49-F238E27FC236}">
-                <a16:creationId xmlns="" xmlns:a16="http://schemas.microsoft.com/office/drawing/2014/main" id="{81134973-9603-4EB5-B737-91F29D4CD883}"/>
+                <a16:creationId xmlns:a16="http://schemas.microsoft.com/office/drawing/2014/main" xmlns="" id="{81134973-9603-4EB5-B737-91F29D4CD883}"/>
               </a:ext>
             </a:extLst>
           </p:cNvPr>
@@ -2311,7 +2311,7 @@
           <p:cNvPr id="2" name="Заголовок 1">
             <a:extLst>
               <a:ext uri="{FF2B5EF4-FFF2-40B4-BE49-F238E27FC236}">
-                <a16:creationId xmlns="" xmlns:a16="http://schemas.microsoft.com/office/drawing/2014/main" id="{08AAAB7C-7C1B-4105-BE24-F811EBB4014F}"/>
+                <a16:creationId xmlns:a16="http://schemas.microsoft.com/office/drawing/2014/main" xmlns="" id="{08AAAB7C-7C1B-4105-BE24-F811EBB4014F}"/>
               </a:ext>
             </a:extLst>
           </p:cNvPr>
@@ -2347,7 +2347,7 @@
           <p:cNvPr id="4" name="Дата 3">
             <a:extLst>
               <a:ext uri="{FF2B5EF4-FFF2-40B4-BE49-F238E27FC236}">
-                <a16:creationId xmlns="" xmlns:a16="http://schemas.microsoft.com/office/drawing/2014/main" id="{1AECA37A-4894-4A33-9EBE-8B2E35025896}"/>
+                <a16:creationId xmlns:a16="http://schemas.microsoft.com/office/drawing/2014/main" xmlns="" id="{1AECA37A-4894-4A33-9EBE-8B2E35025896}"/>
               </a:ext>
             </a:extLst>
           </p:cNvPr>
@@ -2365,7 +2365,7 @@
           <a:p>
             <a:fld id="{A3A83A43-64E5-4616-89E6-626296516E98}" type="datetimeFigureOut">
               <a:rPr lang="ru-RU" smtClean="0"/>
-              <a:t>07.12.2022</a:t>
+              <a:t>08.12.2022</a:t>
             </a:fld>
             <a:endParaRPr lang="ru-RU"/>
           </a:p>
@@ -2376,7 +2376,7 @@
           <p:cNvPr id="5" name="Нижний колонтитул 4">
             <a:extLst>
               <a:ext uri="{FF2B5EF4-FFF2-40B4-BE49-F238E27FC236}">
-                <a16:creationId xmlns="" xmlns:a16="http://schemas.microsoft.com/office/drawing/2014/main" id="{0230E9E2-71FB-4D16-B449-EA5254AC7A43}"/>
+                <a16:creationId xmlns:a16="http://schemas.microsoft.com/office/drawing/2014/main" xmlns="" id="{0230E9E2-71FB-4D16-B449-EA5254AC7A43}"/>
               </a:ext>
             </a:extLst>
           </p:cNvPr>
@@ -2401,7 +2401,7 @@
           <p:cNvPr id="6" name="Номер слайда 5">
             <a:extLst>
               <a:ext uri="{FF2B5EF4-FFF2-40B4-BE49-F238E27FC236}">
-                <a16:creationId xmlns="" xmlns:a16="http://schemas.microsoft.com/office/drawing/2014/main" id="{6FF10A82-3FA8-48BC-A562-4BDCC940C256}"/>
+                <a16:creationId xmlns:a16="http://schemas.microsoft.com/office/drawing/2014/main" xmlns="" id="{6FF10A82-3FA8-48BC-A562-4BDCC940C256}"/>
               </a:ext>
             </a:extLst>
           </p:cNvPr>
@@ -2430,7 +2430,7 @@
           <p:cNvPr id="10" name="Рисунок 9">
             <a:extLst>
               <a:ext uri="{FF2B5EF4-FFF2-40B4-BE49-F238E27FC236}">
-                <a16:creationId xmlns="" xmlns:a16="http://schemas.microsoft.com/office/drawing/2014/main" id="{F0D9FAC9-46ED-4B2F-8516-B63FF2354312}"/>
+                <a16:creationId xmlns:a16="http://schemas.microsoft.com/office/drawing/2014/main" xmlns="" id="{F0D9FAC9-46ED-4B2F-8516-B63FF2354312}"/>
               </a:ext>
             </a:extLst>
           </p:cNvPr>
@@ -2460,7 +2460,7 @@
           <p:cNvPr id="21" name="Текст 14">
             <a:extLst>
               <a:ext uri="{FF2B5EF4-FFF2-40B4-BE49-F238E27FC236}">
-                <a16:creationId xmlns="" xmlns:a16="http://schemas.microsoft.com/office/drawing/2014/main" id="{4413139B-1729-455B-B830-4DAB12D9B25E}"/>
+                <a16:creationId xmlns:a16="http://schemas.microsoft.com/office/drawing/2014/main" xmlns="" id="{4413139B-1729-455B-B830-4DAB12D9B25E}"/>
               </a:ext>
             </a:extLst>
           </p:cNvPr>
@@ -2522,7 +2522,7 @@
           <p:cNvPr id="22" name="Текст 14">
             <a:extLst>
               <a:ext uri="{FF2B5EF4-FFF2-40B4-BE49-F238E27FC236}">
-                <a16:creationId xmlns="" xmlns:a16="http://schemas.microsoft.com/office/drawing/2014/main" id="{222B09F7-7246-4274-A513-9BEACBF61E15}"/>
+                <a16:creationId xmlns:a16="http://schemas.microsoft.com/office/drawing/2014/main" xmlns="" id="{222B09F7-7246-4274-A513-9BEACBF61E15}"/>
               </a:ext>
             </a:extLst>
           </p:cNvPr>
@@ -2584,7 +2584,7 @@
           <p:cNvPr id="12" name="Рисунок 9">
             <a:extLst>
               <a:ext uri="{FF2B5EF4-FFF2-40B4-BE49-F238E27FC236}">
-                <a16:creationId xmlns="" xmlns:a16="http://schemas.microsoft.com/office/drawing/2014/main" id="{4B61BE1B-0619-47D5-8D00-1DBE9B7F40BF}"/>
+                <a16:creationId xmlns:a16="http://schemas.microsoft.com/office/drawing/2014/main" xmlns="" id="{4B61BE1B-0619-47D5-8D00-1DBE9B7F40BF}"/>
               </a:ext>
             </a:extLst>
           </p:cNvPr>
@@ -2656,7 +2656,7 @@
           <p:cNvPr id="2" name="Заголовок 1">
             <a:extLst>
               <a:ext uri="{FF2B5EF4-FFF2-40B4-BE49-F238E27FC236}">
-                <a16:creationId xmlns="" xmlns:a16="http://schemas.microsoft.com/office/drawing/2014/main" id="{2914E300-70A9-4046-B13A-C580CDF0889A}"/>
+                <a16:creationId xmlns:a16="http://schemas.microsoft.com/office/drawing/2014/main" xmlns="" id="{2914E300-70A9-4046-B13A-C580CDF0889A}"/>
               </a:ext>
             </a:extLst>
           </p:cNvPr>
@@ -2692,7 +2692,7 @@
           <p:cNvPr id="3" name="Дата 2">
             <a:extLst>
               <a:ext uri="{FF2B5EF4-FFF2-40B4-BE49-F238E27FC236}">
-                <a16:creationId xmlns="" xmlns:a16="http://schemas.microsoft.com/office/drawing/2014/main" id="{E2941CF8-4508-43CA-BA33-C0B9ED75329D}"/>
+                <a16:creationId xmlns:a16="http://schemas.microsoft.com/office/drawing/2014/main" xmlns="" id="{E2941CF8-4508-43CA-BA33-C0B9ED75329D}"/>
               </a:ext>
             </a:extLst>
           </p:cNvPr>
@@ -2710,7 +2710,7 @@
           <a:p>
             <a:fld id="{39985775-DA12-4519-AD4E-BF0D8B5A28A2}" type="datetimeFigureOut">
               <a:rPr lang="ru-RU" smtClean="0"/>
-              <a:t>07.12.2022</a:t>
+              <a:t>08.12.2022</a:t>
             </a:fld>
             <a:endParaRPr lang="ru-RU"/>
           </a:p>
@@ -2721,7 +2721,7 @@
           <p:cNvPr id="4" name="Нижний колонтитул 3">
             <a:extLst>
               <a:ext uri="{FF2B5EF4-FFF2-40B4-BE49-F238E27FC236}">
-                <a16:creationId xmlns="" xmlns:a16="http://schemas.microsoft.com/office/drawing/2014/main" id="{2F7B9934-7384-4A83-8B0E-FFF486DDFC47}"/>
+                <a16:creationId xmlns:a16="http://schemas.microsoft.com/office/drawing/2014/main" xmlns="" id="{2F7B9934-7384-4A83-8B0E-FFF486DDFC47}"/>
               </a:ext>
             </a:extLst>
           </p:cNvPr>
@@ -2746,7 +2746,7 @@
           <p:cNvPr id="5" name="Номер слайда 4">
             <a:extLst>
               <a:ext uri="{FF2B5EF4-FFF2-40B4-BE49-F238E27FC236}">
-                <a16:creationId xmlns="" xmlns:a16="http://schemas.microsoft.com/office/drawing/2014/main" id="{A4F36D14-7448-4ACB-B1EC-DDDAAA955198}"/>
+                <a16:creationId xmlns:a16="http://schemas.microsoft.com/office/drawing/2014/main" xmlns="" id="{A4F36D14-7448-4ACB-B1EC-DDDAAA955198}"/>
               </a:ext>
             </a:extLst>
           </p:cNvPr>
@@ -2817,7 +2817,7 @@
           <p:cNvPr id="2" name="Заголовок 1">
             <a:extLst>
               <a:ext uri="{FF2B5EF4-FFF2-40B4-BE49-F238E27FC236}">
-                <a16:creationId xmlns="" xmlns:a16="http://schemas.microsoft.com/office/drawing/2014/main" id="{9EC2F858-143C-49BF-AC24-DDE5A569426D}"/>
+                <a16:creationId xmlns:a16="http://schemas.microsoft.com/office/drawing/2014/main" xmlns="" id="{9EC2F858-143C-49BF-AC24-DDE5A569426D}"/>
               </a:ext>
             </a:extLst>
           </p:cNvPr>
@@ -2845,7 +2845,7 @@
           <p:cNvPr id="3" name="Объект 2">
             <a:extLst>
               <a:ext uri="{FF2B5EF4-FFF2-40B4-BE49-F238E27FC236}">
-                <a16:creationId xmlns="" xmlns:a16="http://schemas.microsoft.com/office/drawing/2014/main" id="{0CA1AEBE-8905-4864-B3FD-4CD04946E549}"/>
+                <a16:creationId xmlns:a16="http://schemas.microsoft.com/office/drawing/2014/main" xmlns="" id="{0CA1AEBE-8905-4864-B3FD-4CD04946E549}"/>
               </a:ext>
             </a:extLst>
           </p:cNvPr>
@@ -2944,7 +2944,7 @@
           <p:cNvPr id="2" name="Заголовок 1">
             <a:extLst>
               <a:ext uri="{FF2B5EF4-FFF2-40B4-BE49-F238E27FC236}">
-                <a16:creationId xmlns="" xmlns:a16="http://schemas.microsoft.com/office/drawing/2014/main" id="{1D6F616B-C814-43CB-9D66-2ACCE175F2AB}"/>
+                <a16:creationId xmlns:a16="http://schemas.microsoft.com/office/drawing/2014/main" xmlns="" id="{1D6F616B-C814-43CB-9D66-2ACCE175F2AB}"/>
               </a:ext>
             </a:extLst>
           </p:cNvPr>
@@ -2981,7 +2981,7 @@
           <p:cNvPr id="3" name="Текст 2">
             <a:extLst>
               <a:ext uri="{FF2B5EF4-FFF2-40B4-BE49-F238E27FC236}">
-                <a16:creationId xmlns="" xmlns:a16="http://schemas.microsoft.com/office/drawing/2014/main" id="{48AE93A1-6738-46E4-8F22-EE921A983948}"/>
+                <a16:creationId xmlns:a16="http://schemas.microsoft.com/office/drawing/2014/main" xmlns="" id="{48AE93A1-6738-46E4-8F22-EE921A983948}"/>
               </a:ext>
             </a:extLst>
           </p:cNvPr>
@@ -3106,7 +3106,7 @@
           <p:cNvPr id="4" name="Дата 3">
             <a:extLst>
               <a:ext uri="{FF2B5EF4-FFF2-40B4-BE49-F238E27FC236}">
-                <a16:creationId xmlns="" xmlns:a16="http://schemas.microsoft.com/office/drawing/2014/main" id="{6C78392C-C9F7-4DEF-AA81-542C2AAC75D8}"/>
+                <a16:creationId xmlns:a16="http://schemas.microsoft.com/office/drawing/2014/main" xmlns="" id="{6C78392C-C9F7-4DEF-AA81-542C2AAC75D8}"/>
               </a:ext>
             </a:extLst>
           </p:cNvPr>
@@ -3124,7 +3124,7 @@
           <a:p>
             <a:fld id="{39985775-DA12-4519-AD4E-BF0D8B5A28A2}" type="datetimeFigureOut">
               <a:rPr lang="ru-RU" smtClean="0"/>
-              <a:t>07.12.2022</a:t>
+              <a:t>08.12.2022</a:t>
             </a:fld>
             <a:endParaRPr lang="ru-RU"/>
           </a:p>
@@ -3135,7 +3135,7 @@
           <p:cNvPr id="5" name="Нижний колонтитул 4">
             <a:extLst>
               <a:ext uri="{FF2B5EF4-FFF2-40B4-BE49-F238E27FC236}">
-                <a16:creationId xmlns="" xmlns:a16="http://schemas.microsoft.com/office/drawing/2014/main" id="{A00A34EB-7EF1-4575-A605-E6075A6358F8}"/>
+                <a16:creationId xmlns:a16="http://schemas.microsoft.com/office/drawing/2014/main" xmlns="" id="{A00A34EB-7EF1-4575-A605-E6075A6358F8}"/>
               </a:ext>
             </a:extLst>
           </p:cNvPr>
@@ -3160,7 +3160,7 @@
           <p:cNvPr id="6" name="Номер слайда 5">
             <a:extLst>
               <a:ext uri="{FF2B5EF4-FFF2-40B4-BE49-F238E27FC236}">
-                <a16:creationId xmlns="" xmlns:a16="http://schemas.microsoft.com/office/drawing/2014/main" id="{B1F6B72C-E973-4717-9B32-EB861DCB2EF5}"/>
+                <a16:creationId xmlns:a16="http://schemas.microsoft.com/office/drawing/2014/main" xmlns="" id="{B1F6B72C-E973-4717-9B32-EB861DCB2EF5}"/>
               </a:ext>
             </a:extLst>
           </p:cNvPr>
@@ -3231,7 +3231,7 @@
           <p:cNvPr id="2" name="Заголовок 1">
             <a:extLst>
               <a:ext uri="{FF2B5EF4-FFF2-40B4-BE49-F238E27FC236}">
-                <a16:creationId xmlns="" xmlns:a16="http://schemas.microsoft.com/office/drawing/2014/main" id="{C09AC03E-CC96-46B4-8F06-809941B60B78}"/>
+                <a16:creationId xmlns:a16="http://schemas.microsoft.com/office/drawing/2014/main" xmlns="" id="{C09AC03E-CC96-46B4-8F06-809941B60B78}"/>
               </a:ext>
             </a:extLst>
           </p:cNvPr>
@@ -3259,7 +3259,7 @@
           <p:cNvPr id="3" name="Объект 2">
             <a:extLst>
               <a:ext uri="{FF2B5EF4-FFF2-40B4-BE49-F238E27FC236}">
-                <a16:creationId xmlns="" xmlns:a16="http://schemas.microsoft.com/office/drawing/2014/main" id="{AED83CB0-A9EB-4FCC-AFF1-9C0719455B37}"/>
+                <a16:creationId xmlns:a16="http://schemas.microsoft.com/office/drawing/2014/main" xmlns="" id="{AED83CB0-A9EB-4FCC-AFF1-9C0719455B37}"/>
               </a:ext>
             </a:extLst>
           </p:cNvPr>
@@ -3321,7 +3321,7 @@
           <p:cNvPr id="4" name="Объект 3">
             <a:extLst>
               <a:ext uri="{FF2B5EF4-FFF2-40B4-BE49-F238E27FC236}">
-                <a16:creationId xmlns="" xmlns:a16="http://schemas.microsoft.com/office/drawing/2014/main" id="{F2A519CA-8C32-464E-AB8C-C7DAE493BF57}"/>
+                <a16:creationId xmlns:a16="http://schemas.microsoft.com/office/drawing/2014/main" xmlns="" id="{F2A519CA-8C32-464E-AB8C-C7DAE493BF57}"/>
               </a:ext>
             </a:extLst>
           </p:cNvPr>
@@ -3383,7 +3383,7 @@
           <p:cNvPr id="5" name="Дата 4">
             <a:extLst>
               <a:ext uri="{FF2B5EF4-FFF2-40B4-BE49-F238E27FC236}">
-                <a16:creationId xmlns="" xmlns:a16="http://schemas.microsoft.com/office/drawing/2014/main" id="{59389CDC-954B-4F3C-8708-20D835E735D8}"/>
+                <a16:creationId xmlns:a16="http://schemas.microsoft.com/office/drawing/2014/main" xmlns="" id="{59389CDC-954B-4F3C-8708-20D835E735D8}"/>
               </a:ext>
             </a:extLst>
           </p:cNvPr>
@@ -3401,7 +3401,7 @@
           <a:p>
             <a:fld id="{39985775-DA12-4519-AD4E-BF0D8B5A28A2}" type="datetimeFigureOut">
               <a:rPr lang="ru-RU" smtClean="0"/>
-              <a:t>07.12.2022</a:t>
+              <a:t>08.12.2022</a:t>
             </a:fld>
             <a:endParaRPr lang="ru-RU"/>
           </a:p>
@@ -3412,7 +3412,7 @@
           <p:cNvPr id="6" name="Нижний колонтитул 5">
             <a:extLst>
               <a:ext uri="{FF2B5EF4-FFF2-40B4-BE49-F238E27FC236}">
-                <a16:creationId xmlns="" xmlns:a16="http://schemas.microsoft.com/office/drawing/2014/main" id="{9021DA71-9B62-4B5B-9FC5-8A2FE4CE5A21}"/>
+                <a16:creationId xmlns:a16="http://schemas.microsoft.com/office/drawing/2014/main" xmlns="" id="{9021DA71-9B62-4B5B-9FC5-8A2FE4CE5A21}"/>
               </a:ext>
             </a:extLst>
           </p:cNvPr>
@@ -3437,7 +3437,7 @@
           <p:cNvPr id="7" name="Номер слайда 6">
             <a:extLst>
               <a:ext uri="{FF2B5EF4-FFF2-40B4-BE49-F238E27FC236}">
-                <a16:creationId xmlns="" xmlns:a16="http://schemas.microsoft.com/office/drawing/2014/main" id="{9BC5407C-33E1-4753-B9AC-F00DBA80868C}"/>
+                <a16:creationId xmlns:a16="http://schemas.microsoft.com/office/drawing/2014/main" xmlns="" id="{9BC5407C-33E1-4753-B9AC-F00DBA80868C}"/>
               </a:ext>
             </a:extLst>
           </p:cNvPr>
@@ -3508,7 +3508,7 @@
           <p:cNvPr id="2" name="Заголовок 1">
             <a:extLst>
               <a:ext uri="{FF2B5EF4-FFF2-40B4-BE49-F238E27FC236}">
-                <a16:creationId xmlns="" xmlns:a16="http://schemas.microsoft.com/office/drawing/2014/main" id="{CD663584-63A5-4369-B563-05FB35552DB9}"/>
+                <a16:creationId xmlns:a16="http://schemas.microsoft.com/office/drawing/2014/main" xmlns="" id="{CD663584-63A5-4369-B563-05FB35552DB9}"/>
               </a:ext>
             </a:extLst>
           </p:cNvPr>
@@ -3541,7 +3541,7 @@
           <p:cNvPr id="3" name="Текст 2">
             <a:extLst>
               <a:ext uri="{FF2B5EF4-FFF2-40B4-BE49-F238E27FC236}">
-                <a16:creationId xmlns="" xmlns:a16="http://schemas.microsoft.com/office/drawing/2014/main" id="{438BDB9A-93BD-4EBA-9434-1716F89768E0}"/>
+                <a16:creationId xmlns:a16="http://schemas.microsoft.com/office/drawing/2014/main" xmlns="" id="{438BDB9A-93BD-4EBA-9434-1716F89768E0}"/>
               </a:ext>
             </a:extLst>
           </p:cNvPr>
@@ -3612,7 +3612,7 @@
           <p:cNvPr id="4" name="Объект 3">
             <a:extLst>
               <a:ext uri="{FF2B5EF4-FFF2-40B4-BE49-F238E27FC236}">
-                <a16:creationId xmlns="" xmlns:a16="http://schemas.microsoft.com/office/drawing/2014/main" id="{9C6B4D10-58E3-4843-B773-ACE304291F32}"/>
+                <a16:creationId xmlns:a16="http://schemas.microsoft.com/office/drawing/2014/main" xmlns="" id="{9C6B4D10-58E3-4843-B773-ACE304291F32}"/>
               </a:ext>
             </a:extLst>
           </p:cNvPr>
@@ -3674,7 +3674,7 @@
           <p:cNvPr id="5" name="Текст 4">
             <a:extLst>
               <a:ext uri="{FF2B5EF4-FFF2-40B4-BE49-F238E27FC236}">
-                <a16:creationId xmlns="" xmlns:a16="http://schemas.microsoft.com/office/drawing/2014/main" id="{DF791276-15DC-4AAA-A29A-7294AAED5151}"/>
+                <a16:creationId xmlns:a16="http://schemas.microsoft.com/office/drawing/2014/main" xmlns="" id="{DF791276-15DC-4AAA-A29A-7294AAED5151}"/>
               </a:ext>
             </a:extLst>
           </p:cNvPr>
@@ -3745,7 +3745,7 @@
           <p:cNvPr id="6" name="Объект 5">
             <a:extLst>
               <a:ext uri="{FF2B5EF4-FFF2-40B4-BE49-F238E27FC236}">
-                <a16:creationId xmlns="" xmlns:a16="http://schemas.microsoft.com/office/drawing/2014/main" id="{D984DE98-0C02-460E-AEB8-1FFCF6EE593F}"/>
+                <a16:creationId xmlns:a16="http://schemas.microsoft.com/office/drawing/2014/main" xmlns="" id="{D984DE98-0C02-460E-AEB8-1FFCF6EE593F}"/>
               </a:ext>
             </a:extLst>
           </p:cNvPr>
@@ -3807,7 +3807,7 @@
           <p:cNvPr id="7" name="Дата 6">
             <a:extLst>
               <a:ext uri="{FF2B5EF4-FFF2-40B4-BE49-F238E27FC236}">
-                <a16:creationId xmlns="" xmlns:a16="http://schemas.microsoft.com/office/drawing/2014/main" id="{4AE545B8-BE5D-416A-A9C4-DD942138351A}"/>
+                <a16:creationId xmlns:a16="http://schemas.microsoft.com/office/drawing/2014/main" xmlns="" id="{4AE545B8-BE5D-416A-A9C4-DD942138351A}"/>
               </a:ext>
             </a:extLst>
           </p:cNvPr>
@@ -3825,7 +3825,7 @@
           <a:p>
             <a:fld id="{39985775-DA12-4519-AD4E-BF0D8B5A28A2}" type="datetimeFigureOut">
               <a:rPr lang="ru-RU" smtClean="0"/>
-              <a:t>07.12.2022</a:t>
+              <a:t>08.12.2022</a:t>
             </a:fld>
             <a:endParaRPr lang="ru-RU"/>
           </a:p>
@@ -3836,7 +3836,7 @@
           <p:cNvPr id="8" name="Нижний колонтитул 7">
             <a:extLst>
               <a:ext uri="{FF2B5EF4-FFF2-40B4-BE49-F238E27FC236}">
-                <a16:creationId xmlns="" xmlns:a16="http://schemas.microsoft.com/office/drawing/2014/main" id="{203D84F0-63EB-4F1F-A304-21FC5773031A}"/>
+                <a16:creationId xmlns:a16="http://schemas.microsoft.com/office/drawing/2014/main" xmlns="" id="{203D84F0-63EB-4F1F-A304-21FC5773031A}"/>
               </a:ext>
             </a:extLst>
           </p:cNvPr>
@@ -3861,7 +3861,7 @@
           <p:cNvPr id="9" name="Номер слайда 8">
             <a:extLst>
               <a:ext uri="{FF2B5EF4-FFF2-40B4-BE49-F238E27FC236}">
-                <a16:creationId xmlns="" xmlns:a16="http://schemas.microsoft.com/office/drawing/2014/main" id="{56BA2A66-252D-4BBD-AD7E-3C84EC9585AC}"/>
+                <a16:creationId xmlns:a16="http://schemas.microsoft.com/office/drawing/2014/main" xmlns="" id="{56BA2A66-252D-4BBD-AD7E-3C84EC9585AC}"/>
               </a:ext>
             </a:extLst>
           </p:cNvPr>
@@ -3937,7 +3937,7 @@
           <p:cNvPr id="2" name="Заголовок 1">
             <a:extLst>
               <a:ext uri="{FF2B5EF4-FFF2-40B4-BE49-F238E27FC236}">
-                <a16:creationId xmlns="" xmlns:a16="http://schemas.microsoft.com/office/drawing/2014/main" id="{D5569195-B136-450A-9EBB-E4D32554B9F7}"/>
+                <a16:creationId xmlns:a16="http://schemas.microsoft.com/office/drawing/2014/main" xmlns="" id="{D5569195-B136-450A-9EBB-E4D32554B9F7}"/>
               </a:ext>
             </a:extLst>
           </p:cNvPr>
@@ -3975,7 +3975,7 @@
           <p:cNvPr id="3" name="Текст 2">
             <a:extLst>
               <a:ext uri="{FF2B5EF4-FFF2-40B4-BE49-F238E27FC236}">
-                <a16:creationId xmlns="" xmlns:a16="http://schemas.microsoft.com/office/drawing/2014/main" id="{6C56AFD3-762E-431D-8169-48E9431F222C}"/>
+                <a16:creationId xmlns:a16="http://schemas.microsoft.com/office/drawing/2014/main" xmlns="" id="{6C56AFD3-762E-431D-8169-48E9431F222C}"/>
               </a:ext>
             </a:extLst>
           </p:cNvPr>
@@ -4042,7 +4042,7 @@
           <p:cNvPr id="4" name="Дата 3">
             <a:extLst>
               <a:ext uri="{FF2B5EF4-FFF2-40B4-BE49-F238E27FC236}">
-                <a16:creationId xmlns="" xmlns:a16="http://schemas.microsoft.com/office/drawing/2014/main" id="{B0B0A7F1-90CF-4B8D-9FE0-9796384F4054}"/>
+                <a16:creationId xmlns:a16="http://schemas.microsoft.com/office/drawing/2014/main" xmlns="" id="{B0B0A7F1-90CF-4B8D-9FE0-9796384F4054}"/>
               </a:ext>
             </a:extLst>
           </p:cNvPr>
@@ -4078,7 +4078,7 @@
           <a:p>
             <a:fld id="{39985775-DA12-4519-AD4E-BF0D8B5A28A2}" type="datetimeFigureOut">
               <a:rPr lang="ru-RU" smtClean="0"/>
-              <a:t>07.12.2022</a:t>
+              <a:t>08.12.2022</a:t>
             </a:fld>
             <a:endParaRPr lang="ru-RU"/>
           </a:p>
@@ -4089,7 +4089,7 @@
           <p:cNvPr id="5" name="Нижний колонтитул 4">
             <a:extLst>
               <a:ext uri="{FF2B5EF4-FFF2-40B4-BE49-F238E27FC236}">
-                <a16:creationId xmlns="" xmlns:a16="http://schemas.microsoft.com/office/drawing/2014/main" id="{722E4D6C-F1D3-4A14-8D0D-B4CCD0AC81E3}"/>
+                <a16:creationId xmlns:a16="http://schemas.microsoft.com/office/drawing/2014/main" xmlns="" id="{722E4D6C-F1D3-4A14-8D0D-B4CCD0AC81E3}"/>
               </a:ext>
             </a:extLst>
           </p:cNvPr>
@@ -4132,7 +4132,7 @@
           <p:cNvPr id="6" name="Номер слайда 5">
             <a:extLst>
               <a:ext uri="{FF2B5EF4-FFF2-40B4-BE49-F238E27FC236}">
-                <a16:creationId xmlns="" xmlns:a16="http://schemas.microsoft.com/office/drawing/2014/main" id="{EDACE525-741D-45DF-830F-DE1754B0747D}"/>
+                <a16:creationId xmlns:a16="http://schemas.microsoft.com/office/drawing/2014/main" xmlns="" id="{EDACE525-741D-45DF-830F-DE1754B0747D}"/>
               </a:ext>
             </a:extLst>
           </p:cNvPr>
@@ -4180,7 +4180,7 @@
             <a:hlinkClick r:id="rId17"/>
             <a:extLst>
               <a:ext uri="{FF2B5EF4-FFF2-40B4-BE49-F238E27FC236}">
-                <a16:creationId xmlns="" xmlns:a16="http://schemas.microsoft.com/office/drawing/2014/main" id="{5B02C175-E080-45D1-9C7B-D1AA06E5A429}"/>
+                <a16:creationId xmlns:a16="http://schemas.microsoft.com/office/drawing/2014/main" xmlns="" id="{5B02C175-E080-45D1-9C7B-D1AA06E5A429}"/>
               </a:ext>
             </a:extLst>
           </p:cNvPr>
@@ -4553,7 +4553,7 @@
           <p:cNvPr id="4" name="Прямоугольник 3">
             <a:extLst>
               <a:ext uri="{FF2B5EF4-FFF2-40B4-BE49-F238E27FC236}">
-                <a16:creationId xmlns="" xmlns:a16="http://schemas.microsoft.com/office/drawing/2014/main" id="{3A24C834-B741-4195-B095-CF0589AF7461}"/>
+                <a16:creationId xmlns:a16="http://schemas.microsoft.com/office/drawing/2014/main" xmlns="" id="{3A24C834-B741-4195-B095-CF0589AF7461}"/>
               </a:ext>
             </a:extLst>
           </p:cNvPr>
@@ -4604,11 +4604,7 @@
             </a:r>
             <a:r>
               <a:rPr lang="ru-RU" sz="2000" dirty="0" smtClean="0"/>
-              <a:t>«Вычислительные средства </a:t>
-            </a:r>
-            <a:r>
-              <a:rPr lang="ru-RU" sz="2000" dirty="0" smtClean="0"/>
-              <a:t>АСОИ»</a:t>
+              <a:t>«Вычислительные средства АСОИ»</a:t>
             </a:r>
             <a:endParaRPr lang="ru-RU" sz="2000" dirty="0"/>
           </a:p>
@@ -4650,7 +4646,7 @@
           <p:cNvPr id="2" name="Заголовок 1">
             <a:extLst>
               <a:ext uri="{FF2B5EF4-FFF2-40B4-BE49-F238E27FC236}">
-                <a16:creationId xmlns="" xmlns:a16="http://schemas.microsoft.com/office/drawing/2014/main" id="{863F741A-A27B-4CE2-B7D3-79591874A84A}"/>
+                <a16:creationId xmlns:a16="http://schemas.microsoft.com/office/drawing/2014/main" xmlns="" id="{863F741A-A27B-4CE2-B7D3-79591874A84A}"/>
               </a:ext>
             </a:extLst>
           </p:cNvPr>
@@ -4694,7 +4690,7 @@
           <p:cNvPr id="3" name="Подзаголовок 2">
             <a:extLst>
               <a:ext uri="{FF2B5EF4-FFF2-40B4-BE49-F238E27FC236}">
-                <a16:creationId xmlns="" xmlns:a16="http://schemas.microsoft.com/office/drawing/2014/main" id="{5C2BA5F0-712E-441B-8DC7-1A2DEE33DD3D}"/>
+                <a16:creationId xmlns:a16="http://schemas.microsoft.com/office/drawing/2014/main" xmlns="" id="{5C2BA5F0-712E-441B-8DC7-1A2DEE33DD3D}"/>
               </a:ext>
             </a:extLst>
           </p:cNvPr>
@@ -4738,7 +4734,7 @@
           <p:cNvPr id="6" name="Прямая соединительная линия 5">
             <a:extLst>
               <a:ext uri="{FF2B5EF4-FFF2-40B4-BE49-F238E27FC236}">
-                <a16:creationId xmlns="" xmlns:a16="http://schemas.microsoft.com/office/drawing/2014/main" id="{38D3D184-4321-4E38-BE07-42489AB6216D}"/>
+                <a16:creationId xmlns:a16="http://schemas.microsoft.com/office/drawing/2014/main" xmlns="" id="{38D3D184-4321-4E38-BE07-42489AB6216D}"/>
               </a:ext>
             </a:extLst>
           </p:cNvPr>
@@ -4781,7 +4777,7 @@
           <p:cNvPr id="8" name="Прямая соединительная линия 7">
             <a:extLst>
               <a:ext uri="{FF2B5EF4-FFF2-40B4-BE49-F238E27FC236}">
-                <a16:creationId xmlns="" xmlns:a16="http://schemas.microsoft.com/office/drawing/2014/main" id="{D6A11B4B-69CF-4A51-9644-617C8A15784E}"/>
+                <a16:creationId xmlns:a16="http://schemas.microsoft.com/office/drawing/2014/main" xmlns="" id="{D6A11B4B-69CF-4A51-9644-617C8A15784E}"/>
               </a:ext>
             </a:extLst>
           </p:cNvPr>
@@ -4873,7 +4869,7 @@
           <p:cNvPr id="27" name="Прямоугольник 26">
             <a:extLst>
               <a:ext uri="{FF2B5EF4-FFF2-40B4-BE49-F238E27FC236}">
-                <a16:creationId xmlns="" xmlns:a16="http://schemas.microsoft.com/office/drawing/2014/main" id="{6AB6FD9A-1AFC-4807-9449-71974F4B8494}"/>
+                <a16:creationId xmlns:a16="http://schemas.microsoft.com/office/drawing/2014/main" xmlns="" id="{6AB6FD9A-1AFC-4807-9449-71974F4B8494}"/>
               </a:ext>
             </a:extLst>
           </p:cNvPr>
@@ -4922,7 +4918,7 @@
           <p:cNvPr id="26" name="Прямоугольник 25">
             <a:extLst>
               <a:ext uri="{FF2B5EF4-FFF2-40B4-BE49-F238E27FC236}">
-                <a16:creationId xmlns="" xmlns:a16="http://schemas.microsoft.com/office/drawing/2014/main" id="{450AF9F7-281C-4F9E-BABF-05CBB22A9EA9}"/>
+                <a16:creationId xmlns:a16="http://schemas.microsoft.com/office/drawing/2014/main" xmlns="" id="{450AF9F7-281C-4F9E-BABF-05CBB22A9EA9}"/>
               </a:ext>
             </a:extLst>
           </p:cNvPr>
@@ -4971,7 +4967,7 @@
           <p:cNvPr id="10" name="Прямоугольник 9">
             <a:extLst>
               <a:ext uri="{FF2B5EF4-FFF2-40B4-BE49-F238E27FC236}">
-                <a16:creationId xmlns="" xmlns:a16="http://schemas.microsoft.com/office/drawing/2014/main" id="{D9DBC35E-48E7-462C-9C9D-0CBCE2EA9228}"/>
+                <a16:creationId xmlns:a16="http://schemas.microsoft.com/office/drawing/2014/main" xmlns="" id="{D9DBC35E-48E7-462C-9C9D-0CBCE2EA9228}"/>
               </a:ext>
             </a:extLst>
           </p:cNvPr>
@@ -5020,7 +5016,7 @@
           <p:cNvPr id="11" name="Прямоугольник 10">
             <a:extLst>
               <a:ext uri="{FF2B5EF4-FFF2-40B4-BE49-F238E27FC236}">
-                <a16:creationId xmlns="" xmlns:a16="http://schemas.microsoft.com/office/drawing/2014/main" id="{77244B79-61B0-4DBC-816D-C65406D31146}"/>
+                <a16:creationId xmlns:a16="http://schemas.microsoft.com/office/drawing/2014/main" xmlns="" id="{77244B79-61B0-4DBC-816D-C65406D31146}"/>
               </a:ext>
             </a:extLst>
           </p:cNvPr>
@@ -5313,15 +5309,7 @@
                   <a:schemeClr val="bg1"/>
                 </a:solidFill>
               </a:rPr>
-              <a:t>Целью курсовой работы является разработка </a:t>
-            </a:r>
-            <a:r>
-              <a:rPr lang="ru-RU" sz="2500" dirty="0" smtClean="0">
-                <a:solidFill>
-                  <a:schemeClr val="bg1"/>
-                </a:solidFill>
-              </a:rPr>
-              <a:t>веб-приложения </a:t>
+              <a:t>Целью курсовой работы является разработка веб-приложения </a:t>
             </a:r>
             <a:r>
               <a:rPr lang="ru-RU" sz="2500" dirty="0" err="1" smtClean="0">
@@ -5736,7 +5724,7 @@
           <p:cNvPr id="2" name="Заголовок 1">
             <a:extLst>
               <a:ext uri="{FF2B5EF4-FFF2-40B4-BE49-F238E27FC236}">
-                <a16:creationId xmlns="" xmlns:a16="http://schemas.microsoft.com/office/drawing/2014/main" id="{C90EBC50-0B1A-4FA5-A84F-9B41E5DAE68F}"/>
+                <a16:creationId xmlns:a16="http://schemas.microsoft.com/office/drawing/2014/main" xmlns="" id="{C90EBC50-0B1A-4FA5-A84F-9B41E5DAE68F}"/>
               </a:ext>
             </a:extLst>
           </p:cNvPr>
@@ -5771,7 +5759,7 @@
           <p:cNvPr id="5" name="TextBox 4">
             <a:extLst>
               <a:ext uri="{FF2B5EF4-FFF2-40B4-BE49-F238E27FC236}">
-                <a16:creationId xmlns="" xmlns:a16="http://schemas.microsoft.com/office/drawing/2014/main" id="{0C36DFE7-A785-443A-8C47-5E53293E5B03}"/>
+                <a16:creationId xmlns:a16="http://schemas.microsoft.com/office/drawing/2014/main" xmlns="" id="{0C36DFE7-A785-443A-8C47-5E53293E5B03}"/>
               </a:ext>
             </a:extLst>
           </p:cNvPr>
@@ -5809,23 +5797,15 @@
                   <a:schemeClr val="accent2"/>
                 </a:solidFill>
               </a:rPr>
-              <a:t>является предоставление и получение услуг </a:t>
-            </a:r>
-            <a:r>
-              <a:rPr lang="ru-RU" sz="3200" dirty="0">
+              <a:t>является </a:t>
+            </a:r>
+            <a:r>
+              <a:rPr lang="ru-RU" sz="3200" dirty="0" smtClean="0">
                 <a:solidFill>
                   <a:schemeClr val="accent2"/>
                 </a:solidFill>
               </a:rPr>
-              <a:t>по </a:t>
-            </a:r>
-            <a:r>
-              <a:rPr lang="ru-RU" sz="3200" dirty="0" smtClean="0">
-                <a:solidFill>
-                  <a:schemeClr val="accent2"/>
-                </a:solidFill>
-              </a:rPr>
-              <a:t>ремонту с возможностью коммуникации между исполнителем и заказчиком по поводу услуги при помощи чата </a:t>
+              <a:t>информационная поддержка малого бизнеса и самозанятых, предоставляющих услуги населению по разнообразным видам ремонта</a:t>
             </a:r>
             <a:endParaRPr lang="ru-RU" sz="3200" dirty="0">
               <a:solidFill>
@@ -5840,7 +5820,7 @@
           <p:cNvPr id="7" name="Прямая соединительная линия 6">
             <a:extLst>
               <a:ext uri="{FF2B5EF4-FFF2-40B4-BE49-F238E27FC236}">
-                <a16:creationId xmlns="" xmlns:a16="http://schemas.microsoft.com/office/drawing/2014/main" id="{06E17476-810A-473C-839C-F99C2DC7380F}"/>
+                <a16:creationId xmlns:a16="http://schemas.microsoft.com/office/drawing/2014/main" xmlns="" id="{06E17476-810A-473C-839C-F99C2DC7380F}"/>
               </a:ext>
             </a:extLst>
           </p:cNvPr>
@@ -5881,7 +5861,7 @@
           <p:cNvPr id="8" name="Прямая соединительная линия 7">
             <a:extLst>
               <a:ext uri="{FF2B5EF4-FFF2-40B4-BE49-F238E27FC236}">
-                <a16:creationId xmlns="" xmlns:a16="http://schemas.microsoft.com/office/drawing/2014/main" id="{2060357F-DE11-421D-853D-70018423605E}"/>
+                <a16:creationId xmlns:a16="http://schemas.microsoft.com/office/drawing/2014/main" xmlns="" id="{2060357F-DE11-421D-853D-70018423605E}"/>
               </a:ext>
             </a:extLst>
           </p:cNvPr>
@@ -5971,7 +5951,7 @@
           <p:cNvPr id="2" name="Заголовок 1">
             <a:extLst>
               <a:ext uri="{FF2B5EF4-FFF2-40B4-BE49-F238E27FC236}">
-                <a16:creationId xmlns="" xmlns:a16="http://schemas.microsoft.com/office/drawing/2014/main" id="{C3D69FB5-73CD-4EAB-9F49-153919DA4C48}"/>
+                <a16:creationId xmlns:a16="http://schemas.microsoft.com/office/drawing/2014/main" xmlns="" id="{C3D69FB5-73CD-4EAB-9F49-153919DA4C48}"/>
               </a:ext>
             </a:extLst>
           </p:cNvPr>
@@ -5997,7 +5977,6 @@
               <a:rPr lang="ru-RU" dirty="0"/>
               <a:t>Архитектура системы</a:t>
             </a:r>
-            <a:endParaRPr lang="ru-RU" dirty="0"/>
           </a:p>
         </p:txBody>
       </p:sp>
@@ -6006,7 +5985,7 @@
           <p:cNvPr id="8" name="TextBox 7">
             <a:extLst>
               <a:ext uri="{FF2B5EF4-FFF2-40B4-BE49-F238E27FC236}">
-                <a16:creationId xmlns="" xmlns:a16="http://schemas.microsoft.com/office/drawing/2014/main" id="{0C36DFE7-A785-443A-8C47-5E53293E5B03}"/>
+                <a16:creationId xmlns:a16="http://schemas.microsoft.com/office/drawing/2014/main" xmlns="" id="{0C36DFE7-A785-443A-8C47-5E53293E5B03}"/>
               </a:ext>
             </a:extLst>
           </p:cNvPr>
@@ -6133,7 +6112,7 @@
           <p:cNvPr id="2" name="Заголовок 1">
             <a:extLst>
               <a:ext uri="{FF2B5EF4-FFF2-40B4-BE49-F238E27FC236}">
-                <a16:creationId xmlns="" xmlns:a16="http://schemas.microsoft.com/office/drawing/2014/main" id="{C3D69FB5-73CD-4EAB-9F49-153919DA4C48}"/>
+                <a16:creationId xmlns:a16="http://schemas.microsoft.com/office/drawing/2014/main" xmlns="" id="{C3D69FB5-73CD-4EAB-9F49-153919DA4C48}"/>
               </a:ext>
             </a:extLst>
           </p:cNvPr>
@@ -6203,13 +6182,13 @@
   <p:clrMapOvr>
     <a:masterClrMapping/>
   </p:clrMapOvr>
-  <mc:AlternateContent xmlns:mc="http://schemas.openxmlformats.org/markup-compatibility/2006">
-    <mc:Choice xmlns:p14="http://schemas.microsoft.com/office/powerpoint/2010/main" Requires="p14">
+  <mc:AlternateContent xmlns:mc="http://schemas.openxmlformats.org/markup-compatibility/2006" xmlns:p14="http://schemas.microsoft.com/office/powerpoint/2010/main">
+    <mc:Choice Requires="p14">
       <p:transition spd="med" p14:dur="700">
         <p:fade/>
       </p:transition>
     </mc:Choice>
-    <mc:Fallback>
+    <mc:Fallback xmlns="">
       <p:transition spd="med">
         <p:fade/>
       </p:transition>
@@ -6247,7 +6226,7 @@
           <p:cNvPr id="2" name="Заголовок 1">
             <a:extLst>
               <a:ext uri="{FF2B5EF4-FFF2-40B4-BE49-F238E27FC236}">
-                <a16:creationId xmlns="" xmlns:a16="http://schemas.microsoft.com/office/drawing/2014/main" id="{C3D69FB5-73CD-4EAB-9F49-153919DA4C48}"/>
+                <a16:creationId xmlns:a16="http://schemas.microsoft.com/office/drawing/2014/main" xmlns="" id="{C3D69FB5-73CD-4EAB-9F49-153919DA4C48}"/>
               </a:ext>
             </a:extLst>
           </p:cNvPr>
@@ -6273,7 +6252,6 @@
               <a:rPr lang="ru-RU" dirty="0"/>
               <a:t>Скриншоты пользовательского интерфейса</a:t>
             </a:r>
-            <a:endParaRPr lang="ru-RU" dirty="0"/>
           </a:p>
         </p:txBody>
       </p:sp>
@@ -6347,13 +6325,13 @@
   <p:clrMapOvr>
     <a:masterClrMapping/>
   </p:clrMapOvr>
-  <mc:AlternateContent xmlns:mc="http://schemas.openxmlformats.org/markup-compatibility/2006">
-    <mc:Choice xmlns:p14="http://schemas.microsoft.com/office/powerpoint/2010/main" Requires="p14">
+  <mc:AlternateContent xmlns:mc="http://schemas.openxmlformats.org/markup-compatibility/2006" xmlns:p14="http://schemas.microsoft.com/office/powerpoint/2010/main">
+    <mc:Choice Requires="p14">
       <p:transition spd="med" p14:dur="700">
         <p:fade/>
       </p:transition>
     </mc:Choice>
-    <mc:Fallback>
+    <mc:Fallback xmlns="">
       <p:transition spd="med">
         <p:fade/>
       </p:transition>
@@ -6391,7 +6369,7 @@
           <p:cNvPr id="2" name="Заголовок 1">
             <a:extLst>
               <a:ext uri="{FF2B5EF4-FFF2-40B4-BE49-F238E27FC236}">
-                <a16:creationId xmlns="" xmlns:a16="http://schemas.microsoft.com/office/drawing/2014/main" id="{C3D69FB5-73CD-4EAB-9F49-153919DA4C48}"/>
+                <a16:creationId xmlns:a16="http://schemas.microsoft.com/office/drawing/2014/main" xmlns="" id="{C3D69FB5-73CD-4EAB-9F49-153919DA4C48}"/>
               </a:ext>
             </a:extLst>
           </p:cNvPr>
@@ -6417,7 +6395,6 @@
               <a:rPr lang="ru-RU" dirty="0"/>
               <a:t>Скриншоты пользовательского интерфейса</a:t>
             </a:r>
-            <a:endParaRPr lang="ru-RU" dirty="0"/>
           </a:p>
         </p:txBody>
       </p:sp>
@@ -6515,13 +6492,13 @@
   <p:clrMapOvr>
     <a:masterClrMapping/>
   </p:clrMapOvr>
-  <mc:AlternateContent xmlns:mc="http://schemas.openxmlformats.org/markup-compatibility/2006">
-    <mc:Choice xmlns:p14="http://schemas.microsoft.com/office/powerpoint/2010/main" Requires="p14">
+  <mc:AlternateContent xmlns:mc="http://schemas.openxmlformats.org/markup-compatibility/2006" xmlns:p14="http://schemas.microsoft.com/office/powerpoint/2010/main">
+    <mc:Choice Requires="p14">
       <p:transition spd="med" p14:dur="700">
         <p:fade/>
       </p:transition>
     </mc:Choice>
-    <mc:Fallback>
+    <mc:Fallback xmlns="">
       <p:transition spd="med">
         <p:fade/>
       </p:transition>
@@ -6559,7 +6536,7 @@
           <p:cNvPr id="27" name="Прямоугольник 26">
             <a:extLst>
               <a:ext uri="{FF2B5EF4-FFF2-40B4-BE49-F238E27FC236}">
-                <a16:creationId xmlns="" xmlns:a16="http://schemas.microsoft.com/office/drawing/2014/main" id="{6AB6FD9A-1AFC-4807-9449-71974F4B8494}"/>
+                <a16:creationId xmlns:a16="http://schemas.microsoft.com/office/drawing/2014/main" xmlns="" id="{6AB6FD9A-1AFC-4807-9449-71974F4B8494}"/>
               </a:ext>
             </a:extLst>
           </p:cNvPr>
@@ -6608,7 +6585,7 @@
           <p:cNvPr id="26" name="Прямоугольник 25">
             <a:extLst>
               <a:ext uri="{FF2B5EF4-FFF2-40B4-BE49-F238E27FC236}">
-                <a16:creationId xmlns="" xmlns:a16="http://schemas.microsoft.com/office/drawing/2014/main" id="{450AF9F7-281C-4F9E-BABF-05CBB22A9EA9}"/>
+                <a16:creationId xmlns:a16="http://schemas.microsoft.com/office/drawing/2014/main" xmlns="" id="{450AF9F7-281C-4F9E-BABF-05CBB22A9EA9}"/>
               </a:ext>
             </a:extLst>
           </p:cNvPr>
@@ -6657,7 +6634,7 @@
           <p:cNvPr id="10" name="Прямоугольник 9">
             <a:extLst>
               <a:ext uri="{FF2B5EF4-FFF2-40B4-BE49-F238E27FC236}">
-                <a16:creationId xmlns="" xmlns:a16="http://schemas.microsoft.com/office/drawing/2014/main" id="{D9DBC35E-48E7-462C-9C9D-0CBCE2EA9228}"/>
+                <a16:creationId xmlns:a16="http://schemas.microsoft.com/office/drawing/2014/main" xmlns="" id="{D9DBC35E-48E7-462C-9C9D-0CBCE2EA9228}"/>
               </a:ext>
             </a:extLst>
           </p:cNvPr>
@@ -6706,7 +6683,7 @@
           <p:cNvPr id="11" name="Прямоугольник 10">
             <a:extLst>
               <a:ext uri="{FF2B5EF4-FFF2-40B4-BE49-F238E27FC236}">
-                <a16:creationId xmlns="" xmlns:a16="http://schemas.microsoft.com/office/drawing/2014/main" id="{77244B79-61B0-4DBC-816D-C65406D31146}"/>
+                <a16:creationId xmlns:a16="http://schemas.microsoft.com/office/drawing/2014/main" xmlns="" id="{77244B79-61B0-4DBC-816D-C65406D31146}"/>
               </a:ext>
             </a:extLst>
           </p:cNvPr>
@@ -7203,7 +7180,7 @@
           <p:cNvPr id="12" name="Заголовок 1">
             <a:extLst>
               <a:ext uri="{FF2B5EF4-FFF2-40B4-BE49-F238E27FC236}">
-                <a16:creationId xmlns="" xmlns:a16="http://schemas.microsoft.com/office/drawing/2014/main" id="{C90EBC50-0B1A-4FA5-A84F-9B41E5DAE68F}"/>
+                <a16:creationId xmlns:a16="http://schemas.microsoft.com/office/drawing/2014/main" xmlns="" id="{C90EBC50-0B1A-4FA5-A84F-9B41E5DAE68F}"/>
               </a:ext>
             </a:extLst>
           </p:cNvPr>
@@ -7246,13 +7223,13 @@
   <p:clrMapOvr>
     <a:masterClrMapping/>
   </p:clrMapOvr>
-  <mc:AlternateContent xmlns:mc="http://schemas.openxmlformats.org/markup-compatibility/2006">
-    <mc:Choice xmlns:p14="http://schemas.microsoft.com/office/powerpoint/2010/main" Requires="p14">
+  <mc:AlternateContent xmlns:mc="http://schemas.openxmlformats.org/markup-compatibility/2006" xmlns:p14="http://schemas.microsoft.com/office/powerpoint/2010/main">
+    <mc:Choice Requires="p14">
       <p:transition spd="med" p14:dur="700">
         <p:fade/>
       </p:transition>
     </mc:Choice>
-    <mc:Fallback>
+    <mc:Fallback xmlns="">
       <p:transition spd="med">
         <p:fade/>
       </p:transition>
@@ -7290,7 +7267,7 @@
           <p:cNvPr id="4" name="Прямоугольник 3">
             <a:extLst>
               <a:ext uri="{FF2B5EF4-FFF2-40B4-BE49-F238E27FC236}">
-                <a16:creationId xmlns="" xmlns:a16="http://schemas.microsoft.com/office/drawing/2014/main" id="{67DF6E54-D19C-4CD4-8F96-28069ABFC599}"/>
+                <a16:creationId xmlns:a16="http://schemas.microsoft.com/office/drawing/2014/main" xmlns="" id="{67DF6E54-D19C-4CD4-8F96-28069ABFC599}"/>
               </a:ext>
             </a:extLst>
           </p:cNvPr>
@@ -7344,7 +7321,7 @@
           <p:cNvPr id="5" name="Заголовок 9">
             <a:extLst>
               <a:ext uri="{FF2B5EF4-FFF2-40B4-BE49-F238E27FC236}">
-                <a16:creationId xmlns="" xmlns:a16="http://schemas.microsoft.com/office/drawing/2014/main" id="{A7E80435-8CBD-49DE-A3E2-BAA82F873308}"/>
+                <a16:creationId xmlns:a16="http://schemas.microsoft.com/office/drawing/2014/main" xmlns="" id="{A7E80435-8CBD-49DE-A3E2-BAA82F873308}"/>
               </a:ext>
             </a:extLst>
           </p:cNvPr>
